--- a/docs/CT06.pptx
+++ b/docs/CT06.pptx
@@ -4,21 +4,26 @@
   <p:sldMasterIdLst>
     <p:sldMasterId id="2147483696" r:id="rId4"/>
   </p:sldMasterIdLst>
+  <p:notesMasterIdLst>
+    <p:notesMasterId r:id="rId16"/>
+  </p:notesMasterIdLst>
   <p:sldIdLst>
     <p:sldId id="256" r:id="rId5"/>
     <p:sldId id="257" r:id="rId6"/>
-    <p:sldId id="261" r:id="rId7"/>
-    <p:sldId id="262" r:id="rId8"/>
-    <p:sldId id="263" r:id="rId9"/>
-    <p:sldId id="258" r:id="rId10"/>
-    <p:sldId id="264" r:id="rId11"/>
-    <p:sldId id="260" r:id="rId12"/>
-    <p:sldId id="265" r:id="rId13"/>
+    <p:sldId id="266" r:id="rId7"/>
+    <p:sldId id="261" r:id="rId8"/>
+    <p:sldId id="262" r:id="rId9"/>
+    <p:sldId id="263" r:id="rId10"/>
+    <p:sldId id="258" r:id="rId11"/>
+    <p:sldId id="264" r:id="rId12"/>
+    <p:sldId id="267" r:id="rId13"/>
+    <p:sldId id="268" r:id="rId14"/>
+    <p:sldId id="265" r:id="rId15"/>
   </p:sldIdLst>
   <p:sldSz cx="9144000" cy="5143500" type="screen16x9"/>
   <p:notesSz cx="6858000" cy="9144000"/>
   <p:custDataLst>
-    <p:tags r:id="rId14"/>
+    <p:tags r:id="rId17"/>
   </p:custDataLst>
   <p:defaultTextStyle>
     <a:defPPr>
@@ -148,6 +153,448 @@
 </p:presentation>
 </file>
 
+<file path=ppt/notesMasters/notesMaster1.xml><?xml version="1.0" encoding="utf-8"?>
+<p:notesMaster xmlns:a="http://schemas.openxmlformats.org/drawingml/2006/main" xmlns:r="http://schemas.openxmlformats.org/officeDocument/2006/relationships" xmlns:p="http://schemas.openxmlformats.org/presentationml/2006/main">
+  <p:cSld>
+    <p:bg>
+      <p:bgRef idx="1001">
+        <a:schemeClr val="bg1"/>
+      </p:bgRef>
+    </p:bg>
+    <p:spTree>
+      <p:nvGrpSpPr>
+        <p:cNvPr id="1" name=""/>
+        <p:cNvGrpSpPr/>
+        <p:nvPr/>
+      </p:nvGrpSpPr>
+      <p:grpSpPr>
+        <a:xfrm>
+          <a:off x="0" y="0"/>
+          <a:ext cx="0" cy="0"/>
+          <a:chOff x="0" y="0"/>
+          <a:chExt cx="0" cy="0"/>
+        </a:xfrm>
+      </p:grpSpPr>
+      <p:sp>
+        <p:nvSpPr>
+          <p:cNvPr id="2" name="Header Placeholder 1"/>
+          <p:cNvSpPr>
+            <a:spLocks noGrp="1"/>
+          </p:cNvSpPr>
+          <p:nvPr>
+            <p:ph type="hdr" sz="quarter"/>
+          </p:nvPr>
+        </p:nvSpPr>
+        <p:spPr>
+          <a:xfrm>
+            <a:off x="0" y="0"/>
+            <a:ext cx="2971800" cy="457200"/>
+          </a:xfrm>
+          <a:prstGeom prst="rect">
+            <a:avLst/>
+          </a:prstGeom>
+        </p:spPr>
+        <p:txBody>
+          <a:bodyPr vert="horz" lIns="91440" tIns="45720" rIns="91440" bIns="45720" rtlCol="0"/>
+          <a:lstStyle>
+            <a:lvl1pPr algn="l">
+              <a:defRPr sz="1200"/>
+            </a:lvl1pPr>
+          </a:lstStyle>
+          <a:p>
+            <a:endParaRPr lang="en-US"/>
+          </a:p>
+        </p:txBody>
+      </p:sp>
+      <p:sp>
+        <p:nvSpPr>
+          <p:cNvPr id="3" name="Date Placeholder 2"/>
+          <p:cNvSpPr>
+            <a:spLocks noGrp="1"/>
+          </p:cNvSpPr>
+          <p:nvPr>
+            <p:ph type="dt" idx="1"/>
+          </p:nvPr>
+        </p:nvSpPr>
+        <p:spPr>
+          <a:xfrm>
+            <a:off x="3884613" y="0"/>
+            <a:ext cx="2971800" cy="457200"/>
+          </a:xfrm>
+          <a:prstGeom prst="rect">
+            <a:avLst/>
+          </a:prstGeom>
+        </p:spPr>
+        <p:txBody>
+          <a:bodyPr vert="horz" lIns="91440" tIns="45720" rIns="91440" bIns="45720" rtlCol="0"/>
+          <a:lstStyle>
+            <a:lvl1pPr algn="r">
+              <a:defRPr sz="1200"/>
+            </a:lvl1pPr>
+          </a:lstStyle>
+          <a:p>
+            <a:fld id="{EA796957-69BF-45A3-8936-2834E29413E7}" type="datetimeFigureOut">
+              <a:rPr lang="en-US" smtClean="0"/>
+              <a:t>2/18/2019</a:t>
+            </a:fld>
+            <a:endParaRPr lang="en-US"/>
+          </a:p>
+        </p:txBody>
+      </p:sp>
+      <p:sp>
+        <p:nvSpPr>
+          <p:cNvPr id="4" name="Slide Image Placeholder 3"/>
+          <p:cNvSpPr>
+            <a:spLocks noGrp="1" noRot="1" noChangeAspect="1"/>
+          </p:cNvSpPr>
+          <p:nvPr>
+            <p:ph type="sldImg" idx="2"/>
+          </p:nvPr>
+        </p:nvSpPr>
+        <p:spPr>
+          <a:xfrm>
+            <a:off x="381000" y="685800"/>
+            <a:ext cx="6096000" cy="3429000"/>
+          </a:xfrm>
+          <a:prstGeom prst="rect">
+            <a:avLst/>
+          </a:prstGeom>
+          <a:noFill/>
+          <a:ln w="12700">
+            <a:solidFill>
+              <a:prstClr val="black"/>
+            </a:solidFill>
+          </a:ln>
+        </p:spPr>
+        <p:txBody>
+          <a:bodyPr vert="horz" lIns="91440" tIns="45720" rIns="91440" bIns="45720" rtlCol="0" anchor="ctr"/>
+          <a:lstStyle/>
+          <a:p>
+            <a:endParaRPr lang="en-US"/>
+          </a:p>
+        </p:txBody>
+      </p:sp>
+      <p:sp>
+        <p:nvSpPr>
+          <p:cNvPr id="5" name="Notes Placeholder 4"/>
+          <p:cNvSpPr>
+            <a:spLocks noGrp="1"/>
+          </p:cNvSpPr>
+          <p:nvPr>
+            <p:ph type="body" sz="quarter" idx="3"/>
+          </p:nvPr>
+        </p:nvSpPr>
+        <p:spPr>
+          <a:xfrm>
+            <a:off x="685800" y="4343400"/>
+            <a:ext cx="5486400" cy="4114800"/>
+          </a:xfrm>
+          <a:prstGeom prst="rect">
+            <a:avLst/>
+          </a:prstGeom>
+        </p:spPr>
+        <p:txBody>
+          <a:bodyPr vert="horz" lIns="91440" tIns="45720" rIns="91440" bIns="45720" rtlCol="0"/>
+          <a:lstStyle/>
+          <a:p>
+            <a:pPr lvl="0"/>
+            <a:r>
+              <a:rPr lang="en-US" smtClean="0"/>
+              <a:t>Click to edit Master text styles</a:t>
+            </a:r>
+          </a:p>
+          <a:p>
+            <a:pPr lvl="1"/>
+            <a:r>
+              <a:rPr lang="en-US" smtClean="0"/>
+              <a:t>Second level</a:t>
+            </a:r>
+          </a:p>
+          <a:p>
+            <a:pPr lvl="2"/>
+            <a:r>
+              <a:rPr lang="en-US" smtClean="0"/>
+              <a:t>Third level</a:t>
+            </a:r>
+          </a:p>
+          <a:p>
+            <a:pPr lvl="3"/>
+            <a:r>
+              <a:rPr lang="en-US" smtClean="0"/>
+              <a:t>Fourth level</a:t>
+            </a:r>
+          </a:p>
+          <a:p>
+            <a:pPr lvl="4"/>
+            <a:r>
+              <a:rPr lang="en-US" smtClean="0"/>
+              <a:t>Fifth level</a:t>
+            </a:r>
+            <a:endParaRPr lang="en-US"/>
+          </a:p>
+        </p:txBody>
+      </p:sp>
+      <p:sp>
+        <p:nvSpPr>
+          <p:cNvPr id="6" name="Footer Placeholder 5"/>
+          <p:cNvSpPr>
+            <a:spLocks noGrp="1"/>
+          </p:cNvSpPr>
+          <p:nvPr>
+            <p:ph type="ftr" sz="quarter" idx="4"/>
+          </p:nvPr>
+        </p:nvSpPr>
+        <p:spPr>
+          <a:xfrm>
+            <a:off x="0" y="8685213"/>
+            <a:ext cx="2971800" cy="457200"/>
+          </a:xfrm>
+          <a:prstGeom prst="rect">
+            <a:avLst/>
+          </a:prstGeom>
+        </p:spPr>
+        <p:txBody>
+          <a:bodyPr vert="horz" lIns="91440" tIns="45720" rIns="91440" bIns="45720" rtlCol="0" anchor="b"/>
+          <a:lstStyle>
+            <a:lvl1pPr algn="l">
+              <a:defRPr sz="1200"/>
+            </a:lvl1pPr>
+          </a:lstStyle>
+          <a:p>
+            <a:endParaRPr lang="en-US"/>
+          </a:p>
+        </p:txBody>
+      </p:sp>
+      <p:sp>
+        <p:nvSpPr>
+          <p:cNvPr id="7" name="Slide Number Placeholder 6"/>
+          <p:cNvSpPr>
+            <a:spLocks noGrp="1"/>
+          </p:cNvSpPr>
+          <p:nvPr>
+            <p:ph type="sldNum" sz="quarter" idx="5"/>
+          </p:nvPr>
+        </p:nvSpPr>
+        <p:spPr>
+          <a:xfrm>
+            <a:off x="3884613" y="8685213"/>
+            <a:ext cx="2971800" cy="457200"/>
+          </a:xfrm>
+          <a:prstGeom prst="rect">
+            <a:avLst/>
+          </a:prstGeom>
+        </p:spPr>
+        <p:txBody>
+          <a:bodyPr vert="horz" lIns="91440" tIns="45720" rIns="91440" bIns="45720" rtlCol="0" anchor="b"/>
+          <a:lstStyle>
+            <a:lvl1pPr algn="r">
+              <a:defRPr sz="1200"/>
+            </a:lvl1pPr>
+          </a:lstStyle>
+          <a:p>
+            <a:fld id="{272A2C59-8FC1-4ECF-913A-81D73AFE7A60}" type="slidenum">
+              <a:rPr lang="en-US" smtClean="0"/>
+              <a:t>‹#›</a:t>
+            </a:fld>
+            <a:endParaRPr lang="en-US"/>
+          </a:p>
+        </p:txBody>
+      </p:sp>
+    </p:spTree>
+    <p:extLst>
+      <p:ext uri="{BB962C8B-B14F-4D97-AF65-F5344CB8AC3E}">
+        <p14:creationId xmlns:p14="http://schemas.microsoft.com/office/powerpoint/2010/main" val="1000914931"/>
+      </p:ext>
+    </p:extLst>
+  </p:cSld>
+  <p:clrMap bg1="lt1" tx1="dk1" bg2="lt2" tx2="dk2" accent1="accent1" accent2="accent2" accent3="accent3" accent4="accent4" accent5="accent5" accent6="accent6" hlink="hlink" folHlink="folHlink"/>
+  <p:notesStyle>
+    <a:lvl1pPr marL="0" algn="l" defTabSz="914400" rtl="0" eaLnBrk="1" latinLnBrk="0" hangingPunct="1">
+      <a:defRPr sz="1200" kern="1200">
+        <a:solidFill>
+          <a:schemeClr val="tx1"/>
+        </a:solidFill>
+        <a:latin typeface="+mn-lt"/>
+        <a:ea typeface="+mn-ea"/>
+        <a:cs typeface="+mn-cs"/>
+      </a:defRPr>
+    </a:lvl1pPr>
+    <a:lvl2pPr marL="457200" algn="l" defTabSz="914400" rtl="0" eaLnBrk="1" latinLnBrk="0" hangingPunct="1">
+      <a:defRPr sz="1200" kern="1200">
+        <a:solidFill>
+          <a:schemeClr val="tx1"/>
+        </a:solidFill>
+        <a:latin typeface="+mn-lt"/>
+        <a:ea typeface="+mn-ea"/>
+        <a:cs typeface="+mn-cs"/>
+      </a:defRPr>
+    </a:lvl2pPr>
+    <a:lvl3pPr marL="914400" algn="l" defTabSz="914400" rtl="0" eaLnBrk="1" latinLnBrk="0" hangingPunct="1">
+      <a:defRPr sz="1200" kern="1200">
+        <a:solidFill>
+          <a:schemeClr val="tx1"/>
+        </a:solidFill>
+        <a:latin typeface="+mn-lt"/>
+        <a:ea typeface="+mn-ea"/>
+        <a:cs typeface="+mn-cs"/>
+      </a:defRPr>
+    </a:lvl3pPr>
+    <a:lvl4pPr marL="1371600" algn="l" defTabSz="914400" rtl="0" eaLnBrk="1" latinLnBrk="0" hangingPunct="1">
+      <a:defRPr sz="1200" kern="1200">
+        <a:solidFill>
+          <a:schemeClr val="tx1"/>
+        </a:solidFill>
+        <a:latin typeface="+mn-lt"/>
+        <a:ea typeface="+mn-ea"/>
+        <a:cs typeface="+mn-cs"/>
+      </a:defRPr>
+    </a:lvl4pPr>
+    <a:lvl5pPr marL="1828800" algn="l" defTabSz="914400" rtl="0" eaLnBrk="1" latinLnBrk="0" hangingPunct="1">
+      <a:defRPr sz="1200" kern="1200">
+        <a:solidFill>
+          <a:schemeClr val="tx1"/>
+        </a:solidFill>
+        <a:latin typeface="+mn-lt"/>
+        <a:ea typeface="+mn-ea"/>
+        <a:cs typeface="+mn-cs"/>
+      </a:defRPr>
+    </a:lvl5pPr>
+    <a:lvl6pPr marL="2286000" algn="l" defTabSz="914400" rtl="0" eaLnBrk="1" latinLnBrk="0" hangingPunct="1">
+      <a:defRPr sz="1200" kern="1200">
+        <a:solidFill>
+          <a:schemeClr val="tx1"/>
+        </a:solidFill>
+        <a:latin typeface="+mn-lt"/>
+        <a:ea typeface="+mn-ea"/>
+        <a:cs typeface="+mn-cs"/>
+      </a:defRPr>
+    </a:lvl6pPr>
+    <a:lvl7pPr marL="2743200" algn="l" defTabSz="914400" rtl="0" eaLnBrk="1" latinLnBrk="0" hangingPunct="1">
+      <a:defRPr sz="1200" kern="1200">
+        <a:solidFill>
+          <a:schemeClr val="tx1"/>
+        </a:solidFill>
+        <a:latin typeface="+mn-lt"/>
+        <a:ea typeface="+mn-ea"/>
+        <a:cs typeface="+mn-cs"/>
+      </a:defRPr>
+    </a:lvl7pPr>
+    <a:lvl8pPr marL="3200400" algn="l" defTabSz="914400" rtl="0" eaLnBrk="1" latinLnBrk="0" hangingPunct="1">
+      <a:defRPr sz="1200" kern="1200">
+        <a:solidFill>
+          <a:schemeClr val="tx1"/>
+        </a:solidFill>
+        <a:latin typeface="+mn-lt"/>
+        <a:ea typeface="+mn-ea"/>
+        <a:cs typeface="+mn-cs"/>
+      </a:defRPr>
+    </a:lvl8pPr>
+    <a:lvl9pPr marL="3657600" algn="l" defTabSz="914400" rtl="0" eaLnBrk="1" latinLnBrk="0" hangingPunct="1">
+      <a:defRPr sz="1200" kern="1200">
+        <a:solidFill>
+          <a:schemeClr val="tx1"/>
+        </a:solidFill>
+        <a:latin typeface="+mn-lt"/>
+        <a:ea typeface="+mn-ea"/>
+        <a:cs typeface="+mn-cs"/>
+      </a:defRPr>
+    </a:lvl9pPr>
+  </p:notesStyle>
+</p:notesMaster>
+</file>
+
+<file path=ppt/notesSlides/notesSlide1.xml><?xml version="1.0" encoding="utf-8"?>
+<p:notes xmlns:a="http://schemas.openxmlformats.org/drawingml/2006/main" xmlns:r="http://schemas.openxmlformats.org/officeDocument/2006/relationships" xmlns:p="http://schemas.openxmlformats.org/presentationml/2006/main">
+  <p:cSld>
+    <p:spTree>
+      <p:nvGrpSpPr>
+        <p:cNvPr id="1" name=""/>
+        <p:cNvGrpSpPr/>
+        <p:nvPr/>
+      </p:nvGrpSpPr>
+      <p:grpSpPr>
+        <a:xfrm>
+          <a:off x="0" y="0"/>
+          <a:ext cx="0" cy="0"/>
+          <a:chOff x="0" y="0"/>
+          <a:chExt cx="0" cy="0"/>
+        </a:xfrm>
+      </p:grpSpPr>
+      <p:sp>
+        <p:nvSpPr>
+          <p:cNvPr id="2" name="Slide Image Placeholder 1"/>
+          <p:cNvSpPr>
+            <a:spLocks noGrp="1" noRot="1" noChangeAspect="1"/>
+          </p:cNvSpPr>
+          <p:nvPr>
+            <p:ph type="sldImg"/>
+          </p:nvPr>
+        </p:nvSpPr>
+        <p:spPr/>
+      </p:sp>
+      <p:sp>
+        <p:nvSpPr>
+          <p:cNvPr id="3" name="Notes Placeholder 2"/>
+          <p:cNvSpPr>
+            <a:spLocks noGrp="1"/>
+          </p:cNvSpPr>
+          <p:nvPr>
+            <p:ph type="body" idx="1"/>
+          </p:nvPr>
+        </p:nvSpPr>
+        <p:spPr/>
+        <p:txBody>
+          <a:bodyPr/>
+          <a:lstStyle/>
+          <a:p>
+            <a:r>
+              <a:rPr lang="en-US" dirty="0" smtClean="0"/>
+              <a:t>Ask audience whether</a:t>
+            </a:r>
+            <a:r>
+              <a:rPr lang="en-US" baseline="0" dirty="0" smtClean="0"/>
+              <a:t> they’re predominantly SAS or R users.</a:t>
+            </a:r>
+            <a:endParaRPr lang="en-US" dirty="0"/>
+          </a:p>
+        </p:txBody>
+      </p:sp>
+      <p:sp>
+        <p:nvSpPr>
+          <p:cNvPr id="4" name="Slide Number Placeholder 3"/>
+          <p:cNvSpPr>
+            <a:spLocks noGrp="1"/>
+          </p:cNvSpPr>
+          <p:nvPr>
+            <p:ph type="sldNum" sz="quarter" idx="10"/>
+          </p:nvPr>
+        </p:nvSpPr>
+        <p:spPr/>
+        <p:txBody>
+          <a:bodyPr/>
+          <a:lstStyle/>
+          <a:p>
+            <a:fld id="{272A2C59-8FC1-4ECF-913A-81D73AFE7A60}" type="slidenum">
+              <a:rPr lang="en-US" smtClean="0"/>
+              <a:t>1</a:t>
+            </a:fld>
+            <a:endParaRPr lang="en-US"/>
+          </a:p>
+        </p:txBody>
+      </p:sp>
+    </p:spTree>
+    <p:extLst>
+      <p:ext uri="{BB962C8B-B14F-4D97-AF65-F5344CB8AC3E}">
+        <p14:creationId xmlns:p14="http://schemas.microsoft.com/office/powerpoint/2010/main" val="4140679830"/>
+      </p:ext>
+    </p:extLst>
+  </p:cSld>
+  <p:clrMapOvr>
+    <a:masterClrMapping/>
+  </p:clrMapOvr>
+</p:notes>
+</file>
+
 <file path=ppt/slideLayouts/slideLayout1.xml><?xml version="1.0" encoding="utf-8"?>
 <p:sldLayout xmlns:a="http://schemas.openxmlformats.org/drawingml/2006/main" xmlns:r="http://schemas.openxmlformats.org/officeDocument/2006/relationships" xmlns:p="http://schemas.openxmlformats.org/presentationml/2006/main" type="title" preserve="1">
   <p:cSld name="Title Slide">
@@ -1475,7 +1922,7 @@
               <a:pPr>
                 <a:defRPr/>
               </a:pPr>
-              <a:t>1/24/2019</a:t>
+              <a:t>2/18/2019</a:t>
             </a:fld>
             <a:endParaRPr lang="en-US"/>
           </a:p>
@@ -2055,13 +2502,910 @@
   <p:clrMapOvr>
     <a:masterClrMapping/>
   </p:clrMapOvr>
-  <mc:AlternateContent xmlns:mc="http://schemas.openxmlformats.org/markup-compatibility/2006">
-    <mc:Choice xmlns:p14="http://schemas.microsoft.com/office/powerpoint/2010/main" Requires="p14">
+  <mc:AlternateContent xmlns:mc="http://schemas.openxmlformats.org/markup-compatibility/2006" xmlns:p14="http://schemas.microsoft.com/office/powerpoint/2010/main">
+    <mc:Choice Requires="p14">
       <p:transition spd="med" p14:dur="700">
         <p:fade/>
       </p:transition>
     </mc:Choice>
-    <mc:Fallback>
+    <mc:Fallback xmlns="">
+      <p:transition spd="med">
+        <p:fade/>
+      </p:transition>
+    </mc:Fallback>
+  </mc:AlternateContent>
+  <p:timing>
+    <p:tnLst>
+      <p:par>
+        <p:cTn id="1" dur="indefinite" restart="never" nodeType="tmRoot"/>
+      </p:par>
+    </p:tnLst>
+  </p:timing>
+</p:sld>
+</file>
+
+<file path=ppt/slides/slide10.xml><?xml version="1.0" encoding="utf-8"?>
+<p:sld xmlns:a="http://schemas.openxmlformats.org/drawingml/2006/main" xmlns:r="http://schemas.openxmlformats.org/officeDocument/2006/relationships" xmlns:p="http://schemas.openxmlformats.org/presentationml/2006/main">
+  <p:cSld>
+    <p:spTree>
+      <p:nvGrpSpPr>
+        <p:cNvPr id="1" name=""/>
+        <p:cNvGrpSpPr/>
+        <p:nvPr/>
+      </p:nvGrpSpPr>
+      <p:grpSpPr>
+        <a:xfrm>
+          <a:off x="0" y="0"/>
+          <a:ext cx="0" cy="0"/>
+          <a:chOff x="0" y="0"/>
+          <a:chExt cx="0" cy="0"/>
+        </a:xfrm>
+      </p:grpSpPr>
+      <p:sp>
+        <p:nvSpPr>
+          <p:cNvPr id="7" name="Title 6"/>
+          <p:cNvSpPr>
+            <a:spLocks noGrp="1"/>
+          </p:cNvSpPr>
+          <p:nvPr>
+            <p:ph type="title"/>
+          </p:nvPr>
+        </p:nvSpPr>
+        <p:spPr/>
+        <p:txBody>
+          <a:bodyPr/>
+          <a:lstStyle/>
+          <a:p>
+            <a:r>
+              <a:rPr lang="en-US" sz="3600" dirty="0" smtClean="0"/>
+              <a:t>SAS Example</a:t>
+            </a:r>
+            <a:endParaRPr lang="en-US" sz="3600" dirty="0"/>
+          </a:p>
+        </p:txBody>
+      </p:sp>
+      <p:sp>
+        <p:nvSpPr>
+          <p:cNvPr id="9" name="Content Placeholder 8"/>
+          <p:cNvSpPr>
+            <a:spLocks noGrp="1"/>
+          </p:cNvSpPr>
+          <p:nvPr>
+            <p:ph sz="half" idx="1"/>
+          </p:nvPr>
+        </p:nvSpPr>
+        <p:spPr>
+          <a:xfrm>
+            <a:off x="0" y="857250"/>
+            <a:ext cx="4648200" cy="3429000"/>
+          </a:xfrm>
+        </p:spPr>
+        <p:txBody>
+          <a:bodyPr/>
+          <a:lstStyle/>
+          <a:p>
+            <a:pPr marL="0" indent="0">
+              <a:spcBef>
+                <a:spcPts val="0"/>
+              </a:spcBef>
+              <a:buNone/>
+            </a:pPr>
+            <a:endParaRPr lang="en-US" sz="2000" dirty="0" smtClean="0">
+              <a:latin typeface="Courier New" panose="02070309020205020404" pitchFamily="49" charset="0"/>
+              <a:cs typeface="Courier New" panose="02070309020205020404" pitchFamily="49" charset="0"/>
+            </a:endParaRPr>
+          </a:p>
+          <a:p>
+            <a:pPr marL="0" indent="0">
+              <a:spcBef>
+                <a:spcPts val="0"/>
+              </a:spcBef>
+              <a:buNone/>
+            </a:pPr>
+            <a:r>
+              <a:rPr lang="en-US" sz="2000" dirty="0" err="1" smtClean="0">
+                <a:latin typeface="Courier New" panose="02070309020205020404" pitchFamily="49" charset="0"/>
+                <a:cs typeface="Courier New" panose="02070309020205020404" pitchFamily="49" charset="0"/>
+              </a:rPr>
+              <a:t>install_github</a:t>
+            </a:r>
+            <a:r>
+              <a:rPr lang="en-US" sz="2000" dirty="0" smtClean="0">
+                <a:latin typeface="Courier New" panose="02070309020205020404" pitchFamily="49" charset="0"/>
+                <a:cs typeface="Courier New" panose="02070309020205020404" pitchFamily="49" charset="0"/>
+              </a:rPr>
+              <a:t>(</a:t>
+            </a:r>
+          </a:p>
+          <a:p>
+            <a:pPr marL="0" indent="0">
+              <a:spcBef>
+                <a:spcPts val="0"/>
+              </a:spcBef>
+              <a:buNone/>
+            </a:pPr>
+            <a:r>
+              <a:rPr lang="en-US" sz="2000" dirty="0">
+                <a:latin typeface="Courier New" panose="02070309020205020404" pitchFamily="49" charset="0"/>
+                <a:cs typeface="Courier New" panose="02070309020205020404" pitchFamily="49" charset="0"/>
+              </a:rPr>
+              <a:t> </a:t>
+            </a:r>
+            <a:r>
+              <a:rPr lang="en-US" sz="2000" dirty="0" smtClean="0">
+                <a:latin typeface="Courier New" panose="02070309020205020404" pitchFamily="49" charset="0"/>
+                <a:cs typeface="Courier New" panose="02070309020205020404" pitchFamily="49" charset="0"/>
+              </a:rPr>
+              <a:t> repo = </a:t>
+            </a:r>
+            <a:r>
+              <a:rPr lang="en-US" sz="2000" dirty="0" err="1" smtClean="0">
+                <a:latin typeface="Courier New" panose="02070309020205020404" pitchFamily="49" charset="0"/>
+                <a:cs typeface="Courier New" panose="02070309020205020404" pitchFamily="49" charset="0"/>
+              </a:rPr>
+              <a:t>RhoInc</a:t>
+            </a:r>
+            <a:r>
+              <a:rPr lang="en-US" sz="2000" dirty="0" smtClean="0">
+                <a:latin typeface="Courier New" panose="02070309020205020404" pitchFamily="49" charset="0"/>
+                <a:cs typeface="Courier New" panose="02070309020205020404" pitchFamily="49" charset="0"/>
+              </a:rPr>
+              <a:t>/sas-codebook,</a:t>
+            </a:r>
+          </a:p>
+          <a:p>
+            <a:pPr marL="0" indent="0">
+              <a:spcBef>
+                <a:spcPts val="0"/>
+              </a:spcBef>
+              <a:buNone/>
+            </a:pPr>
+            <a:r>
+              <a:rPr lang="en-US" sz="2000" dirty="0">
+                <a:latin typeface="Courier New" panose="02070309020205020404" pitchFamily="49" charset="0"/>
+                <a:cs typeface="Courier New" panose="02070309020205020404" pitchFamily="49" charset="0"/>
+              </a:rPr>
+              <a:t> </a:t>
+            </a:r>
+            <a:r>
+              <a:rPr lang="en-US" sz="2000" dirty="0" smtClean="0">
+                <a:latin typeface="Courier New" panose="02070309020205020404" pitchFamily="49" charset="0"/>
+                <a:cs typeface="Courier New" panose="02070309020205020404" pitchFamily="49" charset="0"/>
+              </a:rPr>
+              <a:t> folder = Macros</a:t>
+            </a:r>
+          </a:p>
+          <a:p>
+            <a:pPr marL="0" indent="0">
+              <a:spcBef>
+                <a:spcPts val="0"/>
+              </a:spcBef>
+              <a:buNone/>
+            </a:pPr>
+            <a:r>
+              <a:rPr lang="en-US" sz="2000" dirty="0" smtClean="0">
+                <a:latin typeface="Courier New" panose="02070309020205020404" pitchFamily="49" charset="0"/>
+                <a:cs typeface="Courier New" panose="02070309020205020404" pitchFamily="49" charset="0"/>
+              </a:rPr>
+              <a:t>);</a:t>
+            </a:r>
+          </a:p>
+          <a:p>
+            <a:pPr marL="0" indent="0">
+              <a:spcBef>
+                <a:spcPts val="0"/>
+              </a:spcBef>
+              <a:buNone/>
+            </a:pPr>
+            <a:endParaRPr lang="en-US" sz="2000" dirty="0" smtClean="0">
+              <a:latin typeface="Courier New" panose="02070309020205020404" pitchFamily="49" charset="0"/>
+              <a:cs typeface="Courier New" panose="02070309020205020404" pitchFamily="49" charset="0"/>
+            </a:endParaRPr>
+          </a:p>
+          <a:p>
+            <a:pPr marL="0" indent="0">
+              <a:spcBef>
+                <a:spcPts val="0"/>
+              </a:spcBef>
+              <a:buNone/>
+            </a:pPr>
+            <a:r>
+              <a:rPr lang="en-US" sz="2000" dirty="0" smtClean="0">
+                <a:latin typeface="Courier New" panose="02070309020205020404" pitchFamily="49" charset="0"/>
+                <a:cs typeface="Courier New" panose="02070309020205020404" pitchFamily="49" charset="0"/>
+              </a:rPr>
+              <a:t>%</a:t>
+            </a:r>
+            <a:r>
+              <a:rPr lang="en-US" sz="2000" dirty="0" err="1" smtClean="0">
+                <a:latin typeface="Courier New" panose="02070309020205020404" pitchFamily="49" charset="0"/>
+                <a:cs typeface="Courier New" panose="02070309020205020404" pitchFamily="49" charset="0"/>
+              </a:rPr>
+              <a:t>codebook_generic</a:t>
+            </a:r>
+            <a:r>
+              <a:rPr lang="en-US" sz="2000" dirty="0" smtClean="0">
+                <a:latin typeface="Courier New" panose="02070309020205020404" pitchFamily="49" charset="0"/>
+                <a:cs typeface="Courier New" panose="02070309020205020404" pitchFamily="49" charset="0"/>
+              </a:rPr>
+              <a:t>(</a:t>
+            </a:r>
+          </a:p>
+          <a:p>
+            <a:pPr marL="0" indent="0">
+              <a:spcBef>
+                <a:spcPts val="0"/>
+              </a:spcBef>
+              <a:buNone/>
+            </a:pPr>
+            <a:r>
+              <a:rPr lang="en-US" sz="2000" dirty="0">
+                <a:latin typeface="Courier New" panose="02070309020205020404" pitchFamily="49" charset="0"/>
+                <a:cs typeface="Courier New" panose="02070309020205020404" pitchFamily="49" charset="0"/>
+              </a:rPr>
+              <a:t> </a:t>
+            </a:r>
+            <a:r>
+              <a:rPr lang="en-US" sz="2000" dirty="0" smtClean="0">
+                <a:latin typeface="Courier New" panose="02070309020205020404" pitchFamily="49" charset="0"/>
+                <a:cs typeface="Courier New" panose="02070309020205020404" pitchFamily="49" charset="0"/>
+              </a:rPr>
+              <a:t> data = </a:t>
+            </a:r>
+            <a:r>
+              <a:rPr lang="en-US" sz="2000" dirty="0" err="1" smtClean="0">
+                <a:latin typeface="Courier New" panose="02070309020205020404" pitchFamily="49" charset="0"/>
+                <a:cs typeface="Courier New" panose="02070309020205020404" pitchFamily="49" charset="0"/>
+              </a:rPr>
+              <a:t>sashelp.cars</a:t>
+            </a:r>
+            <a:endParaRPr lang="en-US" sz="2000" dirty="0" smtClean="0">
+              <a:latin typeface="Courier New" panose="02070309020205020404" pitchFamily="49" charset="0"/>
+              <a:cs typeface="Courier New" panose="02070309020205020404" pitchFamily="49" charset="0"/>
+            </a:endParaRPr>
+          </a:p>
+          <a:p>
+            <a:pPr marL="0" indent="0">
+              <a:spcBef>
+                <a:spcPts val="0"/>
+              </a:spcBef>
+              <a:buNone/>
+            </a:pPr>
+            <a:r>
+              <a:rPr lang="en-US" sz="2000" dirty="0" smtClean="0">
+                <a:latin typeface="Courier New" panose="02070309020205020404" pitchFamily="49" charset="0"/>
+                <a:cs typeface="Courier New" panose="02070309020205020404" pitchFamily="49" charset="0"/>
+              </a:rPr>
+              <a:t>);</a:t>
+            </a:r>
+          </a:p>
+        </p:txBody>
+      </p:sp>
+      <p:pic>
+        <p:nvPicPr>
+          <p:cNvPr id="11" name="Content Placeholder 10"/>
+          <p:cNvPicPr>
+            <a:picLocks noGrp="1" noChangeAspect="1"/>
+          </p:cNvPicPr>
+          <p:nvPr>
+            <p:ph sz="half" idx="2"/>
+          </p:nvPr>
+        </p:nvPicPr>
+        <p:blipFill>
+          <a:blip r:embed="rId2" cstate="print">
+            <a:extLst>
+              <a:ext uri="{28A0092B-C50C-407E-A947-70E740481C1C}">
+                <a14:useLocalDpi xmlns:a14="http://schemas.microsoft.com/office/drawing/2010/main" val="0"/>
+              </a:ext>
+            </a:extLst>
+          </a:blip>
+          <a:stretch>
+            <a:fillRect/>
+          </a:stretch>
+        </p:blipFill>
+        <p:spPr>
+          <a:xfrm>
+            <a:off x="4495800" y="896114"/>
+            <a:ext cx="4595242" cy="3229777"/>
+          </a:xfrm>
+        </p:spPr>
+      </p:pic>
+    </p:spTree>
+    <p:extLst>
+      <p:ext uri="{BB962C8B-B14F-4D97-AF65-F5344CB8AC3E}">
+        <p14:creationId xmlns:p14="http://schemas.microsoft.com/office/powerpoint/2010/main" val="3611408385"/>
+      </p:ext>
+    </p:extLst>
+  </p:cSld>
+  <p:clrMapOvr>
+    <a:masterClrMapping/>
+  </p:clrMapOvr>
+  <p:timing>
+    <p:tnLst>
+      <p:par>
+        <p:cTn id="1" dur="indefinite" restart="never" nodeType="tmRoot">
+          <p:childTnLst>
+            <p:seq concurrent="1" nextAc="seek">
+              <p:cTn id="2" dur="indefinite" nodeType="mainSeq">
+                <p:childTnLst>
+                  <p:par>
+                    <p:cTn id="3" fill="hold">
+                      <p:stCondLst>
+                        <p:cond delay="indefinite"/>
+                      </p:stCondLst>
+                      <p:childTnLst>
+                        <p:par>
+                          <p:cTn id="4" fill="hold">
+                            <p:stCondLst>
+                              <p:cond delay="0"/>
+                            </p:stCondLst>
+                            <p:childTnLst>
+                              <p:par>
+                                <p:cTn id="5" presetID="10" presetClass="entr" presetSubtype="0" fill="hold" nodeType="clickEffect">
+                                  <p:stCondLst>
+                                    <p:cond delay="0"/>
+                                  </p:stCondLst>
+                                  <p:childTnLst>
+                                    <p:set>
+                                      <p:cBhvr>
+                                        <p:cTn id="6" dur="1" fill="hold">
+                                          <p:stCondLst>
+                                            <p:cond delay="0"/>
+                                          </p:stCondLst>
+                                        </p:cTn>
+                                        <p:tgtEl>
+                                          <p:spTgt spid="9">
+                                            <p:txEl>
+                                              <p:pRg st="1" end="1"/>
+                                            </p:txEl>
+                                          </p:spTgt>
+                                        </p:tgtEl>
+                                        <p:attrNameLst>
+                                          <p:attrName>style.visibility</p:attrName>
+                                        </p:attrNameLst>
+                                      </p:cBhvr>
+                                      <p:to>
+                                        <p:strVal val="visible"/>
+                                      </p:to>
+                                    </p:set>
+                                    <p:animEffect transition="in" filter="fade">
+                                      <p:cBhvr>
+                                        <p:cTn id="7" dur="500"/>
+                                        <p:tgtEl>
+                                          <p:spTgt spid="9">
+                                            <p:txEl>
+                                              <p:pRg st="1" end="1"/>
+                                            </p:txEl>
+                                          </p:spTgt>
+                                        </p:tgtEl>
+                                      </p:cBhvr>
+                                    </p:animEffect>
+                                  </p:childTnLst>
+                                </p:cTn>
+                              </p:par>
+                              <p:par>
+                                <p:cTn id="8" presetID="10" presetClass="entr" presetSubtype="0" fill="hold" nodeType="withEffect">
+                                  <p:stCondLst>
+                                    <p:cond delay="0"/>
+                                  </p:stCondLst>
+                                  <p:childTnLst>
+                                    <p:set>
+                                      <p:cBhvr>
+                                        <p:cTn id="9" dur="1" fill="hold">
+                                          <p:stCondLst>
+                                            <p:cond delay="0"/>
+                                          </p:stCondLst>
+                                        </p:cTn>
+                                        <p:tgtEl>
+                                          <p:spTgt spid="9">
+                                            <p:txEl>
+                                              <p:pRg st="2" end="2"/>
+                                            </p:txEl>
+                                          </p:spTgt>
+                                        </p:tgtEl>
+                                        <p:attrNameLst>
+                                          <p:attrName>style.visibility</p:attrName>
+                                        </p:attrNameLst>
+                                      </p:cBhvr>
+                                      <p:to>
+                                        <p:strVal val="visible"/>
+                                      </p:to>
+                                    </p:set>
+                                    <p:animEffect transition="in" filter="fade">
+                                      <p:cBhvr>
+                                        <p:cTn id="10" dur="500"/>
+                                        <p:tgtEl>
+                                          <p:spTgt spid="9">
+                                            <p:txEl>
+                                              <p:pRg st="2" end="2"/>
+                                            </p:txEl>
+                                          </p:spTgt>
+                                        </p:tgtEl>
+                                      </p:cBhvr>
+                                    </p:animEffect>
+                                  </p:childTnLst>
+                                </p:cTn>
+                              </p:par>
+                              <p:par>
+                                <p:cTn id="11" presetID="10" presetClass="entr" presetSubtype="0" fill="hold" nodeType="withEffect">
+                                  <p:stCondLst>
+                                    <p:cond delay="0"/>
+                                  </p:stCondLst>
+                                  <p:childTnLst>
+                                    <p:set>
+                                      <p:cBhvr>
+                                        <p:cTn id="12" dur="1" fill="hold">
+                                          <p:stCondLst>
+                                            <p:cond delay="0"/>
+                                          </p:stCondLst>
+                                        </p:cTn>
+                                        <p:tgtEl>
+                                          <p:spTgt spid="9">
+                                            <p:txEl>
+                                              <p:pRg st="3" end="3"/>
+                                            </p:txEl>
+                                          </p:spTgt>
+                                        </p:tgtEl>
+                                        <p:attrNameLst>
+                                          <p:attrName>style.visibility</p:attrName>
+                                        </p:attrNameLst>
+                                      </p:cBhvr>
+                                      <p:to>
+                                        <p:strVal val="visible"/>
+                                      </p:to>
+                                    </p:set>
+                                    <p:animEffect transition="in" filter="fade">
+                                      <p:cBhvr>
+                                        <p:cTn id="13" dur="500"/>
+                                        <p:tgtEl>
+                                          <p:spTgt spid="9">
+                                            <p:txEl>
+                                              <p:pRg st="3" end="3"/>
+                                            </p:txEl>
+                                          </p:spTgt>
+                                        </p:tgtEl>
+                                      </p:cBhvr>
+                                    </p:animEffect>
+                                  </p:childTnLst>
+                                </p:cTn>
+                              </p:par>
+                              <p:par>
+                                <p:cTn id="14" presetID="10" presetClass="entr" presetSubtype="0" fill="hold" nodeType="withEffect">
+                                  <p:stCondLst>
+                                    <p:cond delay="0"/>
+                                  </p:stCondLst>
+                                  <p:childTnLst>
+                                    <p:set>
+                                      <p:cBhvr>
+                                        <p:cTn id="15" dur="1" fill="hold">
+                                          <p:stCondLst>
+                                            <p:cond delay="0"/>
+                                          </p:stCondLst>
+                                        </p:cTn>
+                                        <p:tgtEl>
+                                          <p:spTgt spid="9">
+                                            <p:txEl>
+                                              <p:pRg st="4" end="4"/>
+                                            </p:txEl>
+                                          </p:spTgt>
+                                        </p:tgtEl>
+                                        <p:attrNameLst>
+                                          <p:attrName>style.visibility</p:attrName>
+                                        </p:attrNameLst>
+                                      </p:cBhvr>
+                                      <p:to>
+                                        <p:strVal val="visible"/>
+                                      </p:to>
+                                    </p:set>
+                                    <p:animEffect transition="in" filter="fade">
+                                      <p:cBhvr>
+                                        <p:cTn id="16" dur="500"/>
+                                        <p:tgtEl>
+                                          <p:spTgt spid="9">
+                                            <p:txEl>
+                                              <p:pRg st="4" end="4"/>
+                                            </p:txEl>
+                                          </p:spTgt>
+                                        </p:tgtEl>
+                                      </p:cBhvr>
+                                    </p:animEffect>
+                                  </p:childTnLst>
+                                </p:cTn>
+                              </p:par>
+                            </p:childTnLst>
+                          </p:cTn>
+                        </p:par>
+                      </p:childTnLst>
+                    </p:cTn>
+                  </p:par>
+                  <p:par>
+                    <p:cTn id="17" fill="hold">
+                      <p:stCondLst>
+                        <p:cond delay="indefinite"/>
+                      </p:stCondLst>
+                      <p:childTnLst>
+                        <p:par>
+                          <p:cTn id="18" fill="hold">
+                            <p:stCondLst>
+                              <p:cond delay="0"/>
+                            </p:stCondLst>
+                            <p:childTnLst>
+                              <p:par>
+                                <p:cTn id="19" presetID="10" presetClass="entr" presetSubtype="0" fill="hold" nodeType="clickEffect">
+                                  <p:stCondLst>
+                                    <p:cond delay="0"/>
+                                  </p:stCondLst>
+                                  <p:childTnLst>
+                                    <p:set>
+                                      <p:cBhvr>
+                                        <p:cTn id="20" dur="1" fill="hold">
+                                          <p:stCondLst>
+                                            <p:cond delay="0"/>
+                                          </p:stCondLst>
+                                        </p:cTn>
+                                        <p:tgtEl>
+                                          <p:spTgt spid="9">
+                                            <p:txEl>
+                                              <p:pRg st="6" end="6"/>
+                                            </p:txEl>
+                                          </p:spTgt>
+                                        </p:tgtEl>
+                                        <p:attrNameLst>
+                                          <p:attrName>style.visibility</p:attrName>
+                                        </p:attrNameLst>
+                                      </p:cBhvr>
+                                      <p:to>
+                                        <p:strVal val="visible"/>
+                                      </p:to>
+                                    </p:set>
+                                    <p:animEffect transition="in" filter="fade">
+                                      <p:cBhvr>
+                                        <p:cTn id="21" dur="500"/>
+                                        <p:tgtEl>
+                                          <p:spTgt spid="9">
+                                            <p:txEl>
+                                              <p:pRg st="6" end="6"/>
+                                            </p:txEl>
+                                          </p:spTgt>
+                                        </p:tgtEl>
+                                      </p:cBhvr>
+                                    </p:animEffect>
+                                  </p:childTnLst>
+                                </p:cTn>
+                              </p:par>
+                              <p:par>
+                                <p:cTn id="22" presetID="10" presetClass="entr" presetSubtype="0" fill="hold" nodeType="withEffect">
+                                  <p:stCondLst>
+                                    <p:cond delay="0"/>
+                                  </p:stCondLst>
+                                  <p:childTnLst>
+                                    <p:set>
+                                      <p:cBhvr>
+                                        <p:cTn id="23" dur="1" fill="hold">
+                                          <p:stCondLst>
+                                            <p:cond delay="0"/>
+                                          </p:stCondLst>
+                                        </p:cTn>
+                                        <p:tgtEl>
+                                          <p:spTgt spid="9">
+                                            <p:txEl>
+                                              <p:pRg st="7" end="7"/>
+                                            </p:txEl>
+                                          </p:spTgt>
+                                        </p:tgtEl>
+                                        <p:attrNameLst>
+                                          <p:attrName>style.visibility</p:attrName>
+                                        </p:attrNameLst>
+                                      </p:cBhvr>
+                                      <p:to>
+                                        <p:strVal val="visible"/>
+                                      </p:to>
+                                    </p:set>
+                                    <p:animEffect transition="in" filter="fade">
+                                      <p:cBhvr>
+                                        <p:cTn id="24" dur="500"/>
+                                        <p:tgtEl>
+                                          <p:spTgt spid="9">
+                                            <p:txEl>
+                                              <p:pRg st="7" end="7"/>
+                                            </p:txEl>
+                                          </p:spTgt>
+                                        </p:tgtEl>
+                                      </p:cBhvr>
+                                    </p:animEffect>
+                                  </p:childTnLst>
+                                </p:cTn>
+                              </p:par>
+                              <p:par>
+                                <p:cTn id="25" presetID="10" presetClass="entr" presetSubtype="0" fill="hold" nodeType="withEffect">
+                                  <p:stCondLst>
+                                    <p:cond delay="0"/>
+                                  </p:stCondLst>
+                                  <p:childTnLst>
+                                    <p:set>
+                                      <p:cBhvr>
+                                        <p:cTn id="26" dur="1" fill="hold">
+                                          <p:stCondLst>
+                                            <p:cond delay="0"/>
+                                          </p:stCondLst>
+                                        </p:cTn>
+                                        <p:tgtEl>
+                                          <p:spTgt spid="9">
+                                            <p:txEl>
+                                              <p:pRg st="8" end="8"/>
+                                            </p:txEl>
+                                          </p:spTgt>
+                                        </p:tgtEl>
+                                        <p:attrNameLst>
+                                          <p:attrName>style.visibility</p:attrName>
+                                        </p:attrNameLst>
+                                      </p:cBhvr>
+                                      <p:to>
+                                        <p:strVal val="visible"/>
+                                      </p:to>
+                                    </p:set>
+                                    <p:animEffect transition="in" filter="fade">
+                                      <p:cBhvr>
+                                        <p:cTn id="27" dur="500"/>
+                                        <p:tgtEl>
+                                          <p:spTgt spid="9">
+                                            <p:txEl>
+                                              <p:pRg st="8" end="8"/>
+                                            </p:txEl>
+                                          </p:spTgt>
+                                        </p:tgtEl>
+                                      </p:cBhvr>
+                                    </p:animEffect>
+                                  </p:childTnLst>
+                                </p:cTn>
+                              </p:par>
+                            </p:childTnLst>
+                          </p:cTn>
+                        </p:par>
+                      </p:childTnLst>
+                    </p:cTn>
+                  </p:par>
+                  <p:par>
+                    <p:cTn id="28" fill="hold">
+                      <p:stCondLst>
+                        <p:cond delay="indefinite"/>
+                      </p:stCondLst>
+                      <p:childTnLst>
+                        <p:par>
+                          <p:cTn id="29" fill="hold">
+                            <p:stCondLst>
+                              <p:cond delay="0"/>
+                            </p:stCondLst>
+                            <p:childTnLst>
+                              <p:par>
+                                <p:cTn id="30" presetID="10" presetClass="entr" presetSubtype="0" fill="hold" nodeType="clickEffect">
+                                  <p:stCondLst>
+                                    <p:cond delay="0"/>
+                                  </p:stCondLst>
+                                  <p:childTnLst>
+                                    <p:set>
+                                      <p:cBhvr>
+                                        <p:cTn id="31" dur="1" fill="hold">
+                                          <p:stCondLst>
+                                            <p:cond delay="0"/>
+                                          </p:stCondLst>
+                                        </p:cTn>
+                                        <p:tgtEl>
+                                          <p:spTgt spid="11"/>
+                                        </p:tgtEl>
+                                        <p:attrNameLst>
+                                          <p:attrName>style.visibility</p:attrName>
+                                        </p:attrNameLst>
+                                      </p:cBhvr>
+                                      <p:to>
+                                        <p:strVal val="visible"/>
+                                      </p:to>
+                                    </p:set>
+                                    <p:animEffect transition="in" filter="fade">
+                                      <p:cBhvr>
+                                        <p:cTn id="32" dur="500"/>
+                                        <p:tgtEl>
+                                          <p:spTgt spid="11"/>
+                                        </p:tgtEl>
+                                      </p:cBhvr>
+                                    </p:animEffect>
+                                  </p:childTnLst>
+                                </p:cTn>
+                              </p:par>
+                            </p:childTnLst>
+                          </p:cTn>
+                        </p:par>
+                      </p:childTnLst>
+                    </p:cTn>
+                  </p:par>
+                </p:childTnLst>
+              </p:cTn>
+              <p:prevCondLst>
+                <p:cond evt="onPrev" delay="0">
+                  <p:tgtEl>
+                    <p:sldTgt/>
+                  </p:tgtEl>
+                </p:cond>
+              </p:prevCondLst>
+              <p:nextCondLst>
+                <p:cond evt="onNext" delay="0">
+                  <p:tgtEl>
+                    <p:sldTgt/>
+                  </p:tgtEl>
+                </p:cond>
+              </p:nextCondLst>
+            </p:seq>
+          </p:childTnLst>
+        </p:cTn>
+      </p:par>
+    </p:tnLst>
+  </p:timing>
+</p:sld>
+</file>
+
+<file path=ppt/slides/slide11.xml><?xml version="1.0" encoding="utf-8"?>
+<p:sld xmlns:a="http://schemas.openxmlformats.org/drawingml/2006/main" xmlns:r="http://schemas.openxmlformats.org/officeDocument/2006/relationships" xmlns:p="http://schemas.openxmlformats.org/presentationml/2006/main">
+  <p:cSld>
+    <p:spTree>
+      <p:nvGrpSpPr>
+        <p:cNvPr id="1" name=""/>
+        <p:cNvGrpSpPr/>
+        <p:nvPr/>
+      </p:nvGrpSpPr>
+      <p:grpSpPr>
+        <a:xfrm>
+          <a:off x="0" y="0"/>
+          <a:ext cx="0" cy="0"/>
+          <a:chOff x="0" y="0"/>
+          <a:chExt cx="0" cy="0"/>
+        </a:xfrm>
+      </p:grpSpPr>
+      <p:sp>
+        <p:nvSpPr>
+          <p:cNvPr id="2" name="Title 1"/>
+          <p:cNvSpPr>
+            <a:spLocks noGrp="1"/>
+          </p:cNvSpPr>
+          <p:nvPr>
+            <p:ph type="title"/>
+          </p:nvPr>
+        </p:nvSpPr>
+        <p:spPr/>
+        <p:txBody>
+          <a:bodyPr/>
+          <a:lstStyle/>
+          <a:p>
+            <a:r>
+              <a:rPr lang="en-US" dirty="0" smtClean="0"/>
+              <a:t>Questions, Comments, Excellent</a:t>
+            </a:r>
+            <a:endParaRPr lang="en-US" dirty="0"/>
+          </a:p>
+        </p:txBody>
+      </p:sp>
+      <p:sp>
+        <p:nvSpPr>
+          <p:cNvPr id="5" name="Content Placeholder 4"/>
+          <p:cNvSpPr>
+            <a:spLocks noGrp="1"/>
+          </p:cNvSpPr>
+          <p:nvPr>
+            <p:ph idx="1"/>
+          </p:nvPr>
+        </p:nvSpPr>
+        <p:spPr/>
+        <p:txBody>
+          <a:bodyPr/>
+          <a:lstStyle/>
+          <a:p>
+            <a:r>
+              <a:rPr lang="en-US" b="1" dirty="0" smtClean="0">
+                <a:hlinkClick r:id="rId2"/>
+              </a:rPr>
+              <a:t>github.com/</a:t>
+            </a:r>
+            <a:r>
+              <a:rPr lang="en-US" b="1" dirty="0" err="1" smtClean="0">
+                <a:hlinkClick r:id="rId2"/>
+              </a:rPr>
+              <a:t>RhoInc</a:t>
+            </a:r>
+            <a:r>
+              <a:rPr lang="en-US" dirty="0" smtClean="0">
+                <a:hlinkClick r:id="rId2"/>
+              </a:rPr>
+              <a:t>/sas-install-</a:t>
+            </a:r>
+            <a:r>
+              <a:rPr lang="en-US" dirty="0" err="1" smtClean="0">
+                <a:hlinkClick r:id="rId2"/>
+              </a:rPr>
+              <a:t>github</a:t>
+            </a:r>
+            <a:endParaRPr lang="en-US" dirty="0" smtClean="0"/>
+          </a:p>
+          <a:p>
+            <a:r>
+              <a:rPr lang="en-US" dirty="0" smtClean="0"/>
+              <a:t>Spencer Childress</a:t>
+            </a:r>
+          </a:p>
+          <a:p>
+            <a:pPr lvl="1"/>
+            <a:r>
+              <a:rPr lang="en-US" dirty="0" smtClean="0">
+                <a:hlinkClick r:id="rId3"/>
+              </a:rPr>
+              <a:t>spencer_childress@rhoworld.com</a:t>
+            </a:r>
+            <a:endParaRPr lang="en-US" dirty="0" smtClean="0"/>
+          </a:p>
+          <a:p>
+            <a:pPr lvl="1"/>
+            <a:r>
+              <a:rPr lang="en-US" dirty="0"/>
+              <a:t>GitHub: </a:t>
+            </a:r>
+            <a:r>
+              <a:rPr lang="en-US" dirty="0">
+                <a:hlinkClick r:id="rId4"/>
+              </a:rPr>
+              <a:t>samussiah</a:t>
+            </a:r>
+            <a:endParaRPr lang="en-US" dirty="0" smtClean="0"/>
+          </a:p>
+          <a:p>
+            <a:r>
+              <a:rPr lang="en-US" dirty="0" smtClean="0"/>
+              <a:t>Shane Rosanbalm</a:t>
+            </a:r>
+          </a:p>
+          <a:p>
+            <a:pPr lvl="1"/>
+            <a:r>
+              <a:rPr lang="en-US" dirty="0">
+                <a:hlinkClick r:id="rId5"/>
+              </a:rPr>
+              <a:t>shane_rosanbalm@rhoworld.com</a:t>
+            </a:r>
+            <a:endParaRPr lang="en-US" dirty="0" smtClean="0"/>
+          </a:p>
+          <a:p>
+            <a:pPr lvl="1"/>
+            <a:r>
+              <a:rPr lang="en-US" dirty="0" smtClean="0"/>
+              <a:t>GitHub: </a:t>
+            </a:r>
+            <a:r>
+              <a:rPr lang="en-US" dirty="0" smtClean="0">
+                <a:hlinkClick r:id="rId6"/>
+              </a:rPr>
+              <a:t>srosanba</a:t>
+            </a:r>
+            <a:endParaRPr lang="en-US" dirty="0" smtClean="0"/>
+          </a:p>
+          <a:p>
+            <a:endParaRPr lang="en-US" dirty="0"/>
+          </a:p>
+        </p:txBody>
+      </p:sp>
+    </p:spTree>
+    <p:extLst>
+      <p:ext uri="{BB962C8B-B14F-4D97-AF65-F5344CB8AC3E}">
+        <p14:creationId xmlns:p14="http://schemas.microsoft.com/office/powerpoint/2010/main" val="821804302"/>
+      </p:ext>
+    </p:extLst>
+  </p:cSld>
+  <p:clrMapOvr>
+    <a:masterClrMapping/>
+  </p:clrMapOvr>
+  <mc:AlternateContent xmlns:mc="http://schemas.openxmlformats.org/markup-compatibility/2006" xmlns:p14="http://schemas.microsoft.com/office/powerpoint/2010/main">
+    <mc:Choice Requires="p14">
+      <p:transition spd="med" p14:dur="700">
+        <p:fade/>
+      </p:transition>
+    </mc:Choice>
+    <mc:Fallback xmlns="">
       <p:transition spd="med">
         <p:fade/>
       </p:transition>
@@ -2139,38 +3483,19 @@
           <a:p>
             <a:r>
               <a:rPr lang="en-US" sz="2800" dirty="0" smtClean="0"/>
-              <a:t>Background</a:t>
-            </a:r>
-          </a:p>
-          <a:p>
-            <a:pPr lvl="1"/>
-            <a:r>
-              <a:rPr lang="en-US" sz="2400" dirty="0" smtClean="0"/>
-              <a:t>Code libraries</a:t>
-            </a:r>
-          </a:p>
-          <a:p>
-            <a:pPr lvl="1"/>
-            <a:r>
-              <a:rPr lang="en-US" sz="2400" dirty="0" smtClean="0"/>
-              <a:t>GitHub</a:t>
-            </a:r>
-          </a:p>
-          <a:p>
-            <a:pPr lvl="1"/>
-            <a:r>
-              <a:rPr lang="en-US" sz="2400" dirty="0"/>
-              <a:t>g</a:t>
-            </a:r>
-            <a:r>
-              <a:rPr lang="en-US" sz="2400" dirty="0" smtClean="0"/>
-              <a:t>it</a:t>
+              <a:t>Motivation</a:t>
             </a:r>
           </a:p>
           <a:p>
             <a:r>
               <a:rPr lang="en-US" sz="2800" dirty="0" smtClean="0"/>
-              <a:t>Accessing remote code libraries</a:t>
+              <a:t>Technical Background</a:t>
+            </a:r>
+          </a:p>
+          <a:p>
+            <a:r>
+              <a:rPr lang="en-US" sz="2800" dirty="0" smtClean="0"/>
+              <a:t>Accessing Remote Code Libraries</a:t>
             </a:r>
           </a:p>
           <a:p>
@@ -2179,6 +3504,7 @@
               <a:rPr lang="en-US" sz="2400" dirty="0" smtClean="0"/>
               <a:t>Manually</a:t>
             </a:r>
+            <a:endParaRPr lang="en-US" sz="2400" dirty="0" smtClean="0"/>
           </a:p>
           <a:p>
             <a:pPr lvl="1"/>
@@ -2192,7 +3518,6 @@
               <a:rPr lang="en-US" sz="2800" dirty="0" smtClean="0"/>
               <a:t>Recap</a:t>
             </a:r>
-            <a:endParaRPr lang="en-US" sz="2800" dirty="0" smtClean="0"/>
           </a:p>
           <a:p>
             <a:r>
@@ -2208,13 +3533,13 @@
   <p:clrMapOvr>
     <a:masterClrMapping/>
   </p:clrMapOvr>
-  <mc:AlternateContent xmlns:mc="http://schemas.openxmlformats.org/markup-compatibility/2006">
-    <mc:Choice xmlns:p14="http://schemas.microsoft.com/office/powerpoint/2010/main" Requires="p14">
+  <mc:AlternateContent xmlns:mc="http://schemas.openxmlformats.org/markup-compatibility/2006" xmlns:p14="http://schemas.microsoft.com/office/powerpoint/2010/main">
+    <mc:Choice Requires="p14">
       <p:transition spd="med" p14:dur="700">
         <p:fade/>
       </p:transition>
     </mc:Choice>
-    <mc:Fallback>
+    <mc:Fallback xmlns="">
       <p:transition spd="med">
         <p:fade/>
       </p:transition>
@@ -2264,7 +3589,7 @@
           <a:p>
             <a:r>
               <a:rPr lang="en-US" dirty="0" smtClean="0"/>
-              <a:t>Code libraries</a:t>
+              <a:t>Motivation</a:t>
             </a:r>
             <a:endParaRPr lang="en-US" dirty="0"/>
           </a:p>
@@ -2286,202 +3611,57 @@
           <a:lstStyle/>
           <a:p>
             <a:r>
-              <a:rPr lang="en-US" sz="2800" dirty="0" smtClean="0"/>
-              <a:t>A collection </a:t>
-            </a:r>
-            <a:r>
-              <a:rPr lang="en-US" sz="2800" dirty="0"/>
-              <a:t>of </a:t>
-            </a:r>
-            <a:r>
-              <a:rPr lang="en-US" sz="2800" dirty="0" smtClean="0"/>
-              <a:t>programs</a:t>
-            </a:r>
-          </a:p>
-          <a:p>
-            <a:r>
-              <a:rPr lang="en-US" sz="2800" dirty="0" smtClean="0"/>
-              <a:t>Stored </a:t>
-            </a:r>
-            <a:r>
-              <a:rPr lang="en-US" sz="2800" dirty="0"/>
-              <a:t>locally, on a network, or remotely</a:t>
-            </a:r>
-          </a:p>
-          <a:p>
-            <a:r>
-              <a:rPr lang="en-US" sz="2800" dirty="0"/>
-              <a:t>Accessing individual programs:</a:t>
-            </a:r>
-          </a:p>
-          <a:p>
-            <a:pPr lvl="1"/>
+              <a:rPr lang="en-US" dirty="0" smtClean="0"/>
+              <a:t>Collaboration helps improve methods</a:t>
+            </a:r>
+          </a:p>
+          <a:p>
             <a:r>
               <a:rPr lang="en-US" dirty="0"/>
-              <a:t>R: 	</a:t>
-            </a:r>
-            <a:r>
-              <a:rPr lang="en-US" sz="2000" dirty="0">
-                <a:latin typeface="Courier New" panose="02070309020205020404" pitchFamily="49" charset="0"/>
-                <a:cs typeface="Courier New" panose="02070309020205020404" pitchFamily="49" charset="0"/>
-              </a:rPr>
-              <a:t>.source('</a:t>
-            </a:r>
-            <a:r>
-              <a:rPr lang="en-US" sz="2000" dirty="0" err="1">
-                <a:latin typeface="Courier New" panose="02070309020205020404" pitchFamily="49" charset="0"/>
-                <a:cs typeface="Courier New" panose="02070309020205020404" pitchFamily="49" charset="0"/>
-              </a:rPr>
-              <a:t>program.R</a:t>
-            </a:r>
-            <a:r>
-              <a:rPr lang="en-US" sz="2000" dirty="0">
-                <a:latin typeface="Courier New" panose="02070309020205020404" pitchFamily="49" charset="0"/>
-                <a:cs typeface="Courier New" panose="02070309020205020404" pitchFamily="49" charset="0"/>
-              </a:rPr>
-              <a:t>')</a:t>
-            </a:r>
-            <a:endParaRPr lang="en-US" sz="2400" dirty="0">
-              <a:latin typeface="Courier New" panose="02070309020205020404" pitchFamily="49" charset="0"/>
-              <a:cs typeface="Courier New" panose="02070309020205020404" pitchFamily="49" charset="0"/>
-            </a:endParaRPr>
-          </a:p>
-          <a:p>
-            <a:pPr lvl="1"/>
+              <a:t>Open source encourages collaboration</a:t>
+            </a:r>
+          </a:p>
+          <a:p>
             <a:r>
               <a:rPr lang="en-US" dirty="0"/>
-              <a:t>SAS:	</a:t>
-            </a:r>
-            <a:r>
-              <a:rPr lang="en-US" sz="2000" dirty="0">
-                <a:latin typeface="Courier New" panose="02070309020205020404" pitchFamily="49" charset="0"/>
-                <a:cs typeface="Courier New" panose="02070309020205020404" pitchFamily="49" charset="0"/>
-              </a:rPr>
-              <a:t>%</a:t>
-            </a:r>
-            <a:r>
-              <a:rPr lang="en-US" sz="2000" dirty="0" smtClean="0">
-                <a:latin typeface="Courier New" panose="02070309020205020404" pitchFamily="49" charset="0"/>
-                <a:cs typeface="Courier New" panose="02070309020205020404" pitchFamily="49" charset="0"/>
-              </a:rPr>
-              <a:t>include '</a:t>
-            </a:r>
-            <a:r>
-              <a:rPr lang="en-US" sz="2000" dirty="0" err="1" smtClean="0">
-                <a:latin typeface="Courier New" panose="02070309020205020404" pitchFamily="49" charset="0"/>
-                <a:cs typeface="Courier New" panose="02070309020205020404" pitchFamily="49" charset="0"/>
-              </a:rPr>
-              <a:t>program.sas</a:t>
-            </a:r>
-            <a:r>
-              <a:rPr lang="en-US" sz="2000" dirty="0" smtClean="0">
-                <a:latin typeface="Courier New" panose="02070309020205020404" pitchFamily="49" charset="0"/>
-                <a:cs typeface="Courier New" panose="02070309020205020404" pitchFamily="49" charset="0"/>
-              </a:rPr>
-              <a:t>';</a:t>
-            </a:r>
-            <a:endParaRPr lang="en-US" dirty="0">
-              <a:latin typeface="Courier New" panose="02070309020205020404" pitchFamily="49" charset="0"/>
-              <a:cs typeface="Courier New" panose="02070309020205020404" pitchFamily="49" charset="0"/>
-            </a:endParaRPr>
-          </a:p>
-          <a:p>
-            <a:r>
-              <a:rPr lang="en-US" sz="2800" dirty="0"/>
-              <a:t>Accessing libraries:</a:t>
-            </a:r>
-          </a:p>
-          <a:p>
-            <a:pPr lvl="1"/>
+              <a:t>Hosting services allow exchange of code and work through the cloud</a:t>
+            </a:r>
+          </a:p>
+          <a:p>
             <a:r>
               <a:rPr lang="en-US" dirty="0"/>
-              <a:t>R: 	</a:t>
-            </a:r>
-            <a:r>
-              <a:rPr lang="en-US" sz="2000" dirty="0">
-                <a:latin typeface="Courier New" panose="02070309020205020404" pitchFamily="49" charset="0"/>
-                <a:cs typeface="Courier New" panose="02070309020205020404" pitchFamily="49" charset="0"/>
-              </a:rPr>
-              <a:t>.</a:t>
-            </a:r>
-            <a:r>
-              <a:rPr lang="en-US" sz="2000" dirty="0" err="1">
-                <a:latin typeface="Courier New" panose="02070309020205020404" pitchFamily="49" charset="0"/>
-                <a:cs typeface="Courier New" panose="02070309020205020404" pitchFamily="49" charset="0"/>
-              </a:rPr>
-              <a:t>libPaths</a:t>
-            </a:r>
-            <a:r>
-              <a:rPr lang="en-US" sz="2000" dirty="0">
-                <a:latin typeface="Courier New" panose="02070309020205020404" pitchFamily="49" charset="0"/>
-                <a:cs typeface="Courier New" panose="02070309020205020404" pitchFamily="49" charset="0"/>
-              </a:rPr>
-              <a:t>('code-library')</a:t>
-            </a:r>
-            <a:endParaRPr lang="en-US" sz="2400" dirty="0">
-              <a:latin typeface="Courier New" panose="02070309020205020404" pitchFamily="49" charset="0"/>
-              <a:cs typeface="Courier New" panose="02070309020205020404" pitchFamily="49" charset="0"/>
-            </a:endParaRPr>
-          </a:p>
-          <a:p>
-            <a:pPr lvl="1"/>
+              <a:t>Version control tracks changes</a:t>
+            </a:r>
+          </a:p>
+          <a:p>
             <a:r>
               <a:rPr lang="en-US" dirty="0"/>
-              <a:t>SAS:	</a:t>
-            </a:r>
-            <a:r>
-              <a:rPr lang="en-US" sz="2000" dirty="0">
-                <a:latin typeface="Courier New" panose="02070309020205020404" pitchFamily="49" charset="0"/>
-                <a:cs typeface="Courier New" panose="02070309020205020404" pitchFamily="49" charset="0"/>
-              </a:rPr>
-              <a:t>option </a:t>
-            </a:r>
-            <a:r>
-              <a:rPr lang="en-US" sz="2000" dirty="0" err="1">
-                <a:latin typeface="Courier New" panose="02070309020205020404" pitchFamily="49" charset="0"/>
-                <a:cs typeface="Courier New" panose="02070309020205020404" pitchFamily="49" charset="0"/>
-              </a:rPr>
-              <a:t>sasautos</a:t>
-            </a:r>
-            <a:r>
-              <a:rPr lang="en-US" sz="2000" dirty="0">
-                <a:latin typeface="Courier New" panose="02070309020205020404" pitchFamily="49" charset="0"/>
-                <a:cs typeface="Courier New" panose="02070309020205020404" pitchFamily="49" charset="0"/>
-              </a:rPr>
-              <a:t> = 'code-library';</a:t>
-            </a:r>
-            <a:endParaRPr lang="en-US" dirty="0">
-              <a:latin typeface="Courier New" panose="02070309020205020404" pitchFamily="49" charset="0"/>
-              <a:cs typeface="Courier New" panose="02070309020205020404" pitchFamily="49" charset="0"/>
-            </a:endParaRPr>
-          </a:p>
-          <a:p>
-            <a:endParaRPr lang="en-US" sz="2800" dirty="0" smtClean="0"/>
+              <a:t>GitHub provides </a:t>
+            </a:r>
+            <a:r>
+              <a:rPr lang="en-US" dirty="0" smtClean="0"/>
+              <a:t>each of these </a:t>
+            </a:r>
+            <a:r>
+              <a:rPr lang="en-US" dirty="0"/>
+              <a:t>services</a:t>
+            </a:r>
+          </a:p>
+          <a:p>
+            <a:endParaRPr lang="en-US" dirty="0" smtClean="0"/>
           </a:p>
         </p:txBody>
       </p:sp>
     </p:spTree>
     <p:extLst>
       <p:ext uri="{BB962C8B-B14F-4D97-AF65-F5344CB8AC3E}">
-        <p14:creationId xmlns:p14="http://schemas.microsoft.com/office/powerpoint/2010/main" val="2334535178"/>
+        <p14:creationId xmlns:p14="http://schemas.microsoft.com/office/powerpoint/2010/main" val="2123116522"/>
       </p:ext>
     </p:extLst>
   </p:cSld>
   <p:clrMapOvr>
     <a:masterClrMapping/>
   </p:clrMapOvr>
-  <mc:AlternateContent xmlns:mc="http://schemas.openxmlformats.org/markup-compatibility/2006">
-    <mc:Choice xmlns:p14="http://schemas.microsoft.com/office/powerpoint/2010/main" Requires="p14">
-      <p:transition spd="med" p14:dur="700">
-        <p:fade/>
-      </p:transition>
-    </mc:Choice>
-    <mc:Fallback>
-      <p:transition spd="med">
-        <p:fade/>
-      </p:transition>
-    </mc:Fallback>
-  </mc:AlternateContent>
   <p:timing>
     <p:tnLst>
       <p:par>
@@ -2667,15 +3847,33 @@
                                   </p:childTnLst>
                                 </p:cTn>
                               </p:par>
+                            </p:childTnLst>
+                          </p:cTn>
+                        </p:par>
+                      </p:childTnLst>
+                    </p:cTn>
+                  </p:par>
+                  <p:par>
+                    <p:cTn id="18" fill="hold">
+                      <p:stCondLst>
+                        <p:cond delay="indefinite"/>
+                      </p:stCondLst>
+                      <p:childTnLst>
+                        <p:par>
+                          <p:cTn id="19" fill="hold">
+                            <p:stCondLst>
+                              <p:cond delay="0"/>
+                            </p:stCondLst>
+                            <p:childTnLst>
                               <p:par>
-                                <p:cTn id="18" presetID="10" presetClass="entr" presetSubtype="0" fill="hold" nodeType="withEffect">
+                                <p:cTn id="20" presetID="10" presetClass="entr" presetSubtype="0" fill="hold" nodeType="clickEffect">
                                   <p:stCondLst>
                                     <p:cond delay="0"/>
                                   </p:stCondLst>
                                   <p:childTnLst>
                                     <p:set>
                                       <p:cBhvr>
-                                        <p:cTn id="19" dur="1" fill="hold">
+                                        <p:cTn id="21" dur="1" fill="hold">
                                           <p:stCondLst>
                                             <p:cond delay="0"/>
                                           </p:stCondLst>
@@ -2697,54 +3895,11 @@
                                     </p:set>
                                     <p:animEffect transition="in" filter="fade">
                                       <p:cBhvr>
-                                        <p:cTn id="20" dur="500"/>
+                                        <p:cTn id="22" dur="500"/>
                                         <p:tgtEl>
                                           <p:spTgt spid="3">
                                             <p:txEl>
                                               <p:pRg st="3" end="3"/>
-                                            </p:txEl>
-                                          </p:spTgt>
-                                        </p:tgtEl>
-                                      </p:cBhvr>
-                                    </p:animEffect>
-                                  </p:childTnLst>
-                                </p:cTn>
-                              </p:par>
-                              <p:par>
-                                <p:cTn id="21" presetID="10" presetClass="entr" presetSubtype="0" fill="hold" nodeType="withEffect">
-                                  <p:stCondLst>
-                                    <p:cond delay="0"/>
-                                  </p:stCondLst>
-                                  <p:childTnLst>
-                                    <p:set>
-                                      <p:cBhvr>
-                                        <p:cTn id="22" dur="1" fill="hold">
-                                          <p:stCondLst>
-                                            <p:cond delay="0"/>
-                                          </p:stCondLst>
-                                        </p:cTn>
-                                        <p:tgtEl>
-                                          <p:spTgt spid="3">
-                                            <p:txEl>
-                                              <p:pRg st="4" end="4"/>
-                                            </p:txEl>
-                                          </p:spTgt>
-                                        </p:tgtEl>
-                                        <p:attrNameLst>
-                                          <p:attrName>style.visibility</p:attrName>
-                                        </p:attrNameLst>
-                                      </p:cBhvr>
-                                      <p:to>
-                                        <p:strVal val="visible"/>
-                                      </p:to>
-                                    </p:set>
-                                    <p:animEffect transition="in" filter="fade">
-                                      <p:cBhvr>
-                                        <p:cTn id="23" dur="500"/>
-                                        <p:tgtEl>
-                                          <p:spTgt spid="3">
-                                            <p:txEl>
-                                              <p:pRg st="4" end="4"/>
                                             </p:txEl>
                                           </p:spTgt>
                                         </p:tgtEl>
@@ -2760,26 +3915,26 @@
                     </p:cTn>
                   </p:par>
                   <p:par>
-                    <p:cTn id="24" fill="hold">
+                    <p:cTn id="23" fill="hold">
                       <p:stCondLst>
                         <p:cond delay="indefinite"/>
                       </p:stCondLst>
                       <p:childTnLst>
                         <p:par>
-                          <p:cTn id="25" fill="hold">
+                          <p:cTn id="24" fill="hold">
                             <p:stCondLst>
                               <p:cond delay="0"/>
                             </p:stCondLst>
                             <p:childTnLst>
                               <p:par>
-                                <p:cTn id="26" presetID="10" presetClass="entr" presetSubtype="0" fill="hold" nodeType="clickEffect">
+                                <p:cTn id="25" presetID="10" presetClass="entr" presetSubtype="0" fill="hold" nodeType="clickEffect">
                                   <p:stCondLst>
                                     <p:cond delay="0"/>
                                   </p:stCondLst>
                                   <p:childTnLst>
                                     <p:set>
                                       <p:cBhvr>
-                                        <p:cTn id="27" dur="1" fill="hold">
+                                        <p:cTn id="26" dur="1" fill="hold">
                                           <p:stCondLst>
                                             <p:cond delay="0"/>
                                           </p:stCondLst>
@@ -2787,7 +3942,7 @@
                                         <p:tgtEl>
                                           <p:spTgt spid="3">
                                             <p:txEl>
-                                              <p:pRg st="5" end="5"/>
+                                              <p:pRg st="4" end="4"/>
                                             </p:txEl>
                                           </p:spTgt>
                                         </p:tgtEl>
@@ -2801,97 +3956,11 @@
                                     </p:set>
                                     <p:animEffect transition="in" filter="fade">
                                       <p:cBhvr>
-                                        <p:cTn id="28" dur="500"/>
+                                        <p:cTn id="27" dur="500"/>
                                         <p:tgtEl>
                                           <p:spTgt spid="3">
                                             <p:txEl>
-                                              <p:pRg st="5" end="5"/>
-                                            </p:txEl>
-                                          </p:spTgt>
-                                        </p:tgtEl>
-                                      </p:cBhvr>
-                                    </p:animEffect>
-                                  </p:childTnLst>
-                                </p:cTn>
-                              </p:par>
-                              <p:par>
-                                <p:cTn id="29" presetID="10" presetClass="entr" presetSubtype="0" fill="hold" nodeType="withEffect">
-                                  <p:stCondLst>
-                                    <p:cond delay="0"/>
-                                  </p:stCondLst>
-                                  <p:childTnLst>
-                                    <p:set>
-                                      <p:cBhvr>
-                                        <p:cTn id="30" dur="1" fill="hold">
-                                          <p:stCondLst>
-                                            <p:cond delay="0"/>
-                                          </p:stCondLst>
-                                        </p:cTn>
-                                        <p:tgtEl>
-                                          <p:spTgt spid="3">
-                                            <p:txEl>
-                                              <p:pRg st="6" end="6"/>
-                                            </p:txEl>
-                                          </p:spTgt>
-                                        </p:tgtEl>
-                                        <p:attrNameLst>
-                                          <p:attrName>style.visibility</p:attrName>
-                                        </p:attrNameLst>
-                                      </p:cBhvr>
-                                      <p:to>
-                                        <p:strVal val="visible"/>
-                                      </p:to>
-                                    </p:set>
-                                    <p:animEffect transition="in" filter="fade">
-                                      <p:cBhvr>
-                                        <p:cTn id="31" dur="500"/>
-                                        <p:tgtEl>
-                                          <p:spTgt spid="3">
-                                            <p:txEl>
-                                              <p:pRg st="6" end="6"/>
-                                            </p:txEl>
-                                          </p:spTgt>
-                                        </p:tgtEl>
-                                      </p:cBhvr>
-                                    </p:animEffect>
-                                  </p:childTnLst>
-                                </p:cTn>
-                              </p:par>
-                              <p:par>
-                                <p:cTn id="32" presetID="10" presetClass="entr" presetSubtype="0" fill="hold" nodeType="withEffect">
-                                  <p:stCondLst>
-                                    <p:cond delay="0"/>
-                                  </p:stCondLst>
-                                  <p:childTnLst>
-                                    <p:set>
-                                      <p:cBhvr>
-                                        <p:cTn id="33" dur="1" fill="hold">
-                                          <p:stCondLst>
-                                            <p:cond delay="0"/>
-                                          </p:stCondLst>
-                                        </p:cTn>
-                                        <p:tgtEl>
-                                          <p:spTgt spid="3">
-                                            <p:txEl>
-                                              <p:pRg st="7" end="7"/>
-                                            </p:txEl>
-                                          </p:spTgt>
-                                        </p:tgtEl>
-                                        <p:attrNameLst>
-                                          <p:attrName>style.visibility</p:attrName>
-                                        </p:attrNameLst>
-                                      </p:cBhvr>
-                                      <p:to>
-                                        <p:strVal val="visible"/>
-                                      </p:to>
-                                    </p:set>
-                                    <p:animEffect transition="in" filter="fade">
-                                      <p:cBhvr>
-                                        <p:cTn id="34" dur="500"/>
-                                        <p:tgtEl>
-                                          <p:spTgt spid="3">
-                                            <p:txEl>
-                                              <p:pRg st="7" end="7"/>
+                                              <p:pRg st="4" end="4"/>
                                             </p:txEl>
                                           </p:spTgt>
                                         </p:tgtEl>
@@ -2964,10 +4033,14 @@
           <a:lstStyle/>
           <a:p>
             <a:r>
-              <a:rPr lang="en-US" dirty="0" smtClean="0"/>
-              <a:t>GitHub</a:t>
-            </a:r>
-            <a:endParaRPr lang="en-US" dirty="0"/>
+              <a:rPr lang="en-US" sz="3200" dirty="0" smtClean="0"/>
+              <a:t>Technical Background: </a:t>
+            </a:r>
+            <a:r>
+              <a:rPr lang="en-US" sz="3200" b="1" dirty="0" smtClean="0"/>
+              <a:t>Code Libraries</a:t>
+            </a:r>
+            <a:endParaRPr lang="en-US" sz="3200" b="1" dirty="0"/>
           </a:p>
         </p:txBody>
       </p:sp>
@@ -2987,97 +4060,197 @@
           <a:lstStyle/>
           <a:p>
             <a:r>
-              <a:rPr lang="en-US" sz="2800" i="1" dirty="0" smtClean="0"/>
-              <a:t>How people build software</a:t>
-            </a:r>
-            <a:endParaRPr lang="en-US" sz="2800" dirty="0" smtClean="0"/>
-          </a:p>
-          <a:p>
+              <a:rPr lang="en-US" sz="2800" dirty="0" smtClean="0"/>
+              <a:t>A collection </a:t>
+            </a:r>
             <a:r>
               <a:rPr lang="en-US" sz="2800" dirty="0"/>
-              <a:t>Web-based hosting </a:t>
+              <a:t>of </a:t>
             </a:r>
             <a:r>
               <a:rPr lang="en-US" sz="2800" dirty="0" smtClean="0"/>
-              <a:t>service</a:t>
+              <a:t>programs</a:t>
             </a:r>
           </a:p>
           <a:p>
             <a:r>
               <a:rPr lang="en-US" sz="2800" dirty="0" smtClean="0"/>
-              <a:t>Code libraries organized by owner and repo</a:t>
-            </a:r>
-          </a:p>
-          <a:p>
-            <a:r>
-              <a:rPr lang="en-US" sz="2800" dirty="0" smtClean="0"/>
-              <a:t>Accessible by browser and by an application programming interface (API)</a:t>
-            </a:r>
-          </a:p>
-          <a:p>
-            <a:r>
-              <a:rPr lang="en-US" sz="2800" dirty="0" smtClean="0">
-                <a:hlinkClick r:id="rId2"/>
-              </a:rPr>
-              <a:t>Rho Inc.’s</a:t>
-            </a:r>
-            <a:endParaRPr lang="en-US" sz="2800" dirty="0" smtClean="0"/>
-          </a:p>
-          <a:p>
-            <a:endParaRPr lang="en-US" sz="2800" dirty="0" smtClean="0"/>
+              <a:t>Stored </a:t>
+            </a:r>
+            <a:r>
+              <a:rPr lang="en-US" sz="2800" dirty="0"/>
+              <a:t>locally, on a network, or remotely</a:t>
+            </a:r>
+          </a:p>
+          <a:p>
+            <a:r>
+              <a:rPr lang="en-US" sz="2800" dirty="0"/>
+              <a:t>Accessing individual programs:</a:t>
+            </a:r>
+          </a:p>
+          <a:p>
+            <a:pPr lvl="1"/>
+            <a:r>
+              <a:rPr lang="en-US" dirty="0"/>
+              <a:t>R: 	</a:t>
+            </a:r>
+            <a:r>
+              <a:rPr lang="en-US" sz="2000" dirty="0">
+                <a:latin typeface="Courier New" panose="02070309020205020404" pitchFamily="49" charset="0"/>
+                <a:cs typeface="Courier New" panose="02070309020205020404" pitchFamily="49" charset="0"/>
+              </a:rPr>
+              <a:t>.source('</a:t>
+            </a:r>
+            <a:r>
+              <a:rPr lang="en-US" sz="2000" dirty="0" err="1">
+                <a:latin typeface="Courier New" panose="02070309020205020404" pitchFamily="49" charset="0"/>
+                <a:cs typeface="Courier New" panose="02070309020205020404" pitchFamily="49" charset="0"/>
+              </a:rPr>
+              <a:t>program.R</a:t>
+            </a:r>
+            <a:r>
+              <a:rPr lang="en-US" sz="2000" dirty="0">
+                <a:latin typeface="Courier New" panose="02070309020205020404" pitchFamily="49" charset="0"/>
+                <a:cs typeface="Courier New" panose="02070309020205020404" pitchFamily="49" charset="0"/>
+              </a:rPr>
+              <a:t>')</a:t>
+            </a:r>
+            <a:endParaRPr lang="en-US" sz="2400" dirty="0">
+              <a:latin typeface="Courier New" panose="02070309020205020404" pitchFamily="49" charset="0"/>
+              <a:cs typeface="Courier New" panose="02070309020205020404" pitchFamily="49" charset="0"/>
+            </a:endParaRPr>
+          </a:p>
+          <a:p>
+            <a:pPr lvl="1"/>
+            <a:r>
+              <a:rPr lang="en-US" dirty="0"/>
+              <a:t>SAS:	</a:t>
+            </a:r>
+            <a:r>
+              <a:rPr lang="en-US" sz="2000" dirty="0">
+                <a:latin typeface="Courier New" panose="02070309020205020404" pitchFamily="49" charset="0"/>
+                <a:cs typeface="Courier New" panose="02070309020205020404" pitchFamily="49" charset="0"/>
+              </a:rPr>
+              <a:t>%</a:t>
+            </a:r>
+            <a:r>
+              <a:rPr lang="en-US" sz="2000" dirty="0" smtClean="0">
+                <a:latin typeface="Courier New" panose="02070309020205020404" pitchFamily="49" charset="0"/>
+                <a:cs typeface="Courier New" panose="02070309020205020404" pitchFamily="49" charset="0"/>
+              </a:rPr>
+              <a:t>include '</a:t>
+            </a:r>
+            <a:r>
+              <a:rPr lang="en-US" sz="2000" dirty="0" err="1" smtClean="0">
+                <a:latin typeface="Courier New" panose="02070309020205020404" pitchFamily="49" charset="0"/>
+                <a:cs typeface="Courier New" panose="02070309020205020404" pitchFamily="49" charset="0"/>
+              </a:rPr>
+              <a:t>program.sas</a:t>
+            </a:r>
+            <a:r>
+              <a:rPr lang="en-US" sz="2000" dirty="0" smtClean="0">
+                <a:latin typeface="Courier New" panose="02070309020205020404" pitchFamily="49" charset="0"/>
+                <a:cs typeface="Courier New" panose="02070309020205020404" pitchFamily="49" charset="0"/>
+              </a:rPr>
+              <a:t>';</a:t>
+            </a:r>
+            <a:endParaRPr lang="en-US" dirty="0">
+              <a:latin typeface="Courier New" panose="02070309020205020404" pitchFamily="49" charset="0"/>
+              <a:cs typeface="Courier New" panose="02070309020205020404" pitchFamily="49" charset="0"/>
+            </a:endParaRPr>
+          </a:p>
+          <a:p>
+            <a:r>
+              <a:rPr lang="en-US" sz="2800" dirty="0"/>
+              <a:t>Accessing libraries:</a:t>
+            </a:r>
+          </a:p>
+          <a:p>
+            <a:pPr lvl="1"/>
+            <a:r>
+              <a:rPr lang="en-US" dirty="0"/>
+              <a:t>R: 	</a:t>
+            </a:r>
+            <a:r>
+              <a:rPr lang="en-US" sz="2000" dirty="0">
+                <a:latin typeface="Courier New" panose="02070309020205020404" pitchFamily="49" charset="0"/>
+                <a:cs typeface="Courier New" panose="02070309020205020404" pitchFamily="49" charset="0"/>
+              </a:rPr>
+              <a:t>.</a:t>
+            </a:r>
+            <a:r>
+              <a:rPr lang="en-US" sz="2000" dirty="0" err="1">
+                <a:latin typeface="Courier New" panose="02070309020205020404" pitchFamily="49" charset="0"/>
+                <a:cs typeface="Courier New" panose="02070309020205020404" pitchFamily="49" charset="0"/>
+              </a:rPr>
+              <a:t>libPaths</a:t>
+            </a:r>
+            <a:r>
+              <a:rPr lang="en-US" sz="2000" dirty="0">
+                <a:latin typeface="Courier New" panose="02070309020205020404" pitchFamily="49" charset="0"/>
+                <a:cs typeface="Courier New" panose="02070309020205020404" pitchFamily="49" charset="0"/>
+              </a:rPr>
+              <a:t>('code-library')</a:t>
+            </a:r>
+            <a:endParaRPr lang="en-US" sz="2400" dirty="0">
+              <a:latin typeface="Courier New" panose="02070309020205020404" pitchFamily="49" charset="0"/>
+              <a:cs typeface="Courier New" panose="02070309020205020404" pitchFamily="49" charset="0"/>
+            </a:endParaRPr>
+          </a:p>
+          <a:p>
+            <a:pPr lvl="1"/>
+            <a:r>
+              <a:rPr lang="en-US" dirty="0"/>
+              <a:t>SAS:	</a:t>
+            </a:r>
+            <a:r>
+              <a:rPr lang="en-US" sz="2000" dirty="0">
+                <a:latin typeface="Courier New" panose="02070309020205020404" pitchFamily="49" charset="0"/>
+                <a:cs typeface="Courier New" panose="02070309020205020404" pitchFamily="49" charset="0"/>
+              </a:rPr>
+              <a:t>option </a:t>
+            </a:r>
+            <a:r>
+              <a:rPr lang="en-US" sz="2000" dirty="0" err="1">
+                <a:latin typeface="Courier New" panose="02070309020205020404" pitchFamily="49" charset="0"/>
+                <a:cs typeface="Courier New" panose="02070309020205020404" pitchFamily="49" charset="0"/>
+              </a:rPr>
+              <a:t>sasautos</a:t>
+            </a:r>
+            <a:r>
+              <a:rPr lang="en-US" sz="2000" dirty="0">
+                <a:latin typeface="Courier New" panose="02070309020205020404" pitchFamily="49" charset="0"/>
+                <a:cs typeface="Courier New" panose="02070309020205020404" pitchFamily="49" charset="0"/>
+              </a:rPr>
+              <a:t> = 'code-library';</a:t>
+            </a:r>
+            <a:endParaRPr lang="en-US" dirty="0">
+              <a:latin typeface="Courier New" panose="02070309020205020404" pitchFamily="49" charset="0"/>
+              <a:cs typeface="Courier New" panose="02070309020205020404" pitchFamily="49" charset="0"/>
+            </a:endParaRPr>
           </a:p>
           <a:p>
             <a:endParaRPr lang="en-US" sz="2800" dirty="0" smtClean="0"/>
           </a:p>
         </p:txBody>
       </p:sp>
-      <p:pic>
-        <p:nvPicPr>
-          <p:cNvPr id="5" name="Picture 4"/>
-          <p:cNvPicPr>
-            <a:picLocks noChangeAspect="1"/>
-          </p:cNvPicPr>
-          <p:nvPr/>
-        </p:nvPicPr>
-        <p:blipFill>
-          <a:blip r:embed="rId3">
-            <a:extLst>
-              <a:ext uri="{28A0092B-C50C-407E-A947-70E740481C1C}">
-                <a14:useLocalDpi xmlns:a14="http://schemas.microsoft.com/office/drawing/2010/main" val="0"/>
-              </a:ext>
-            </a:extLst>
-          </a:blip>
-          <a:stretch>
-            <a:fillRect/>
-          </a:stretch>
-        </p:blipFill>
-        <p:spPr>
-          <a:xfrm>
-            <a:off x="5638800" y="133350"/>
-            <a:ext cx="2857500" cy="1600200"/>
-          </a:xfrm>
-          <a:prstGeom prst="rect">
-            <a:avLst/>
-          </a:prstGeom>
-        </p:spPr>
-      </p:pic>
     </p:spTree>
     <p:extLst>
       <p:ext uri="{BB962C8B-B14F-4D97-AF65-F5344CB8AC3E}">
-        <p14:creationId xmlns:p14="http://schemas.microsoft.com/office/powerpoint/2010/main" val="463107268"/>
+        <p14:creationId xmlns:p14="http://schemas.microsoft.com/office/powerpoint/2010/main" val="2334535178"/>
       </p:ext>
     </p:extLst>
   </p:cSld>
   <p:clrMapOvr>
     <a:masterClrMapping/>
   </p:clrMapOvr>
-  <mc:AlternateContent xmlns:mc="http://schemas.openxmlformats.org/markup-compatibility/2006">
-    <mc:Choice xmlns:p14="http://schemas.microsoft.com/office/powerpoint/2010/main" Requires="p14">
+  <mc:AlternateContent xmlns:mc="http://schemas.openxmlformats.org/markup-compatibility/2006" xmlns:p14="http://schemas.microsoft.com/office/powerpoint/2010/main">
+    <mc:Choice Requires="p14">
       <p:transition spd="med" p14:dur="700">
         <p:fade/>
       </p:transition>
     </mc:Choice>
-    <mc:Fallback>
+    <mc:Fallback xmlns="">
       <p:transition spd="med">
         <p:fade/>
       </p:transition>
@@ -3268,33 +4441,15 @@
                                   </p:childTnLst>
                                 </p:cTn>
                               </p:par>
-                            </p:childTnLst>
-                          </p:cTn>
-                        </p:par>
-                      </p:childTnLst>
-                    </p:cTn>
-                  </p:par>
-                  <p:par>
-                    <p:cTn id="18" fill="hold">
-                      <p:stCondLst>
-                        <p:cond delay="indefinite"/>
-                      </p:stCondLst>
-                      <p:childTnLst>
-                        <p:par>
-                          <p:cTn id="19" fill="hold">
-                            <p:stCondLst>
-                              <p:cond delay="0"/>
-                            </p:stCondLst>
-                            <p:childTnLst>
                               <p:par>
-                                <p:cTn id="20" presetID="10" presetClass="entr" presetSubtype="0" fill="hold" nodeType="clickEffect">
+                                <p:cTn id="18" presetID="10" presetClass="entr" presetSubtype="0" fill="hold" nodeType="withEffect">
                                   <p:stCondLst>
                                     <p:cond delay="0"/>
                                   </p:stCondLst>
                                   <p:childTnLst>
                                     <p:set>
                                       <p:cBhvr>
-                                        <p:cTn id="21" dur="1" fill="hold">
+                                        <p:cTn id="19" dur="1" fill="hold">
                                           <p:stCondLst>
                                             <p:cond delay="0"/>
                                           </p:stCondLst>
@@ -3316,11 +4471,54 @@
                                     </p:set>
                                     <p:animEffect transition="in" filter="fade">
                                       <p:cBhvr>
-                                        <p:cTn id="22" dur="500"/>
+                                        <p:cTn id="20" dur="500"/>
                                         <p:tgtEl>
                                           <p:spTgt spid="3">
                                             <p:txEl>
                                               <p:pRg st="3" end="3"/>
+                                            </p:txEl>
+                                          </p:spTgt>
+                                        </p:tgtEl>
+                                      </p:cBhvr>
+                                    </p:animEffect>
+                                  </p:childTnLst>
+                                </p:cTn>
+                              </p:par>
+                              <p:par>
+                                <p:cTn id="21" presetID="10" presetClass="entr" presetSubtype="0" fill="hold" nodeType="withEffect">
+                                  <p:stCondLst>
+                                    <p:cond delay="0"/>
+                                  </p:stCondLst>
+                                  <p:childTnLst>
+                                    <p:set>
+                                      <p:cBhvr>
+                                        <p:cTn id="22" dur="1" fill="hold">
+                                          <p:stCondLst>
+                                            <p:cond delay="0"/>
+                                          </p:stCondLst>
+                                        </p:cTn>
+                                        <p:tgtEl>
+                                          <p:spTgt spid="3">
+                                            <p:txEl>
+                                              <p:pRg st="4" end="4"/>
+                                            </p:txEl>
+                                          </p:spTgt>
+                                        </p:tgtEl>
+                                        <p:attrNameLst>
+                                          <p:attrName>style.visibility</p:attrName>
+                                        </p:attrNameLst>
+                                      </p:cBhvr>
+                                      <p:to>
+                                        <p:strVal val="visible"/>
+                                      </p:to>
+                                    </p:set>
+                                    <p:animEffect transition="in" filter="fade">
+                                      <p:cBhvr>
+                                        <p:cTn id="23" dur="500"/>
+                                        <p:tgtEl>
+                                          <p:spTgt spid="3">
+                                            <p:txEl>
+                                              <p:pRg st="4" end="4"/>
                                             </p:txEl>
                                           </p:spTgt>
                                         </p:tgtEl>
@@ -3336,26 +4534,26 @@
                     </p:cTn>
                   </p:par>
                   <p:par>
-                    <p:cTn id="23" fill="hold">
+                    <p:cTn id="24" fill="hold">
                       <p:stCondLst>
                         <p:cond delay="indefinite"/>
                       </p:stCondLst>
                       <p:childTnLst>
                         <p:par>
-                          <p:cTn id="24" fill="hold">
+                          <p:cTn id="25" fill="hold">
                             <p:stCondLst>
                               <p:cond delay="0"/>
                             </p:stCondLst>
                             <p:childTnLst>
                               <p:par>
-                                <p:cTn id="25" presetID="10" presetClass="entr" presetSubtype="0" fill="hold" nodeType="clickEffect">
+                                <p:cTn id="26" presetID="10" presetClass="entr" presetSubtype="0" fill="hold" nodeType="clickEffect">
                                   <p:stCondLst>
                                     <p:cond delay="0"/>
                                   </p:stCondLst>
                                   <p:childTnLst>
                                     <p:set>
                                       <p:cBhvr>
-                                        <p:cTn id="26" dur="1" fill="hold">
+                                        <p:cTn id="27" dur="1" fill="hold">
                                           <p:stCondLst>
                                             <p:cond delay="0"/>
                                           </p:stCondLst>
@@ -3363,7 +4561,7 @@
                                         <p:tgtEl>
                                           <p:spTgt spid="3">
                                             <p:txEl>
-                                              <p:pRg st="4" end="4"/>
+                                              <p:pRg st="5" end="5"/>
                                             </p:txEl>
                                           </p:spTgt>
                                         </p:tgtEl>
@@ -3377,11 +4575,97 @@
                                     </p:set>
                                     <p:animEffect transition="in" filter="fade">
                                       <p:cBhvr>
-                                        <p:cTn id="27" dur="500"/>
+                                        <p:cTn id="28" dur="500"/>
                                         <p:tgtEl>
                                           <p:spTgt spid="3">
                                             <p:txEl>
-                                              <p:pRg st="4" end="4"/>
+                                              <p:pRg st="5" end="5"/>
+                                            </p:txEl>
+                                          </p:spTgt>
+                                        </p:tgtEl>
+                                      </p:cBhvr>
+                                    </p:animEffect>
+                                  </p:childTnLst>
+                                </p:cTn>
+                              </p:par>
+                              <p:par>
+                                <p:cTn id="29" presetID="10" presetClass="entr" presetSubtype="0" fill="hold" nodeType="withEffect">
+                                  <p:stCondLst>
+                                    <p:cond delay="0"/>
+                                  </p:stCondLst>
+                                  <p:childTnLst>
+                                    <p:set>
+                                      <p:cBhvr>
+                                        <p:cTn id="30" dur="1" fill="hold">
+                                          <p:stCondLst>
+                                            <p:cond delay="0"/>
+                                          </p:stCondLst>
+                                        </p:cTn>
+                                        <p:tgtEl>
+                                          <p:spTgt spid="3">
+                                            <p:txEl>
+                                              <p:pRg st="6" end="6"/>
+                                            </p:txEl>
+                                          </p:spTgt>
+                                        </p:tgtEl>
+                                        <p:attrNameLst>
+                                          <p:attrName>style.visibility</p:attrName>
+                                        </p:attrNameLst>
+                                      </p:cBhvr>
+                                      <p:to>
+                                        <p:strVal val="visible"/>
+                                      </p:to>
+                                    </p:set>
+                                    <p:animEffect transition="in" filter="fade">
+                                      <p:cBhvr>
+                                        <p:cTn id="31" dur="500"/>
+                                        <p:tgtEl>
+                                          <p:spTgt spid="3">
+                                            <p:txEl>
+                                              <p:pRg st="6" end="6"/>
+                                            </p:txEl>
+                                          </p:spTgt>
+                                        </p:tgtEl>
+                                      </p:cBhvr>
+                                    </p:animEffect>
+                                  </p:childTnLst>
+                                </p:cTn>
+                              </p:par>
+                              <p:par>
+                                <p:cTn id="32" presetID="10" presetClass="entr" presetSubtype="0" fill="hold" nodeType="withEffect">
+                                  <p:stCondLst>
+                                    <p:cond delay="0"/>
+                                  </p:stCondLst>
+                                  <p:childTnLst>
+                                    <p:set>
+                                      <p:cBhvr>
+                                        <p:cTn id="33" dur="1" fill="hold">
+                                          <p:stCondLst>
+                                            <p:cond delay="0"/>
+                                          </p:stCondLst>
+                                        </p:cTn>
+                                        <p:tgtEl>
+                                          <p:spTgt spid="3">
+                                            <p:txEl>
+                                              <p:pRg st="7" end="7"/>
+                                            </p:txEl>
+                                          </p:spTgt>
+                                        </p:tgtEl>
+                                        <p:attrNameLst>
+                                          <p:attrName>style.visibility</p:attrName>
+                                        </p:attrNameLst>
+                                      </p:cBhvr>
+                                      <p:to>
+                                        <p:strVal val="visible"/>
+                                      </p:to>
+                                    </p:set>
+                                    <p:animEffect transition="in" filter="fade">
+                                      <p:cBhvr>
+                                        <p:cTn id="34" dur="500"/>
+                                        <p:tgtEl>
+                                          <p:spTgt spid="3">
+                                            <p:txEl>
+                                              <p:pRg st="7" end="7"/>
                                             </p:txEl>
                                           </p:spTgt>
                                         </p:tgtEl>
@@ -3454,10 +4738,14 @@
           <a:lstStyle/>
           <a:p>
             <a:r>
-              <a:rPr lang="en-US" dirty="0" smtClean="0"/>
-              <a:t>git</a:t>
-            </a:r>
-            <a:endParaRPr lang="en-US" dirty="0"/>
+              <a:rPr lang="en-US" sz="3200" dirty="0"/>
+              <a:t>Technical Background: </a:t>
+            </a:r>
+            <a:r>
+              <a:rPr lang="en-US" sz="3200" b="1" dirty="0"/>
+              <a:t>GitHub</a:t>
+            </a:r>
+            <a:endParaRPr lang="en-US" sz="3200" b="1" dirty="0"/>
           </a:p>
         </p:txBody>
       </p:sp>
@@ -3477,15 +4765,39 @@
           <a:lstStyle/>
           <a:p>
             <a:r>
+              <a:rPr lang="en-US" sz="2800" i="1" dirty="0" smtClean="0"/>
+              <a:t>How people build software</a:t>
+            </a:r>
+            <a:endParaRPr lang="en-US" sz="2800" dirty="0" smtClean="0"/>
+          </a:p>
+          <a:p>
+            <a:r>
+              <a:rPr lang="en-US" sz="2800" dirty="0"/>
+              <a:t>Web-based hosting </a:t>
+            </a:r>
+            <a:r>
               <a:rPr lang="en-US" sz="2800" dirty="0" smtClean="0"/>
-              <a:t>Distributed version control system</a:t>
+              <a:t>service</a:t>
             </a:r>
           </a:p>
           <a:p>
             <a:r>
               <a:rPr lang="en-US" sz="2800" dirty="0" smtClean="0"/>
-              <a:t>Tracks changes to files including code</a:t>
-            </a:r>
+              <a:t>Code libraries organized by owner and repo</a:t>
+            </a:r>
+          </a:p>
+          <a:p>
+            <a:r>
+              <a:rPr lang="en-US" sz="2800" dirty="0" smtClean="0"/>
+              <a:t>Accessible by browser and by an application programming interface (API)</a:t>
+            </a:r>
+          </a:p>
+          <a:p>
+            <a:r>
+              <a:rPr lang="en-US" sz="2800" dirty="0" smtClean="0"/>
+              <a:t>Public and private repos</a:t>
+            </a:r>
+            <a:endParaRPr lang="en-US" sz="2800" dirty="0" smtClean="0"/>
           </a:p>
           <a:p>
             <a:endParaRPr lang="en-US" sz="2800" dirty="0" smtClean="0"/>
@@ -3497,13 +4809,13 @@
       </p:sp>
       <p:pic>
         <p:nvPicPr>
-          <p:cNvPr id="4" name="Picture 3"/>
+          <p:cNvPr id="5" name="Picture 4"/>
           <p:cNvPicPr>
             <a:picLocks noChangeAspect="1"/>
           </p:cNvPicPr>
           <p:nvPr/>
         </p:nvPicPr>
-        <p:blipFill>
+        <p:blipFill rotWithShape="1">
           <a:blip r:embed="rId2">
             <a:extLst>
               <a:ext uri="{28A0092B-C50C-407E-A947-70E740481C1C}">
@@ -3511,14 +4823,13 @@
               </a:ext>
             </a:extLst>
           </a:blip>
-          <a:stretch>
-            <a:fillRect/>
-          </a:stretch>
+          <a:srcRect t="19286" b="17857"/>
+          <a:stretch/>
         </p:blipFill>
         <p:spPr>
           <a:xfrm>
-            <a:off x="5981702" y="285751"/>
-            <a:ext cx="2743198" cy="1142999"/>
+            <a:off x="5334000" y="841678"/>
+            <a:ext cx="2857500" cy="1005840"/>
           </a:xfrm>
           <a:prstGeom prst="rect">
             <a:avLst/>
@@ -3528,20 +4839,20 @@
     </p:spTree>
     <p:extLst>
       <p:ext uri="{BB962C8B-B14F-4D97-AF65-F5344CB8AC3E}">
-        <p14:creationId xmlns:p14="http://schemas.microsoft.com/office/powerpoint/2010/main" val="3567836049"/>
+        <p14:creationId xmlns:p14="http://schemas.microsoft.com/office/powerpoint/2010/main" val="463107268"/>
       </p:ext>
     </p:extLst>
   </p:cSld>
   <p:clrMapOvr>
     <a:masterClrMapping/>
   </p:clrMapOvr>
-  <mc:AlternateContent xmlns:mc="http://schemas.openxmlformats.org/markup-compatibility/2006">
-    <mc:Choice xmlns:p14="http://schemas.microsoft.com/office/powerpoint/2010/main" Requires="p14">
+  <mc:AlternateContent xmlns:mc="http://schemas.openxmlformats.org/markup-compatibility/2006" xmlns:p14="http://schemas.microsoft.com/office/powerpoint/2010/main">
+    <mc:Choice Requires="p14">
       <p:transition spd="med" p14:dur="700">
         <p:fade/>
       </p:transition>
     </mc:Choice>
-    <mc:Fallback>
+    <mc:Fallback xmlns="">
       <p:transition spd="med">
         <p:fade/>
       </p:transition>
@@ -3663,6 +4974,189 @@
                                           <p:spTgt spid="3">
                                             <p:txEl>
                                               <p:pRg st="1" end="1"/>
+                                            </p:txEl>
+                                          </p:spTgt>
+                                        </p:tgtEl>
+                                      </p:cBhvr>
+                                    </p:animEffect>
+                                  </p:childTnLst>
+                                </p:cTn>
+                              </p:par>
+                            </p:childTnLst>
+                          </p:cTn>
+                        </p:par>
+                      </p:childTnLst>
+                    </p:cTn>
+                  </p:par>
+                  <p:par>
+                    <p:cTn id="13" fill="hold">
+                      <p:stCondLst>
+                        <p:cond delay="indefinite"/>
+                      </p:stCondLst>
+                      <p:childTnLst>
+                        <p:par>
+                          <p:cTn id="14" fill="hold">
+                            <p:stCondLst>
+                              <p:cond delay="0"/>
+                            </p:stCondLst>
+                            <p:childTnLst>
+                              <p:par>
+                                <p:cTn id="15" presetID="10" presetClass="entr" presetSubtype="0" fill="hold" nodeType="clickEffect">
+                                  <p:stCondLst>
+                                    <p:cond delay="0"/>
+                                  </p:stCondLst>
+                                  <p:childTnLst>
+                                    <p:set>
+                                      <p:cBhvr>
+                                        <p:cTn id="16" dur="1" fill="hold">
+                                          <p:stCondLst>
+                                            <p:cond delay="0"/>
+                                          </p:stCondLst>
+                                        </p:cTn>
+                                        <p:tgtEl>
+                                          <p:spTgt spid="3">
+                                            <p:txEl>
+                                              <p:pRg st="2" end="2"/>
+                                            </p:txEl>
+                                          </p:spTgt>
+                                        </p:tgtEl>
+                                        <p:attrNameLst>
+                                          <p:attrName>style.visibility</p:attrName>
+                                        </p:attrNameLst>
+                                      </p:cBhvr>
+                                      <p:to>
+                                        <p:strVal val="visible"/>
+                                      </p:to>
+                                    </p:set>
+                                    <p:animEffect transition="in" filter="fade">
+                                      <p:cBhvr>
+                                        <p:cTn id="17" dur="500"/>
+                                        <p:tgtEl>
+                                          <p:spTgt spid="3">
+                                            <p:txEl>
+                                              <p:pRg st="2" end="2"/>
+                                            </p:txEl>
+                                          </p:spTgt>
+                                        </p:tgtEl>
+                                      </p:cBhvr>
+                                    </p:animEffect>
+                                  </p:childTnLst>
+                                </p:cTn>
+                              </p:par>
+                            </p:childTnLst>
+                          </p:cTn>
+                        </p:par>
+                      </p:childTnLst>
+                    </p:cTn>
+                  </p:par>
+                  <p:par>
+                    <p:cTn id="18" fill="hold">
+                      <p:stCondLst>
+                        <p:cond delay="indefinite"/>
+                      </p:stCondLst>
+                      <p:childTnLst>
+                        <p:par>
+                          <p:cTn id="19" fill="hold">
+                            <p:stCondLst>
+                              <p:cond delay="0"/>
+                            </p:stCondLst>
+                            <p:childTnLst>
+                              <p:par>
+                                <p:cTn id="20" presetID="10" presetClass="entr" presetSubtype="0" fill="hold" nodeType="clickEffect">
+                                  <p:stCondLst>
+                                    <p:cond delay="0"/>
+                                  </p:stCondLst>
+                                  <p:childTnLst>
+                                    <p:set>
+                                      <p:cBhvr>
+                                        <p:cTn id="21" dur="1" fill="hold">
+                                          <p:stCondLst>
+                                            <p:cond delay="0"/>
+                                          </p:stCondLst>
+                                        </p:cTn>
+                                        <p:tgtEl>
+                                          <p:spTgt spid="3">
+                                            <p:txEl>
+                                              <p:pRg st="3" end="3"/>
+                                            </p:txEl>
+                                          </p:spTgt>
+                                        </p:tgtEl>
+                                        <p:attrNameLst>
+                                          <p:attrName>style.visibility</p:attrName>
+                                        </p:attrNameLst>
+                                      </p:cBhvr>
+                                      <p:to>
+                                        <p:strVal val="visible"/>
+                                      </p:to>
+                                    </p:set>
+                                    <p:animEffect transition="in" filter="fade">
+                                      <p:cBhvr>
+                                        <p:cTn id="22" dur="500"/>
+                                        <p:tgtEl>
+                                          <p:spTgt spid="3">
+                                            <p:txEl>
+                                              <p:pRg st="3" end="3"/>
+                                            </p:txEl>
+                                          </p:spTgt>
+                                        </p:tgtEl>
+                                      </p:cBhvr>
+                                    </p:animEffect>
+                                  </p:childTnLst>
+                                </p:cTn>
+                              </p:par>
+                            </p:childTnLst>
+                          </p:cTn>
+                        </p:par>
+                      </p:childTnLst>
+                    </p:cTn>
+                  </p:par>
+                  <p:par>
+                    <p:cTn id="23" fill="hold">
+                      <p:stCondLst>
+                        <p:cond delay="indefinite"/>
+                      </p:stCondLst>
+                      <p:childTnLst>
+                        <p:par>
+                          <p:cTn id="24" fill="hold">
+                            <p:stCondLst>
+                              <p:cond delay="0"/>
+                            </p:stCondLst>
+                            <p:childTnLst>
+                              <p:par>
+                                <p:cTn id="25" presetID="10" presetClass="entr" presetSubtype="0" fill="hold" nodeType="clickEffect">
+                                  <p:stCondLst>
+                                    <p:cond delay="0"/>
+                                  </p:stCondLst>
+                                  <p:childTnLst>
+                                    <p:set>
+                                      <p:cBhvr>
+                                        <p:cTn id="26" dur="1" fill="hold">
+                                          <p:stCondLst>
+                                            <p:cond delay="0"/>
+                                          </p:stCondLst>
+                                        </p:cTn>
+                                        <p:tgtEl>
+                                          <p:spTgt spid="3">
+                                            <p:txEl>
+                                              <p:pRg st="4" end="4"/>
+                                            </p:txEl>
+                                          </p:spTgt>
+                                        </p:tgtEl>
+                                        <p:attrNameLst>
+                                          <p:attrName>style.visibility</p:attrName>
+                                        </p:attrNameLst>
+                                      </p:cBhvr>
+                                      <p:to>
+                                        <p:strVal val="visible"/>
+                                      </p:to>
+                                    </p:set>
+                                    <p:animEffect transition="in" filter="fade">
+                                      <p:cBhvr>
+                                        <p:cTn id="27" dur="500"/>
+                                        <p:tgtEl>
+                                          <p:spTgt spid="3">
+                                            <p:txEl>
+                                              <p:pRg st="4" end="4"/>
                                             </p:txEl>
                                           </p:spTgt>
                                         </p:tgtEl>
@@ -3735,10 +5229,14 @@
           <a:lstStyle/>
           <a:p>
             <a:r>
-              <a:rPr lang="en-US" dirty="0" smtClean="0"/>
-              <a:t>Accessing remote code libraries</a:t>
-            </a:r>
-            <a:endParaRPr lang="en-US" dirty="0"/>
+              <a:rPr lang="en-US" sz="3200" dirty="0" smtClean="0"/>
+              <a:t>Technical Background: </a:t>
+            </a:r>
+            <a:r>
+              <a:rPr lang="en-US" sz="3200" b="1" dirty="0" smtClean="0"/>
+              <a:t>git</a:t>
+            </a:r>
+            <a:endParaRPr lang="en-US" sz="3200" b="1" dirty="0"/>
           </a:p>
         </p:txBody>
       </p:sp>
@@ -3749,7 +5247,7 @@
             <a:spLocks noGrp="1"/>
           </p:cNvSpPr>
           <p:nvPr>
-            <p:ph sz="half" idx="1"/>
+            <p:ph idx="1"/>
           </p:nvPr>
         </p:nvSpPr>
         <p:spPr/>
@@ -3757,50 +5255,32 @@
           <a:bodyPr/>
           <a:lstStyle/>
           <a:p>
-            <a:endParaRPr lang="en-US" dirty="0" smtClean="0"/>
-          </a:p>
-          <a:p>
-            <a:r>
-              <a:rPr lang="en-US" dirty="0" smtClean="0"/>
-              <a:t>Navigate to the repo</a:t>
-            </a:r>
-          </a:p>
-          <a:p>
-            <a:r>
-              <a:rPr lang="en-US" dirty="0" smtClean="0"/>
-              <a:t>Download the repo</a:t>
-            </a:r>
-          </a:p>
-          <a:p>
-            <a:r>
-              <a:rPr lang="en-US" dirty="0" smtClean="0"/>
-              <a:t>Unzip the repo</a:t>
-            </a:r>
-          </a:p>
-          <a:p>
-            <a:r>
-              <a:rPr lang="en-US" dirty="0" smtClean="0"/>
-              <a:t>Source the repo</a:t>
-            </a:r>
-          </a:p>
-          <a:p>
-            <a:r>
-              <a:rPr lang="en-US" dirty="0" smtClean="0"/>
-              <a:t>Use that code</a:t>
-            </a:r>
-            <a:endParaRPr lang="en-US" dirty="0"/>
+            <a:r>
+              <a:rPr lang="en-US" sz="2800" dirty="0" smtClean="0"/>
+              <a:t>Distributed version control system</a:t>
+            </a:r>
+          </a:p>
+          <a:p>
+            <a:r>
+              <a:rPr lang="en-US" sz="2800" dirty="0" smtClean="0"/>
+              <a:t>Tracks changes to files including code</a:t>
+            </a:r>
+          </a:p>
+          <a:p>
+            <a:endParaRPr lang="en-US" sz="2800" dirty="0" smtClean="0"/>
+          </a:p>
+          <a:p>
+            <a:endParaRPr lang="en-US" sz="2800" dirty="0" smtClean="0"/>
           </a:p>
         </p:txBody>
       </p:sp>
       <p:pic>
         <p:nvPicPr>
-          <p:cNvPr id="5" name="Content Placeholder 4"/>
+          <p:cNvPr id="4" name="Picture 3"/>
           <p:cNvPicPr>
-            <a:picLocks noGrp="1" noChangeAspect="1"/>
+            <a:picLocks noChangeAspect="1"/>
           </p:cNvPicPr>
-          <p:nvPr>
-            <p:ph sz="half" idx="2"/>
-          </p:nvPr>
+          <p:nvPr/>
         </p:nvPicPr>
         <p:blipFill>
           <a:blip r:embed="rId2">
@@ -3816,23 +5296,31 @@
         </p:blipFill>
         <p:spPr>
           <a:xfrm>
-            <a:off x="4648200" y="1547607"/>
-            <a:ext cx="4038600" cy="2048285"/>
+            <a:off x="3200400" y="2571750"/>
+            <a:ext cx="2743198" cy="1142999"/>
           </a:xfrm>
+          <a:prstGeom prst="rect">
+            <a:avLst/>
+          </a:prstGeom>
         </p:spPr>
       </p:pic>
     </p:spTree>
+    <p:extLst>
+      <p:ext uri="{BB962C8B-B14F-4D97-AF65-F5344CB8AC3E}">
+        <p14:creationId xmlns:p14="http://schemas.microsoft.com/office/powerpoint/2010/main" val="3567836049"/>
+      </p:ext>
+    </p:extLst>
   </p:cSld>
   <p:clrMapOvr>
     <a:masterClrMapping/>
   </p:clrMapOvr>
-  <mc:AlternateContent xmlns:mc="http://schemas.openxmlformats.org/markup-compatibility/2006">
-    <mc:Choice xmlns:p14="http://schemas.microsoft.com/office/powerpoint/2010/main" Requires="p14">
+  <mc:AlternateContent xmlns:mc="http://schemas.openxmlformats.org/markup-compatibility/2006" xmlns:p14="http://schemas.microsoft.com/office/powerpoint/2010/main">
+    <mc:Choice Requires="p14">
       <p:transition spd="med" p14:dur="700">
         <p:fade/>
       </p:transition>
     </mc:Choice>
-    <mc:Fallback>
+    <mc:Fallback xmlns="">
       <p:transition spd="med">
         <p:fade/>
       </p:transition>
@@ -3874,7 +5362,7 @@
                                         <p:tgtEl>
                                           <p:spTgt spid="3">
                                             <p:txEl>
-                                              <p:pRg st="1" end="1"/>
+                                              <p:pRg st="0" end="0"/>
                                             </p:txEl>
                                           </p:spTgt>
                                         </p:tgtEl>
@@ -3892,7 +5380,7 @@
                                         <p:tgtEl>
                                           <p:spTgt spid="3">
                                             <p:txEl>
-                                              <p:pRg st="1" end="1"/>
+                                              <p:pRg st="0" end="0"/>
                                             </p:txEl>
                                           </p:spTgt>
                                         </p:tgtEl>
@@ -3935,7 +5423,7 @@
                                         <p:tgtEl>
                                           <p:spTgt spid="3">
                                             <p:txEl>
-                                              <p:pRg st="2" end="2"/>
+                                              <p:pRg st="1" end="1"/>
                                             </p:txEl>
                                           </p:spTgt>
                                         </p:tgtEl>
@@ -3953,225 +5441,7 @@
                                         <p:tgtEl>
                                           <p:spTgt spid="3">
                                             <p:txEl>
-                                              <p:pRg st="2" end="2"/>
-                                            </p:txEl>
-                                          </p:spTgt>
-                                        </p:tgtEl>
-                                      </p:cBhvr>
-                                    </p:animEffect>
-                                  </p:childTnLst>
-                                </p:cTn>
-                              </p:par>
-                              <p:par>
-                                <p:cTn id="13" presetID="10" presetClass="entr" presetSubtype="0" fill="hold" nodeType="withEffect">
-                                  <p:stCondLst>
-                                    <p:cond delay="0"/>
-                                  </p:stCondLst>
-                                  <p:childTnLst>
-                                    <p:set>
-                                      <p:cBhvr>
-                                        <p:cTn id="14" dur="1" fill="hold">
-                                          <p:stCondLst>
-                                            <p:cond delay="0"/>
-                                          </p:stCondLst>
-                                        </p:cTn>
-                                        <p:tgtEl>
-                                          <p:spTgt spid="5"/>
-                                        </p:tgtEl>
-                                        <p:attrNameLst>
-                                          <p:attrName>style.visibility</p:attrName>
-                                        </p:attrNameLst>
-                                      </p:cBhvr>
-                                      <p:to>
-                                        <p:strVal val="visible"/>
-                                      </p:to>
-                                    </p:set>
-                                    <p:animEffect transition="in" filter="fade">
-                                      <p:cBhvr>
-                                        <p:cTn id="15" dur="500"/>
-                                        <p:tgtEl>
-                                          <p:spTgt spid="5"/>
-                                        </p:tgtEl>
-                                      </p:cBhvr>
-                                    </p:animEffect>
-                                  </p:childTnLst>
-                                </p:cTn>
-                              </p:par>
-                            </p:childTnLst>
-                          </p:cTn>
-                        </p:par>
-                      </p:childTnLst>
-                    </p:cTn>
-                  </p:par>
-                  <p:par>
-                    <p:cTn id="16" fill="hold">
-                      <p:stCondLst>
-                        <p:cond delay="indefinite"/>
-                      </p:stCondLst>
-                      <p:childTnLst>
-                        <p:par>
-                          <p:cTn id="17" fill="hold">
-                            <p:stCondLst>
-                              <p:cond delay="0"/>
-                            </p:stCondLst>
-                            <p:childTnLst>
-                              <p:par>
-                                <p:cTn id="18" presetID="10" presetClass="entr" presetSubtype="0" fill="hold" nodeType="clickEffect">
-                                  <p:stCondLst>
-                                    <p:cond delay="0"/>
-                                  </p:stCondLst>
-                                  <p:childTnLst>
-                                    <p:set>
-                                      <p:cBhvr>
-                                        <p:cTn id="19" dur="1" fill="hold">
-                                          <p:stCondLst>
-                                            <p:cond delay="0"/>
-                                          </p:stCondLst>
-                                        </p:cTn>
-                                        <p:tgtEl>
-                                          <p:spTgt spid="3">
-                                            <p:txEl>
-                                              <p:pRg st="3" end="3"/>
-                                            </p:txEl>
-                                          </p:spTgt>
-                                        </p:tgtEl>
-                                        <p:attrNameLst>
-                                          <p:attrName>style.visibility</p:attrName>
-                                        </p:attrNameLst>
-                                      </p:cBhvr>
-                                      <p:to>
-                                        <p:strVal val="visible"/>
-                                      </p:to>
-                                    </p:set>
-                                    <p:animEffect transition="in" filter="fade">
-                                      <p:cBhvr>
-                                        <p:cTn id="20" dur="500"/>
-                                        <p:tgtEl>
-                                          <p:spTgt spid="3">
-                                            <p:txEl>
-                                              <p:pRg st="3" end="3"/>
-                                            </p:txEl>
-                                          </p:spTgt>
-                                        </p:tgtEl>
-                                      </p:cBhvr>
-                                    </p:animEffect>
-                                  </p:childTnLst>
-                                </p:cTn>
-                              </p:par>
-                            </p:childTnLst>
-                          </p:cTn>
-                        </p:par>
-                      </p:childTnLst>
-                    </p:cTn>
-                  </p:par>
-                  <p:par>
-                    <p:cTn id="21" fill="hold">
-                      <p:stCondLst>
-                        <p:cond delay="indefinite"/>
-                      </p:stCondLst>
-                      <p:childTnLst>
-                        <p:par>
-                          <p:cTn id="22" fill="hold">
-                            <p:stCondLst>
-                              <p:cond delay="0"/>
-                            </p:stCondLst>
-                            <p:childTnLst>
-                              <p:par>
-                                <p:cTn id="23" presetID="10" presetClass="entr" presetSubtype="0" fill="hold" nodeType="clickEffect">
-                                  <p:stCondLst>
-                                    <p:cond delay="0"/>
-                                  </p:stCondLst>
-                                  <p:childTnLst>
-                                    <p:set>
-                                      <p:cBhvr>
-                                        <p:cTn id="24" dur="1" fill="hold">
-                                          <p:stCondLst>
-                                            <p:cond delay="0"/>
-                                          </p:stCondLst>
-                                        </p:cTn>
-                                        <p:tgtEl>
-                                          <p:spTgt spid="3">
-                                            <p:txEl>
-                                              <p:pRg st="4" end="4"/>
-                                            </p:txEl>
-                                          </p:spTgt>
-                                        </p:tgtEl>
-                                        <p:attrNameLst>
-                                          <p:attrName>style.visibility</p:attrName>
-                                        </p:attrNameLst>
-                                      </p:cBhvr>
-                                      <p:to>
-                                        <p:strVal val="visible"/>
-                                      </p:to>
-                                    </p:set>
-                                    <p:animEffect transition="in" filter="fade">
-                                      <p:cBhvr>
-                                        <p:cTn id="25" dur="500"/>
-                                        <p:tgtEl>
-                                          <p:spTgt spid="3">
-                                            <p:txEl>
-                                              <p:pRg st="4" end="4"/>
-                                            </p:txEl>
-                                          </p:spTgt>
-                                        </p:tgtEl>
-                                      </p:cBhvr>
-                                    </p:animEffect>
-                                  </p:childTnLst>
-                                </p:cTn>
-                              </p:par>
-                            </p:childTnLst>
-                          </p:cTn>
-                        </p:par>
-                      </p:childTnLst>
-                    </p:cTn>
-                  </p:par>
-                  <p:par>
-                    <p:cTn id="26" fill="hold">
-                      <p:stCondLst>
-                        <p:cond delay="indefinite"/>
-                      </p:stCondLst>
-                      <p:childTnLst>
-                        <p:par>
-                          <p:cTn id="27" fill="hold">
-                            <p:stCondLst>
-                              <p:cond delay="0"/>
-                            </p:stCondLst>
-                            <p:childTnLst>
-                              <p:par>
-                                <p:cTn id="28" presetID="10" presetClass="entr" presetSubtype="0" fill="hold" nodeType="clickEffect">
-                                  <p:stCondLst>
-                                    <p:cond delay="0"/>
-                                  </p:stCondLst>
-                                  <p:childTnLst>
-                                    <p:set>
-                                      <p:cBhvr>
-                                        <p:cTn id="29" dur="1" fill="hold">
-                                          <p:stCondLst>
-                                            <p:cond delay="0"/>
-                                          </p:stCondLst>
-                                        </p:cTn>
-                                        <p:tgtEl>
-                                          <p:spTgt spid="3">
-                                            <p:txEl>
-                                              <p:pRg st="5" end="5"/>
-                                            </p:txEl>
-                                          </p:spTgt>
-                                        </p:tgtEl>
-                                        <p:attrNameLst>
-                                          <p:attrName>style.visibility</p:attrName>
-                                        </p:attrNameLst>
-                                      </p:cBhvr>
-                                      <p:to>
-                                        <p:strVal val="visible"/>
-                                      </p:to>
-                                    </p:set>
-                                    <p:animEffect transition="in" filter="fade">
-                                      <p:cBhvr>
-                                        <p:cTn id="30" dur="500"/>
-                                        <p:tgtEl>
-                                          <p:spTgt spid="3">
-                                            <p:txEl>
-                                              <p:pRg st="5" end="5"/>
+                                              <p:pRg st="1" end="1"/>
                                             </p:txEl>
                                           </p:spTgt>
                                         </p:tgtEl>
@@ -4244,21 +5514,29 @@
           <a:lstStyle/>
           <a:p>
             <a:r>
-              <a:rPr lang="en-US" dirty="0" smtClean="0"/>
-              <a:t>Accessing remote code libraries</a:t>
-            </a:r>
-            <a:endParaRPr lang="en-US" dirty="0"/>
+              <a:rPr lang="en-US" sz="2400" dirty="0" smtClean="0"/>
+              <a:t>Accessing </a:t>
+            </a:r>
+            <a:r>
+              <a:rPr lang="en-US" sz="2400" dirty="0" smtClean="0"/>
+              <a:t>Remote Code Libraries: </a:t>
+            </a:r>
+            <a:r>
+              <a:rPr lang="en-US" sz="2400" b="1" dirty="0" smtClean="0"/>
+              <a:t>Manually</a:t>
+            </a:r>
+            <a:endParaRPr lang="en-US" sz="2400" b="1" dirty="0"/>
           </a:p>
         </p:txBody>
       </p:sp>
       <p:sp>
         <p:nvSpPr>
-          <p:cNvPr id="6" name="Text Placeholder 5"/>
+          <p:cNvPr id="3" name="Content Placeholder 2"/>
           <p:cNvSpPr>
             <a:spLocks noGrp="1"/>
           </p:cNvSpPr>
           <p:nvPr>
-            <p:ph type="body" idx="1"/>
+            <p:ph sz="half" idx="1"/>
           </p:nvPr>
         </p:nvSpPr>
         <p:spPr/>
@@ -4266,539 +5544,82 @@
           <a:bodyPr/>
           <a:lstStyle/>
           <a:p>
-            <a:pPr algn="ctr"/>
+            <a:endParaRPr lang="en-US" dirty="0" smtClean="0"/>
+          </a:p>
+          <a:p>
             <a:r>
               <a:rPr lang="en-US" dirty="0" smtClean="0"/>
-              <a:t>R</a:t>
+              <a:t>Navigate to the repo</a:t>
+            </a:r>
+          </a:p>
+          <a:p>
+            <a:r>
+              <a:rPr lang="en-US" dirty="0" smtClean="0"/>
+              <a:t>Download the repo</a:t>
+            </a:r>
+          </a:p>
+          <a:p>
+            <a:r>
+              <a:rPr lang="en-US" dirty="0" smtClean="0"/>
+              <a:t>Unzip the repo</a:t>
+            </a:r>
+          </a:p>
+          <a:p>
+            <a:r>
+              <a:rPr lang="en-US" dirty="0" smtClean="0"/>
+              <a:t>Source the repo</a:t>
+            </a:r>
+          </a:p>
+          <a:p>
+            <a:r>
+              <a:rPr lang="en-US" dirty="0" smtClean="0"/>
+              <a:t>Use that code</a:t>
             </a:r>
             <a:endParaRPr lang="en-US" dirty="0"/>
           </a:p>
         </p:txBody>
       </p:sp>
-      <p:sp>
-        <p:nvSpPr>
-          <p:cNvPr id="7" name="Content Placeholder 6"/>
-          <p:cNvSpPr>
-            <a:spLocks noGrp="1"/>
-          </p:cNvSpPr>
+      <p:pic>
+        <p:nvPicPr>
+          <p:cNvPr id="5" name="Content Placeholder 4"/>
+          <p:cNvPicPr>
+            <a:picLocks noGrp="1" noChangeAspect="1"/>
+          </p:cNvPicPr>
           <p:nvPr>
             <p:ph sz="half" idx="2"/>
           </p:nvPr>
-        </p:nvSpPr>
+        </p:nvPicPr>
+        <p:blipFill>
+          <a:blip r:embed="rId2">
+            <a:extLst>
+              <a:ext uri="{28A0092B-C50C-407E-A947-70E740481C1C}">
+                <a14:useLocalDpi xmlns:a14="http://schemas.microsoft.com/office/drawing/2010/main" val="0"/>
+              </a:ext>
+            </a:extLst>
+          </a:blip>
+          <a:stretch>
+            <a:fillRect/>
+          </a:stretch>
+        </p:blipFill>
         <p:spPr>
           <a:xfrm>
-            <a:off x="228600" y="1337071"/>
-            <a:ext cx="4268788" cy="3006329"/>
+            <a:off x="4648200" y="1547607"/>
+            <a:ext cx="4038600" cy="2048285"/>
           </a:xfrm>
         </p:spPr>
-        <p:txBody>
-          <a:bodyPr/>
-          <a:lstStyle/>
-          <a:p>
-            <a:r>
-              <a:rPr lang="en-US" sz="2000" dirty="0" smtClean="0"/>
-              <a:t>Get the code that gets the code</a:t>
-            </a:r>
-            <a:endParaRPr lang="en-US" sz="2000" dirty="0" smtClean="0">
-              <a:latin typeface="Courier New"/>
-              <a:ea typeface="Times New Roman"/>
-            </a:endParaRPr>
-          </a:p>
-          <a:p>
-            <a:pPr marL="0" indent="0">
-              <a:buNone/>
-            </a:pPr>
-            <a:endParaRPr lang="en-US" sz="1800" dirty="0" smtClean="0">
-              <a:latin typeface="Courier New"/>
-              <a:ea typeface="Times New Roman"/>
-            </a:endParaRPr>
-          </a:p>
-          <a:p>
-            <a:pPr marL="0" indent="0">
-              <a:buNone/>
-            </a:pPr>
-            <a:r>
-              <a:rPr lang="en-US" sz="1800" dirty="0" err="1" smtClean="0">
-                <a:latin typeface="Courier New"/>
-                <a:ea typeface="Times New Roman"/>
-              </a:rPr>
-              <a:t>install.packages</a:t>
-            </a:r>
-            <a:r>
-              <a:rPr lang="en-US" sz="1800" dirty="0" smtClean="0">
-                <a:latin typeface="Courier New"/>
-                <a:ea typeface="Times New Roman"/>
-              </a:rPr>
-              <a:t>('</a:t>
-            </a:r>
-            <a:r>
-              <a:rPr lang="en-US" sz="1800" dirty="0" err="1" smtClean="0">
-                <a:latin typeface="Courier New"/>
-                <a:ea typeface="Times New Roman"/>
-              </a:rPr>
-              <a:t>devtools</a:t>
-            </a:r>
-            <a:r>
-              <a:rPr lang="en-US" sz="1800" dirty="0" smtClean="0">
-                <a:latin typeface="Courier New"/>
-                <a:ea typeface="Times New Roman"/>
-              </a:rPr>
-              <a:t>')</a:t>
-            </a:r>
-            <a:r>
-              <a:rPr lang="en-US" sz="1800" dirty="0" smtClean="0">
-                <a:latin typeface="Courier New"/>
-                <a:ea typeface="Calibri"/>
-              </a:rPr>
-              <a:t> </a:t>
-            </a:r>
-            <a:r>
-              <a:rPr lang="en-US" sz="1800" dirty="0">
-                <a:latin typeface="Courier New"/>
-                <a:ea typeface="Calibri"/>
-              </a:rPr>
-              <a:t/>
-            </a:r>
-            <a:br>
-              <a:rPr lang="en-US" sz="1800" dirty="0">
-                <a:latin typeface="Courier New"/>
-                <a:ea typeface="Calibri"/>
-              </a:rPr>
-            </a:br>
-            <a:r>
-              <a:rPr lang="en-US" sz="1800" dirty="0">
-                <a:latin typeface="Courier New"/>
-                <a:ea typeface="Times New Roman"/>
-              </a:rPr>
-              <a:t>library(</a:t>
-            </a:r>
-            <a:r>
-              <a:rPr lang="en-US" sz="1800" dirty="0" err="1">
-                <a:latin typeface="Courier New"/>
-                <a:ea typeface="Times New Roman"/>
-              </a:rPr>
-              <a:t>devtools</a:t>
-            </a:r>
-            <a:r>
-              <a:rPr lang="en-US" sz="1800" dirty="0" smtClean="0">
-                <a:latin typeface="Courier New"/>
-                <a:ea typeface="Times New Roman"/>
-              </a:rPr>
-              <a:t>)</a:t>
-            </a:r>
-          </a:p>
-          <a:p>
-            <a:pPr marL="0" indent="0">
-              <a:buNone/>
-            </a:pPr>
-            <a:endParaRPr lang="en-US" sz="1800" dirty="0" smtClean="0">
-              <a:latin typeface="Courier New"/>
-              <a:ea typeface="Times New Roman"/>
-            </a:endParaRPr>
-          </a:p>
-          <a:p>
-            <a:r>
-              <a:rPr lang="en-US" sz="1600" dirty="0" smtClean="0"/>
-              <a:t>Get the code you want</a:t>
-            </a:r>
-            <a:endParaRPr lang="en-US" sz="1600" dirty="0">
-              <a:latin typeface="Courier New"/>
-              <a:ea typeface="Times New Roman"/>
-            </a:endParaRPr>
-          </a:p>
-          <a:p>
-            <a:pPr marL="0" indent="0">
-              <a:buNone/>
-            </a:pPr>
-            <a:endParaRPr lang="en-US" sz="1600" dirty="0" smtClean="0">
-              <a:latin typeface="Courier New"/>
-              <a:ea typeface="Times New Roman"/>
-            </a:endParaRPr>
-          </a:p>
-          <a:p>
-            <a:pPr marL="0" indent="0">
-              <a:buNone/>
-            </a:pPr>
-            <a:r>
-              <a:rPr lang="en-US" sz="1600" dirty="0" err="1" smtClean="0">
-                <a:latin typeface="Courier New"/>
-                <a:ea typeface="Times New Roman"/>
-              </a:rPr>
-              <a:t>install_github</a:t>
-            </a:r>
-            <a:r>
-              <a:rPr lang="en-US" sz="1600" dirty="0" smtClean="0">
-                <a:latin typeface="Courier New"/>
-                <a:ea typeface="Times New Roman"/>
-              </a:rPr>
-              <a:t>('</a:t>
-            </a:r>
-            <a:r>
-              <a:rPr lang="en-US" sz="1600" dirty="0" err="1" smtClean="0">
-                <a:latin typeface="Courier New"/>
-                <a:ea typeface="Times New Roman"/>
-              </a:rPr>
-              <a:t>useR</a:t>
-            </a:r>
-            <a:r>
-              <a:rPr lang="en-US" sz="1600" dirty="0" smtClean="0">
-                <a:latin typeface="Courier New"/>
-                <a:ea typeface="Times New Roman"/>
-              </a:rPr>
-              <a:t>/</a:t>
-            </a:r>
-            <a:r>
-              <a:rPr lang="en-US" sz="1600" dirty="0" err="1" smtClean="0">
-                <a:latin typeface="Courier New"/>
-                <a:ea typeface="Times New Roman"/>
-              </a:rPr>
-              <a:t>endswithR</a:t>
-            </a:r>
-            <a:r>
-              <a:rPr lang="en-US" sz="1600" dirty="0" smtClean="0">
-                <a:latin typeface="Courier New"/>
-                <a:ea typeface="Times New Roman"/>
-              </a:rPr>
-              <a:t>')</a:t>
-            </a:r>
-            <a:r>
-              <a:rPr lang="en-US" sz="1600" dirty="0" smtClean="0">
-                <a:latin typeface="Courier New"/>
-                <a:ea typeface="Calibri"/>
-              </a:rPr>
-              <a:t> </a:t>
-            </a:r>
-            <a:r>
-              <a:rPr lang="en-US" sz="1600" dirty="0">
-                <a:latin typeface="Courier New"/>
-                <a:ea typeface="Calibri"/>
-              </a:rPr>
-              <a:t/>
-            </a:r>
-            <a:br>
-              <a:rPr lang="en-US" sz="1600" dirty="0">
-                <a:latin typeface="Courier New"/>
-                <a:ea typeface="Calibri"/>
-              </a:rPr>
-            </a:br>
-            <a:r>
-              <a:rPr lang="en-US" sz="1600" dirty="0">
-                <a:latin typeface="Courier New"/>
-                <a:ea typeface="Times New Roman"/>
-              </a:rPr>
-              <a:t>library(</a:t>
-            </a:r>
-            <a:r>
-              <a:rPr lang="en-US" sz="1600" dirty="0" err="1">
-                <a:latin typeface="Courier New"/>
-                <a:ea typeface="Times New Roman"/>
-              </a:rPr>
-              <a:t>endswithR</a:t>
-            </a:r>
-            <a:r>
-              <a:rPr lang="en-US" sz="1600" dirty="0">
-                <a:latin typeface="Courier New"/>
-                <a:ea typeface="Times New Roman"/>
-              </a:rPr>
-              <a:t>)</a:t>
-            </a:r>
-            <a:endParaRPr lang="en-US" sz="1600" dirty="0"/>
-          </a:p>
-        </p:txBody>
-      </p:sp>
-      <p:sp>
-        <p:nvSpPr>
-          <p:cNvPr id="8" name="Text Placeholder 7"/>
-          <p:cNvSpPr>
-            <a:spLocks noGrp="1"/>
-          </p:cNvSpPr>
-          <p:nvPr>
-            <p:ph type="body" sz="quarter" idx="3"/>
-          </p:nvPr>
-        </p:nvSpPr>
-        <p:spPr/>
-        <p:txBody>
-          <a:bodyPr/>
-          <a:lstStyle/>
-          <a:p>
-            <a:pPr algn="ctr"/>
-            <a:r>
-              <a:rPr lang="en-US" dirty="0" smtClean="0"/>
-              <a:t>SAS</a:t>
-            </a:r>
-            <a:endParaRPr lang="en-US" dirty="0"/>
-          </a:p>
-        </p:txBody>
-      </p:sp>
-      <p:sp>
-        <p:nvSpPr>
-          <p:cNvPr id="9" name="Content Placeholder 8"/>
-          <p:cNvSpPr>
-            <a:spLocks noGrp="1"/>
-          </p:cNvSpPr>
-          <p:nvPr>
-            <p:ph sz="quarter" idx="4"/>
-          </p:nvPr>
-        </p:nvSpPr>
-        <p:spPr>
-          <a:xfrm>
-            <a:off x="4645026" y="1337071"/>
-            <a:ext cx="4270374" cy="3006329"/>
-          </a:xfrm>
-        </p:spPr>
-        <p:txBody>
-          <a:bodyPr/>
-          <a:lstStyle/>
-          <a:p>
-            <a:pPr marL="0" indent="0">
-              <a:buNone/>
-            </a:pPr>
-            <a:endParaRPr lang="en-US" sz="1600" dirty="0" smtClean="0">
-              <a:latin typeface="Courier New"/>
-              <a:ea typeface="Times New Roman"/>
-            </a:endParaRPr>
-          </a:p>
-          <a:p>
-            <a:pPr marL="0" indent="0">
-              <a:buNone/>
-            </a:pPr>
-            <a:endParaRPr lang="en-US" sz="1600" dirty="0" smtClean="0">
-              <a:latin typeface="Courier New"/>
-              <a:ea typeface="Times New Roman"/>
-            </a:endParaRPr>
-          </a:p>
-          <a:p>
-            <a:pPr marL="0" indent="0">
-              <a:buNone/>
-            </a:pPr>
-            <a:r>
-              <a:rPr lang="en-US" sz="1600" dirty="0" smtClean="0">
-                <a:latin typeface="Courier New"/>
-                <a:ea typeface="Times New Roman"/>
-              </a:rPr>
-              <a:t>%</a:t>
-            </a:r>
-            <a:r>
-              <a:rPr lang="en-US" sz="1600" dirty="0">
-                <a:latin typeface="Courier New"/>
-                <a:ea typeface="Times New Roman"/>
-              </a:rPr>
-              <a:t>include </a:t>
-            </a:r>
-            <a:r>
-              <a:rPr lang="en-US" sz="1600" dirty="0" smtClean="0">
-                <a:latin typeface="Courier New"/>
-                <a:ea typeface="Times New Roman"/>
-              </a:rPr>
-              <a:t>'</a:t>
-            </a:r>
-            <a:r>
-              <a:rPr lang="en-US" sz="1600" dirty="0" err="1" smtClean="0">
-                <a:latin typeface="Courier New"/>
-                <a:ea typeface="Times New Roman"/>
-              </a:rPr>
-              <a:t>install_github.sas</a:t>
-            </a:r>
-            <a:r>
-              <a:rPr lang="en-US" sz="1600" dirty="0" smtClean="0">
-                <a:latin typeface="Courier New"/>
-                <a:ea typeface="Times New Roman"/>
-              </a:rPr>
-              <a:t>';</a:t>
-            </a:r>
-          </a:p>
-          <a:p>
-            <a:pPr marL="0" indent="0">
-              <a:buNone/>
-            </a:pPr>
-            <a:endParaRPr lang="en-US" sz="1200" dirty="0" smtClean="0">
-              <a:latin typeface="Courier New" panose="02070309020205020404" pitchFamily="49" charset="0"/>
-              <a:cs typeface="Courier New" panose="02070309020205020404" pitchFamily="49" charset="0"/>
-            </a:endParaRPr>
-          </a:p>
-          <a:p>
-            <a:pPr marL="0" indent="0">
-              <a:buNone/>
-            </a:pPr>
-            <a:endParaRPr lang="en-US" sz="1200" dirty="0">
-              <a:latin typeface="Courier New" panose="02070309020205020404" pitchFamily="49" charset="0"/>
-              <a:cs typeface="Courier New" panose="02070309020205020404" pitchFamily="49" charset="0"/>
-            </a:endParaRPr>
-          </a:p>
-          <a:p>
-            <a:pPr marL="0" indent="0">
-              <a:buNone/>
-            </a:pPr>
-            <a:endParaRPr lang="en-US" sz="1400" dirty="0" smtClean="0">
-              <a:latin typeface="Courier New" panose="02070309020205020404" pitchFamily="49" charset="0"/>
-              <a:cs typeface="Courier New" panose="02070309020205020404" pitchFamily="49" charset="0"/>
-            </a:endParaRPr>
-          </a:p>
-          <a:p>
-            <a:pPr marL="0" indent="0">
-              <a:buNone/>
-            </a:pPr>
-            <a:endParaRPr lang="en-US" sz="1400" dirty="0">
-              <a:latin typeface="Courier New" panose="02070309020205020404" pitchFamily="49" charset="0"/>
-              <a:cs typeface="Courier New" panose="02070309020205020404" pitchFamily="49" charset="0"/>
-            </a:endParaRPr>
-          </a:p>
-          <a:p>
-            <a:pPr marL="0" indent="0">
-              <a:buNone/>
-            </a:pPr>
-            <a:endParaRPr lang="en-US" sz="1400" dirty="0" smtClean="0">
-              <a:latin typeface="Courier New" panose="02070309020205020404" pitchFamily="49" charset="0"/>
-              <a:cs typeface="Courier New" panose="02070309020205020404" pitchFamily="49" charset="0"/>
-            </a:endParaRPr>
-          </a:p>
-          <a:p>
-            <a:pPr marL="0" indent="0">
-              <a:buNone/>
-            </a:pPr>
-            <a:endParaRPr lang="en-US" sz="1400" dirty="0">
-              <a:latin typeface="Courier New" panose="02070309020205020404" pitchFamily="49" charset="0"/>
-              <a:cs typeface="Courier New" panose="02070309020205020404" pitchFamily="49" charset="0"/>
-            </a:endParaRPr>
-          </a:p>
-          <a:p>
-            <a:pPr marL="0" indent="0">
-              <a:buNone/>
-            </a:pPr>
-            <a:r>
-              <a:rPr lang="en-US" sz="1400" dirty="0" smtClean="0">
-                <a:latin typeface="Courier New" panose="02070309020205020404" pitchFamily="49" charset="0"/>
-                <a:cs typeface="Courier New" panose="02070309020205020404" pitchFamily="49" charset="0"/>
-              </a:rPr>
-              <a:t>%</a:t>
-            </a:r>
-            <a:r>
-              <a:rPr lang="en-US" sz="1400" dirty="0" err="1">
-                <a:latin typeface="Courier New" panose="02070309020205020404" pitchFamily="49" charset="0"/>
-                <a:cs typeface="Courier New" panose="02070309020205020404" pitchFamily="49" charset="0"/>
-              </a:rPr>
-              <a:t>install_github</a:t>
-            </a:r>
-            <a:r>
-              <a:rPr lang="en-US" sz="1400" dirty="0">
-                <a:latin typeface="Courier New" panose="02070309020205020404" pitchFamily="49" charset="0"/>
-                <a:cs typeface="Courier New" panose="02070309020205020404" pitchFamily="49" charset="0"/>
-              </a:rPr>
-              <a:t>(</a:t>
-            </a:r>
-          </a:p>
-          <a:p>
-            <a:pPr marL="0" indent="0">
-              <a:buNone/>
-            </a:pPr>
-            <a:r>
-              <a:rPr lang="en-US" sz="1400" dirty="0">
-                <a:latin typeface="Courier New" panose="02070309020205020404" pitchFamily="49" charset="0"/>
-                <a:cs typeface="Courier New" panose="02070309020205020404" pitchFamily="49" charset="0"/>
-              </a:rPr>
-              <a:t>    repo = </a:t>
-            </a:r>
-            <a:r>
-              <a:rPr lang="en-US" sz="1400" dirty="0" err="1" smtClean="0">
-                <a:latin typeface="Courier New" panose="02070309020205020404" pitchFamily="49" charset="0"/>
-                <a:cs typeface="Courier New" panose="02070309020205020404" pitchFamily="49" charset="0"/>
-              </a:rPr>
-              <a:t>RhoInc</a:t>
-            </a:r>
-            <a:r>
-              <a:rPr lang="en-US" sz="1400" dirty="0" smtClean="0">
-                <a:latin typeface="Courier New" panose="02070309020205020404" pitchFamily="49" charset="0"/>
-                <a:cs typeface="Courier New" panose="02070309020205020404" pitchFamily="49" charset="0"/>
-              </a:rPr>
-              <a:t>/sas-</a:t>
-            </a:r>
-            <a:r>
-              <a:rPr lang="en-US" sz="1400" dirty="0" err="1" smtClean="0">
-                <a:latin typeface="Courier New" panose="02070309020205020404" pitchFamily="49" charset="0"/>
-                <a:cs typeface="Courier New" panose="02070309020205020404" pitchFamily="49" charset="0"/>
-              </a:rPr>
-              <a:t>violinPlot</a:t>
-            </a:r>
-            <a:r>
-              <a:rPr lang="en-US" sz="1400" dirty="0" smtClean="0">
-                <a:latin typeface="Courier New" panose="02070309020205020404" pitchFamily="49" charset="0"/>
-                <a:cs typeface="Courier New" panose="02070309020205020404" pitchFamily="49" charset="0"/>
-              </a:rPr>
-              <a:t>,</a:t>
-            </a:r>
-            <a:endParaRPr lang="en-US" sz="1400" dirty="0">
-              <a:latin typeface="Courier New" panose="02070309020205020404" pitchFamily="49" charset="0"/>
-              <a:cs typeface="Courier New" panose="02070309020205020404" pitchFamily="49" charset="0"/>
-            </a:endParaRPr>
-          </a:p>
-          <a:p>
-            <a:pPr marL="0" indent="0">
-              <a:buNone/>
-            </a:pPr>
-            <a:r>
-              <a:rPr lang="en-US" sz="1400" dirty="0">
-                <a:latin typeface="Courier New" panose="02070309020205020404" pitchFamily="49" charset="0"/>
-                <a:cs typeface="Courier New" panose="02070309020205020404" pitchFamily="49" charset="0"/>
-              </a:rPr>
-              <a:t>    file = </a:t>
-            </a:r>
-            <a:r>
-              <a:rPr lang="en-US" sz="1400" dirty="0" err="1">
-                <a:latin typeface="Courier New" panose="02070309020205020404" pitchFamily="49" charset="0"/>
-                <a:cs typeface="Courier New" panose="02070309020205020404" pitchFamily="49" charset="0"/>
-              </a:rPr>
-              <a:t>src</a:t>
-            </a:r>
-            <a:r>
-              <a:rPr lang="en-US" sz="1400" dirty="0">
-                <a:latin typeface="Courier New" panose="02070309020205020404" pitchFamily="49" charset="0"/>
-                <a:cs typeface="Courier New" panose="02070309020205020404" pitchFamily="49" charset="0"/>
-              </a:rPr>
-              <a:t>/</a:t>
-            </a:r>
-            <a:r>
-              <a:rPr lang="en-US" sz="1400" dirty="0" err="1">
-                <a:latin typeface="Courier New" panose="02070309020205020404" pitchFamily="49" charset="0"/>
-                <a:cs typeface="Courier New" panose="02070309020205020404" pitchFamily="49" charset="0"/>
-              </a:rPr>
-              <a:t>violinPlot.sas</a:t>
-            </a:r>
-            <a:endParaRPr lang="en-US" sz="1400" dirty="0">
-              <a:latin typeface="Courier New" panose="02070309020205020404" pitchFamily="49" charset="0"/>
-              <a:cs typeface="Courier New" panose="02070309020205020404" pitchFamily="49" charset="0"/>
-            </a:endParaRPr>
-          </a:p>
-          <a:p>
-            <a:pPr marL="0" indent="0">
-              <a:buNone/>
-            </a:pPr>
-            <a:r>
-              <a:rPr lang="en-US" sz="1400" dirty="0">
-                <a:latin typeface="Courier New" panose="02070309020205020404" pitchFamily="49" charset="0"/>
-                <a:cs typeface="Courier New" panose="02070309020205020404" pitchFamily="49" charset="0"/>
-              </a:rPr>
-              <a:t>);</a:t>
-            </a:r>
-          </a:p>
-        </p:txBody>
-      </p:sp>
+      </p:pic>
     </p:spTree>
-    <p:extLst>
-      <p:ext uri="{BB962C8B-B14F-4D97-AF65-F5344CB8AC3E}">
-        <p14:creationId xmlns:p14="http://schemas.microsoft.com/office/powerpoint/2010/main" val="3868816236"/>
-      </p:ext>
-    </p:extLst>
   </p:cSld>
   <p:clrMapOvr>
     <a:masterClrMapping/>
   </p:clrMapOvr>
-  <mc:AlternateContent xmlns:mc="http://schemas.openxmlformats.org/markup-compatibility/2006">
-    <mc:Choice xmlns:p14="http://schemas.microsoft.com/office/powerpoint/2010/main" Requires="p14">
+  <mc:AlternateContent xmlns:mc="http://schemas.openxmlformats.org/markup-compatibility/2006" xmlns:p14="http://schemas.microsoft.com/office/powerpoint/2010/main">
+    <mc:Choice Requires="p14">
       <p:transition spd="med" p14:dur="700">
         <p:fade/>
       </p:transition>
     </mc:Choice>
-    <mc:Fallback>
+    <mc:Fallback xmlns="">
       <p:transition spd="med">
         <p:fade/>
       </p:transition>
@@ -4838,9 +5659,9 @@
                                           </p:stCondLst>
                                         </p:cTn>
                                         <p:tgtEl>
-                                          <p:spTgt spid="7">
+                                          <p:spTgt spid="3">
                                             <p:txEl>
-                                              <p:pRg st="0" end="0"/>
+                                              <p:pRg st="1" end="1"/>
                                             </p:txEl>
                                           </p:spTgt>
                                         </p:tgtEl>
@@ -4856,95 +5677,9 @@
                                       <p:cBhvr>
                                         <p:cTn id="7" dur="500"/>
                                         <p:tgtEl>
-                                          <p:spTgt spid="7">
+                                          <p:spTgt spid="3">
                                             <p:txEl>
-                                              <p:pRg st="0" end="0"/>
-                                            </p:txEl>
-                                          </p:spTgt>
-                                        </p:tgtEl>
-                                      </p:cBhvr>
-                                    </p:animEffect>
-                                  </p:childTnLst>
-                                </p:cTn>
-                              </p:par>
-                              <p:par>
-                                <p:cTn id="8" presetID="10" presetClass="entr" presetSubtype="0" fill="hold" nodeType="withEffect">
-                                  <p:stCondLst>
-                                    <p:cond delay="0"/>
-                                  </p:stCondLst>
-                                  <p:childTnLst>
-                                    <p:set>
-                                      <p:cBhvr>
-                                        <p:cTn id="9" dur="1" fill="hold">
-                                          <p:stCondLst>
-                                            <p:cond delay="0"/>
-                                          </p:stCondLst>
-                                        </p:cTn>
-                                        <p:tgtEl>
-                                          <p:spTgt spid="7">
-                                            <p:txEl>
-                                              <p:pRg st="2" end="2"/>
-                                            </p:txEl>
-                                          </p:spTgt>
-                                        </p:tgtEl>
-                                        <p:attrNameLst>
-                                          <p:attrName>style.visibility</p:attrName>
-                                        </p:attrNameLst>
-                                      </p:cBhvr>
-                                      <p:to>
-                                        <p:strVal val="visible"/>
-                                      </p:to>
-                                    </p:set>
-                                    <p:animEffect transition="in" filter="fade">
-                                      <p:cBhvr>
-                                        <p:cTn id="10" dur="500"/>
-                                        <p:tgtEl>
-                                          <p:spTgt spid="7">
-                                            <p:txEl>
-                                              <p:pRg st="2" end="2"/>
-                                            </p:txEl>
-                                          </p:spTgt>
-                                        </p:tgtEl>
-                                      </p:cBhvr>
-                                    </p:animEffect>
-                                  </p:childTnLst>
-                                </p:cTn>
-                              </p:par>
-                              <p:par>
-                                <p:cTn id="11" presetID="10" presetClass="entr" presetSubtype="0" fill="hold" nodeType="withEffect">
-                                  <p:stCondLst>
-                                    <p:cond delay="0"/>
-                                  </p:stCondLst>
-                                  <p:childTnLst>
-                                    <p:set>
-                                      <p:cBhvr>
-                                        <p:cTn id="12" dur="1" fill="hold">
-                                          <p:stCondLst>
-                                            <p:cond delay="0"/>
-                                          </p:stCondLst>
-                                        </p:cTn>
-                                        <p:tgtEl>
-                                          <p:spTgt spid="9">
-                                            <p:txEl>
-                                              <p:pRg st="2" end="2"/>
-                                            </p:txEl>
-                                          </p:spTgt>
-                                        </p:tgtEl>
-                                        <p:attrNameLst>
-                                          <p:attrName>style.visibility</p:attrName>
-                                        </p:attrNameLst>
-                                      </p:cBhvr>
-                                      <p:to>
-                                        <p:strVal val="visible"/>
-                                      </p:to>
-                                    </p:set>
-                                    <p:animEffect transition="in" filter="fade">
-                                      <p:cBhvr>
-                                        <p:cTn id="13" dur="500"/>
-                                        <p:tgtEl>
-                                          <p:spTgt spid="9">
-                                            <p:txEl>
-                                              <p:pRg st="2" end="2"/>
+                                              <p:pRg st="1" end="1"/>
                                             </p:txEl>
                                           </p:spTgt>
                                         </p:tgtEl>
@@ -4960,34 +5695,34 @@
                     </p:cTn>
                   </p:par>
                   <p:par>
-                    <p:cTn id="14" fill="hold">
+                    <p:cTn id="8" fill="hold">
                       <p:stCondLst>
                         <p:cond delay="indefinite"/>
                       </p:stCondLst>
                       <p:childTnLst>
                         <p:par>
-                          <p:cTn id="15" fill="hold">
+                          <p:cTn id="9" fill="hold">
                             <p:stCondLst>
                               <p:cond delay="0"/>
                             </p:stCondLst>
                             <p:childTnLst>
                               <p:par>
-                                <p:cTn id="16" presetID="10" presetClass="entr" presetSubtype="0" fill="hold" nodeType="clickEffect">
+                                <p:cTn id="10" presetID="10" presetClass="entr" presetSubtype="0" fill="hold" nodeType="clickEffect">
                                   <p:stCondLst>
                                     <p:cond delay="0"/>
                                   </p:stCondLst>
                                   <p:childTnLst>
                                     <p:set>
                                       <p:cBhvr>
-                                        <p:cTn id="17" dur="1" fill="hold">
+                                        <p:cTn id="11" dur="1" fill="hold">
                                           <p:stCondLst>
                                             <p:cond delay="0"/>
                                           </p:stCondLst>
                                         </p:cTn>
                                         <p:tgtEl>
-                                          <p:spTgt spid="7">
+                                          <p:spTgt spid="3">
                                             <p:txEl>
-                                              <p:pRg st="4" end="4"/>
+                                              <p:pRg st="2" end="2"/>
                                             </p:txEl>
                                           </p:spTgt>
                                         </p:tgtEl>
@@ -5001,11 +5736,11 @@
                                     </p:set>
                                     <p:animEffect transition="in" filter="fade">
                                       <p:cBhvr>
-                                        <p:cTn id="18" dur="500"/>
-                                        <p:tgtEl>
-                                          <p:spTgt spid="7">
+                                        <p:cTn id="12" dur="500"/>
+                                        <p:tgtEl>
+                                          <p:spTgt spid="3">
                                             <p:txEl>
-                                              <p:pRg st="4" end="4"/>
+                                              <p:pRg st="2" end="2"/>
                                             </p:txEl>
                                           </p:spTgt>
                                         </p:tgtEl>
@@ -5015,24 +5750,20 @@
                                 </p:cTn>
                               </p:par>
                               <p:par>
-                                <p:cTn id="19" presetID="10" presetClass="entr" presetSubtype="0" fill="hold" nodeType="withEffect">
+                                <p:cTn id="13" presetID="10" presetClass="entr" presetSubtype="0" fill="hold" nodeType="withEffect">
                                   <p:stCondLst>
                                     <p:cond delay="0"/>
                                   </p:stCondLst>
                                   <p:childTnLst>
                                     <p:set>
                                       <p:cBhvr>
-                                        <p:cTn id="20" dur="1" fill="hold">
+                                        <p:cTn id="14" dur="1" fill="hold">
                                           <p:stCondLst>
                                             <p:cond delay="0"/>
                                           </p:stCondLst>
                                         </p:cTn>
                                         <p:tgtEl>
-                                          <p:spTgt spid="7">
-                                            <p:txEl>
-                                              <p:pRg st="6" end="6"/>
-                                            </p:txEl>
-                                          </p:spTgt>
+                                          <p:spTgt spid="5"/>
                                         </p:tgtEl>
                                         <p:attrNameLst>
                                           <p:attrName>style.visibility</p:attrName>
@@ -5044,36 +5775,50 @@
                                     </p:set>
                                     <p:animEffect transition="in" filter="fade">
                                       <p:cBhvr>
-                                        <p:cTn id="21" dur="500"/>
-                                        <p:tgtEl>
-                                          <p:spTgt spid="7">
-                                            <p:txEl>
-                                              <p:pRg st="6" end="6"/>
-                                            </p:txEl>
-                                          </p:spTgt>
+                                        <p:cTn id="15" dur="500"/>
+                                        <p:tgtEl>
+                                          <p:spTgt spid="5"/>
                                         </p:tgtEl>
                                       </p:cBhvr>
                                     </p:animEffect>
                                   </p:childTnLst>
                                 </p:cTn>
                               </p:par>
+                            </p:childTnLst>
+                          </p:cTn>
+                        </p:par>
+                      </p:childTnLst>
+                    </p:cTn>
+                  </p:par>
+                  <p:par>
+                    <p:cTn id="16" fill="hold">
+                      <p:stCondLst>
+                        <p:cond delay="indefinite"/>
+                      </p:stCondLst>
+                      <p:childTnLst>
+                        <p:par>
+                          <p:cTn id="17" fill="hold">
+                            <p:stCondLst>
+                              <p:cond delay="0"/>
+                            </p:stCondLst>
+                            <p:childTnLst>
                               <p:par>
-                                <p:cTn id="22" presetID="10" presetClass="entr" presetSubtype="0" fill="hold" nodeType="withEffect">
+                                <p:cTn id="18" presetID="10" presetClass="entr" presetSubtype="0" fill="hold" nodeType="clickEffect">
                                   <p:stCondLst>
                                     <p:cond delay="0"/>
                                   </p:stCondLst>
                                   <p:childTnLst>
                                     <p:set>
                                       <p:cBhvr>
-                                        <p:cTn id="23" dur="1" fill="hold">
+                                        <p:cTn id="19" dur="1" fill="hold">
                                           <p:stCondLst>
                                             <p:cond delay="0"/>
                                           </p:stCondLst>
                                         </p:cTn>
                                         <p:tgtEl>
-                                          <p:spTgt spid="9">
+                                          <p:spTgt spid="3">
                                             <p:txEl>
-                                              <p:pRg st="9" end="9"/>
+                                              <p:pRg st="3" end="3"/>
                                             </p:txEl>
                                           </p:spTgt>
                                         </p:tgtEl>
@@ -5087,11 +5832,11 @@
                                     </p:set>
                                     <p:animEffect transition="in" filter="fade">
                                       <p:cBhvr>
-                                        <p:cTn id="24" dur="500"/>
-                                        <p:tgtEl>
-                                          <p:spTgt spid="9">
+                                        <p:cTn id="20" dur="500"/>
+                                        <p:tgtEl>
+                                          <p:spTgt spid="3">
                                             <p:txEl>
-                                              <p:pRg st="9" end="9"/>
+                                              <p:pRg st="3" end="3"/>
                                             </p:txEl>
                                           </p:spTgt>
                                         </p:tgtEl>
@@ -5100,23 +5845,41 @@
                                   </p:childTnLst>
                                 </p:cTn>
                               </p:par>
+                            </p:childTnLst>
+                          </p:cTn>
+                        </p:par>
+                      </p:childTnLst>
+                    </p:cTn>
+                  </p:par>
+                  <p:par>
+                    <p:cTn id="21" fill="hold">
+                      <p:stCondLst>
+                        <p:cond delay="indefinite"/>
+                      </p:stCondLst>
+                      <p:childTnLst>
+                        <p:par>
+                          <p:cTn id="22" fill="hold">
+                            <p:stCondLst>
+                              <p:cond delay="0"/>
+                            </p:stCondLst>
+                            <p:childTnLst>
                               <p:par>
-                                <p:cTn id="25" presetID="10" presetClass="entr" presetSubtype="0" fill="hold" nodeType="withEffect">
+                                <p:cTn id="23" presetID="10" presetClass="entr" presetSubtype="0" fill="hold" nodeType="clickEffect">
                                   <p:stCondLst>
                                     <p:cond delay="0"/>
                                   </p:stCondLst>
                                   <p:childTnLst>
                                     <p:set>
                                       <p:cBhvr>
-                                        <p:cTn id="26" dur="1" fill="hold">
+                                        <p:cTn id="24" dur="1" fill="hold">
                                           <p:stCondLst>
                                             <p:cond delay="0"/>
                                           </p:stCondLst>
                                         </p:cTn>
                                         <p:tgtEl>
-                                          <p:spTgt spid="9">
+                                          <p:spTgt spid="3">
                                             <p:txEl>
-                                              <p:pRg st="10" end="10"/>
+                                              <p:pRg st="4" end="4"/>
                                             </p:txEl>
                                           </p:spTgt>
                                         </p:tgtEl>
@@ -5130,11 +5893,11 @@
                                     </p:set>
                                     <p:animEffect transition="in" filter="fade">
                                       <p:cBhvr>
-                                        <p:cTn id="27" dur="500"/>
-                                        <p:tgtEl>
-                                          <p:spTgt spid="9">
+                                        <p:cTn id="25" dur="500"/>
+                                        <p:tgtEl>
+                                          <p:spTgt spid="3">
                                             <p:txEl>
-                                              <p:pRg st="10" end="10"/>
+                                              <p:pRg st="4" end="4"/>
                                             </p:txEl>
                                           </p:spTgt>
                                         </p:tgtEl>
@@ -5143,8 +5906,26 @@
                                   </p:childTnLst>
                                 </p:cTn>
                               </p:par>
+                            </p:childTnLst>
+                          </p:cTn>
+                        </p:par>
+                      </p:childTnLst>
+                    </p:cTn>
+                  </p:par>
+                  <p:par>
+                    <p:cTn id="26" fill="hold">
+                      <p:stCondLst>
+                        <p:cond delay="indefinite"/>
+                      </p:stCondLst>
+                      <p:childTnLst>
+                        <p:par>
+                          <p:cTn id="27" fill="hold">
+                            <p:stCondLst>
+                              <p:cond delay="0"/>
+                            </p:stCondLst>
+                            <p:childTnLst>
                               <p:par>
-                                <p:cTn id="28" presetID="10" presetClass="entr" presetSubtype="0" fill="hold" nodeType="withEffect">
+                                <p:cTn id="28" presetID="10" presetClass="entr" presetSubtype="0" fill="hold" nodeType="clickEffect">
                                   <p:stCondLst>
                                     <p:cond delay="0"/>
                                   </p:stCondLst>
@@ -5157,9 +5938,9 @@
                                           </p:stCondLst>
                                         </p:cTn>
                                         <p:tgtEl>
-                                          <p:spTgt spid="9">
+                                          <p:spTgt spid="3">
                                             <p:txEl>
-                                              <p:pRg st="11" end="11"/>
+                                              <p:pRg st="5" end="5"/>
                                             </p:txEl>
                                           </p:spTgt>
                                         </p:tgtEl>
@@ -5175,52 +5956,9 @@
                                       <p:cBhvr>
                                         <p:cTn id="30" dur="500"/>
                                         <p:tgtEl>
-                                          <p:spTgt spid="9">
+                                          <p:spTgt spid="3">
                                             <p:txEl>
-                                              <p:pRg st="11" end="11"/>
-                                            </p:txEl>
-                                          </p:spTgt>
-                                        </p:tgtEl>
-                                      </p:cBhvr>
-                                    </p:animEffect>
-                                  </p:childTnLst>
-                                </p:cTn>
-                              </p:par>
-                              <p:par>
-                                <p:cTn id="31" presetID="10" presetClass="entr" presetSubtype="0" fill="hold" nodeType="withEffect">
-                                  <p:stCondLst>
-                                    <p:cond delay="0"/>
-                                  </p:stCondLst>
-                                  <p:childTnLst>
-                                    <p:set>
-                                      <p:cBhvr>
-                                        <p:cTn id="32" dur="1" fill="hold">
-                                          <p:stCondLst>
-                                            <p:cond delay="0"/>
-                                          </p:stCondLst>
-                                        </p:cTn>
-                                        <p:tgtEl>
-                                          <p:spTgt spid="9">
-                                            <p:txEl>
-                                              <p:pRg st="12" end="12"/>
-                                            </p:txEl>
-                                          </p:spTgt>
-                                        </p:tgtEl>
-                                        <p:attrNameLst>
-                                          <p:attrName>style.visibility</p:attrName>
-                                        </p:attrNameLst>
-                                      </p:cBhvr>
-                                      <p:to>
-                                        <p:strVal val="visible"/>
-                                      </p:to>
-                                    </p:set>
-                                    <p:animEffect transition="in" filter="fade">
-                                      <p:cBhvr>
-                                        <p:cTn id="33" dur="500"/>
-                                        <p:tgtEl>
-                                          <p:spTgt spid="9">
-                                            <p:txEl>
-                                              <p:pRg st="12" end="12"/>
+                                              <p:pRg st="5" end="5"/>
                                             </p:txEl>
                                           </p:spTgt>
                                         </p:tgtEl>
@@ -5293,21 +6031,29 @@
           <a:lstStyle/>
           <a:p>
             <a:r>
-              <a:rPr lang="en-US" dirty="0" smtClean="0"/>
-              <a:t>Recap</a:t>
-            </a:r>
-            <a:endParaRPr lang="en-US" dirty="0"/>
+              <a:rPr lang="en-US" sz="2400" dirty="0" smtClean="0"/>
+              <a:t>Accessing </a:t>
+            </a:r>
+            <a:r>
+              <a:rPr lang="en-US" sz="2400" dirty="0" smtClean="0"/>
+              <a:t>Remote Code Libraries: </a:t>
+            </a:r>
+            <a:r>
+              <a:rPr lang="en-US" sz="2400" b="1" dirty="0" smtClean="0"/>
+              <a:t>Programmatically</a:t>
+            </a:r>
+            <a:endParaRPr lang="en-US" sz="2400" b="1" dirty="0"/>
           </a:p>
         </p:txBody>
       </p:sp>
       <p:sp>
         <p:nvSpPr>
-          <p:cNvPr id="3" name="Content Placeholder 2"/>
+          <p:cNvPr id="6" name="Text Placeholder 5"/>
           <p:cNvSpPr>
             <a:spLocks noGrp="1"/>
           </p:cNvSpPr>
           <p:nvPr>
-            <p:ph idx="1"/>
+            <p:ph type="body" idx="1"/>
           </p:nvPr>
         </p:nvSpPr>
         <p:spPr/>
@@ -5315,69 +6061,567 @@
           <a:bodyPr/>
           <a:lstStyle/>
           <a:p>
+            <a:pPr algn="ctr"/>
             <a:r>
               <a:rPr lang="en-US" dirty="0" smtClean="0"/>
-              <a:t>GitHub stores code in the cloud</a:t>
-            </a:r>
-          </a:p>
-          <a:p>
+              <a:t>R</a:t>
+            </a:r>
+            <a:endParaRPr lang="en-US" dirty="0"/>
+          </a:p>
+        </p:txBody>
+      </p:sp>
+      <p:sp>
+        <p:nvSpPr>
+          <p:cNvPr id="7" name="Content Placeholder 6"/>
+          <p:cNvSpPr>
+            <a:spLocks noGrp="1"/>
+          </p:cNvSpPr>
+          <p:nvPr>
+            <p:ph sz="half" idx="2"/>
+          </p:nvPr>
+        </p:nvSpPr>
+        <p:spPr>
+          <a:xfrm>
+            <a:off x="0" y="1337071"/>
+            <a:ext cx="4497388" cy="3006329"/>
+          </a:xfrm>
+        </p:spPr>
+        <p:txBody>
+          <a:bodyPr/>
+          <a:lstStyle/>
+          <a:p>
+            <a:pPr marL="0" indent="0">
+              <a:spcBef>
+                <a:spcPts val="0"/>
+              </a:spcBef>
+              <a:buNone/>
+            </a:pPr>
+            <a:r>
+              <a:rPr lang="en-US" sz="2000" dirty="0" smtClean="0">
+                <a:latin typeface="Courier New"/>
+                <a:ea typeface="Times New Roman"/>
+              </a:rPr>
+              <a:t># source </a:t>
+            </a:r>
+            <a:r>
+              <a:rPr lang="en-US" sz="2000" dirty="0" err="1" smtClean="0">
+                <a:latin typeface="Courier New"/>
+                <a:ea typeface="Times New Roman"/>
+              </a:rPr>
+              <a:t>install_github</a:t>
+            </a:r>
+            <a:r>
+              <a:rPr lang="en-US" sz="2000" dirty="0">
+                <a:latin typeface="Courier New"/>
+                <a:ea typeface="Times New Roman"/>
+              </a:rPr>
+              <a:t/>
+            </a:r>
+            <a:br>
+              <a:rPr lang="en-US" sz="2000" dirty="0">
+                <a:latin typeface="Courier New"/>
+                <a:ea typeface="Times New Roman"/>
+              </a:rPr>
+            </a:br>
+            <a:r>
+              <a:rPr lang="en-US" sz="2000" dirty="0" smtClean="0">
+                <a:latin typeface="Courier New"/>
+                <a:ea typeface="Times New Roman"/>
+              </a:rPr>
+              <a:t>install.packages(</a:t>
+            </a:r>
+            <a:br>
+              <a:rPr lang="en-US" sz="2000" dirty="0" smtClean="0">
+                <a:latin typeface="Courier New"/>
+                <a:ea typeface="Times New Roman"/>
+              </a:rPr>
+            </a:br>
+            <a:r>
+              <a:rPr lang="en-US" sz="2000" dirty="0" smtClean="0">
+                <a:latin typeface="Courier New"/>
+                <a:ea typeface="Times New Roman"/>
+              </a:rPr>
+              <a:t>  '</a:t>
+            </a:r>
+            <a:r>
+              <a:rPr lang="en-US" sz="2000" dirty="0" err="1" smtClean="0">
+                <a:latin typeface="Courier New"/>
+                <a:ea typeface="Times New Roman"/>
+              </a:rPr>
+              <a:t>devtools</a:t>
+            </a:r>
+            <a:r>
+              <a:rPr lang="en-US" sz="2000" dirty="0" smtClean="0">
+                <a:latin typeface="Courier New"/>
+                <a:ea typeface="Times New Roman"/>
+              </a:rPr>
+              <a:t>'</a:t>
+            </a:r>
+            <a:r>
+              <a:rPr lang="en-US" sz="2000" dirty="0" smtClean="0">
+                <a:latin typeface="Courier New"/>
+                <a:ea typeface="Times New Roman"/>
+              </a:rPr>
+              <a:t/>
+            </a:r>
+            <a:br>
+              <a:rPr lang="en-US" sz="2000" dirty="0" smtClean="0">
+                <a:latin typeface="Courier New"/>
+                <a:ea typeface="Times New Roman"/>
+              </a:rPr>
+            </a:br>
+            <a:r>
+              <a:rPr lang="en-US" sz="2000" dirty="0" smtClean="0">
+                <a:latin typeface="Courier New"/>
+                <a:ea typeface="Times New Roman"/>
+              </a:rPr>
+              <a:t>)</a:t>
+            </a:r>
+            <a:endParaRPr lang="en-US" sz="2000" dirty="0" smtClean="0">
+              <a:latin typeface="Courier New"/>
+              <a:ea typeface="Calibri"/>
+            </a:endParaRPr>
+          </a:p>
+          <a:p>
+            <a:pPr marL="0" indent="0">
+              <a:spcBef>
+                <a:spcPts val="0"/>
+              </a:spcBef>
+              <a:buNone/>
+            </a:pPr>
+            <a:r>
+              <a:rPr lang="en-US" sz="2000" dirty="0" smtClean="0">
+                <a:latin typeface="Courier New"/>
+                <a:ea typeface="Calibri"/>
+              </a:rPr>
+              <a:t># download repo</a:t>
+            </a:r>
+            <a:br>
+              <a:rPr lang="en-US" sz="2000" dirty="0" smtClean="0">
+                <a:latin typeface="Courier New"/>
+                <a:ea typeface="Calibri"/>
+              </a:rPr>
+            </a:br>
+            <a:r>
+              <a:rPr lang="en-US" sz="2000" dirty="0" err="1" smtClean="0">
+                <a:latin typeface="Courier New"/>
+                <a:ea typeface="Times New Roman"/>
+              </a:rPr>
+              <a:t>devtools</a:t>
+            </a:r>
+            <a:r>
+              <a:rPr lang="en-US" sz="2000" dirty="0" smtClean="0">
+                <a:latin typeface="Courier New"/>
+                <a:ea typeface="Times New Roman"/>
+              </a:rPr>
+              <a:t>::</a:t>
+            </a:r>
+            <a:r>
+              <a:rPr lang="en-US" sz="2000" dirty="0" err="1" smtClean="0">
+                <a:latin typeface="Courier New"/>
+                <a:ea typeface="Times New Roman"/>
+              </a:rPr>
+              <a:t>install_github</a:t>
+            </a:r>
+            <a:r>
+              <a:rPr lang="en-US" sz="2000" dirty="0" smtClean="0">
+                <a:latin typeface="Courier New"/>
+                <a:ea typeface="Times New Roman"/>
+              </a:rPr>
+              <a:t>(</a:t>
+            </a:r>
+            <a:br>
+              <a:rPr lang="en-US" sz="2000" dirty="0" smtClean="0">
+                <a:latin typeface="Courier New"/>
+                <a:ea typeface="Times New Roman"/>
+              </a:rPr>
+            </a:br>
+            <a:r>
+              <a:rPr lang="en-US" sz="2000" dirty="0" smtClean="0">
+                <a:latin typeface="Courier New"/>
+                <a:ea typeface="Times New Roman"/>
+              </a:rPr>
+              <a:t>  'owner/repo'</a:t>
+            </a:r>
+            <a:br>
+              <a:rPr lang="en-US" sz="2000" dirty="0" smtClean="0">
+                <a:latin typeface="Courier New"/>
+                <a:ea typeface="Times New Roman"/>
+              </a:rPr>
+            </a:br>
+            <a:r>
+              <a:rPr lang="en-US" sz="2000" dirty="0" smtClean="0">
+                <a:latin typeface="Courier New"/>
+                <a:ea typeface="Times New Roman"/>
+              </a:rPr>
+              <a:t>)</a:t>
+            </a:r>
+          </a:p>
+          <a:p>
+            <a:pPr marL="0" indent="0">
+              <a:spcBef>
+                <a:spcPts val="0"/>
+              </a:spcBef>
+              <a:buNone/>
+            </a:pPr>
+            <a:r>
+              <a:rPr lang="en-US" sz="2000" dirty="0" smtClean="0">
+                <a:latin typeface="Courier New"/>
+                <a:ea typeface="Calibri"/>
+              </a:rPr>
+              <a:t># </a:t>
+            </a:r>
+            <a:r>
+              <a:rPr lang="en-US" sz="2000" dirty="0">
+                <a:latin typeface="Courier New"/>
+                <a:ea typeface="Calibri"/>
+              </a:rPr>
+              <a:t>source </a:t>
+            </a:r>
+            <a:r>
+              <a:rPr lang="en-US" sz="2000" dirty="0" smtClean="0">
+                <a:latin typeface="Courier New"/>
+                <a:ea typeface="Calibri"/>
+              </a:rPr>
+              <a:t>downloaded library</a:t>
+            </a:r>
+            <a:r>
+              <a:rPr lang="en-US" sz="2000" dirty="0">
+                <a:latin typeface="Courier New"/>
+                <a:ea typeface="Calibri"/>
+              </a:rPr>
+              <a:t/>
+            </a:r>
+            <a:br>
+              <a:rPr lang="en-US" sz="2000" dirty="0">
+                <a:latin typeface="Courier New"/>
+                <a:ea typeface="Calibri"/>
+              </a:rPr>
+            </a:br>
+            <a:r>
+              <a:rPr lang="en-US" sz="2000" dirty="0" smtClean="0">
+                <a:latin typeface="Courier New"/>
+                <a:ea typeface="Times New Roman"/>
+              </a:rPr>
+              <a:t>library(repo)</a:t>
+            </a:r>
+            <a:endParaRPr lang="en-US" sz="2000" dirty="0"/>
+          </a:p>
+        </p:txBody>
+      </p:sp>
+      <p:sp>
+        <p:nvSpPr>
+          <p:cNvPr id="8" name="Text Placeholder 7"/>
+          <p:cNvSpPr>
+            <a:spLocks noGrp="1"/>
+          </p:cNvSpPr>
+          <p:nvPr>
+            <p:ph type="body" sz="quarter" idx="3"/>
+          </p:nvPr>
+        </p:nvSpPr>
+        <p:spPr/>
+        <p:txBody>
+          <a:bodyPr/>
+          <a:lstStyle/>
+          <a:p>
+            <a:pPr algn="ctr"/>
             <a:r>
               <a:rPr lang="en-US" dirty="0" smtClean="0"/>
-              <a:t>git </a:t>
-            </a:r>
-            <a:r>
-              <a:rPr lang="en-US" dirty="0"/>
-              <a:t>tracks changes to code</a:t>
-            </a:r>
-          </a:p>
-          <a:p>
-            <a:r>
-              <a:rPr lang="en-US" dirty="0"/>
-              <a:t>R and SAS can access code stored locally and remotely</a:t>
-            </a:r>
-          </a:p>
-          <a:p>
-            <a:r>
-              <a:rPr lang="en-US" dirty="0"/>
-              <a:t>Local code can stagnate</a:t>
-            </a:r>
-          </a:p>
-          <a:p>
-            <a:r>
-              <a:rPr lang="en-US" dirty="0"/>
-              <a:t>Remote code is always </a:t>
-            </a:r>
-            <a:r>
-              <a:rPr lang="en-US" dirty="0" smtClean="0"/>
-              <a:t>up-to-date</a:t>
-            </a:r>
-            <a:r>
-              <a:rPr lang="en-US" smtClean="0"/>
-              <a:t>, and git </a:t>
-            </a:r>
-            <a:r>
-              <a:rPr lang="en-US" dirty="0" smtClean="0"/>
-              <a:t>ensures all versions are available</a:t>
+              <a:t>SAS</a:t>
             </a:r>
             <a:endParaRPr lang="en-US" dirty="0"/>
           </a:p>
-          <a:p>
-            <a:endParaRPr lang="en-US" dirty="0" smtClean="0"/>
+        </p:txBody>
+      </p:sp>
+      <p:sp>
+        <p:nvSpPr>
+          <p:cNvPr id="9" name="Content Placeholder 8"/>
+          <p:cNvSpPr>
+            <a:spLocks noGrp="1"/>
+          </p:cNvSpPr>
+          <p:nvPr>
+            <p:ph sz="quarter" idx="4"/>
+          </p:nvPr>
+        </p:nvSpPr>
+        <p:spPr>
+          <a:xfrm>
+            <a:off x="4191000" y="1337071"/>
+            <a:ext cx="4953000" cy="3006329"/>
+          </a:xfrm>
+        </p:spPr>
+        <p:txBody>
+          <a:bodyPr/>
+          <a:lstStyle/>
+          <a:p>
+            <a:pPr marL="0" indent="0">
+              <a:spcBef>
+                <a:spcPts val="0"/>
+              </a:spcBef>
+              <a:buNone/>
+            </a:pPr>
+            <a:r>
+              <a:rPr lang="en-US" sz="2000" dirty="0" smtClean="0">
+                <a:latin typeface="Courier New"/>
+                <a:ea typeface="Times New Roman"/>
+              </a:rPr>
+              <a:t>* source </a:t>
+            </a:r>
+            <a:r>
+              <a:rPr lang="en-US" sz="2000" dirty="0" err="1" smtClean="0">
+                <a:latin typeface="Courier New"/>
+                <a:ea typeface="Times New Roman"/>
+              </a:rPr>
+              <a:t>install_github</a:t>
+            </a:r>
+            <a:r>
+              <a:rPr lang="en-US" sz="2000" dirty="0" smtClean="0">
+                <a:latin typeface="Courier New"/>
+                <a:ea typeface="Times New Roman"/>
+              </a:rPr>
+              <a:t> ;</a:t>
+            </a:r>
+            <a:br>
+              <a:rPr lang="en-US" sz="2000" dirty="0" smtClean="0">
+                <a:latin typeface="Courier New"/>
+                <a:ea typeface="Times New Roman"/>
+              </a:rPr>
+            </a:br>
+            <a:r>
+              <a:rPr lang="en-US" sz="2000" dirty="0" smtClean="0">
+                <a:latin typeface="Courier New"/>
+                <a:ea typeface="Times New Roman"/>
+              </a:rPr>
+              <a:t>%include '</a:t>
+            </a:r>
+            <a:r>
+              <a:rPr lang="en-US" sz="2000" dirty="0" err="1" smtClean="0">
+                <a:latin typeface="Courier New"/>
+                <a:ea typeface="Times New Roman"/>
+              </a:rPr>
+              <a:t>install_github.sas</a:t>
+            </a:r>
+            <a:r>
+              <a:rPr lang="en-US" sz="2000" dirty="0" smtClean="0">
+                <a:latin typeface="Courier New"/>
+                <a:ea typeface="Times New Roman"/>
+              </a:rPr>
+              <a:t>';</a:t>
+            </a:r>
+            <a:endParaRPr lang="en-US" sz="2000" dirty="0">
+              <a:latin typeface="Courier New" panose="02070309020205020404" pitchFamily="49" charset="0"/>
+              <a:cs typeface="Courier New" panose="02070309020205020404" pitchFamily="49" charset="0"/>
+            </a:endParaRPr>
+          </a:p>
+          <a:p>
+            <a:pPr marL="0" indent="0">
+              <a:spcBef>
+                <a:spcPts val="0"/>
+              </a:spcBef>
+              <a:buNone/>
+            </a:pPr>
+            <a:endParaRPr lang="en-US" sz="2000" dirty="0" smtClean="0">
+              <a:latin typeface="Courier New" panose="02070309020205020404" pitchFamily="49" charset="0"/>
+              <a:cs typeface="Courier New" panose="02070309020205020404" pitchFamily="49" charset="0"/>
+            </a:endParaRPr>
+          </a:p>
+          <a:p>
+            <a:pPr marL="0" indent="0">
+              <a:spcBef>
+                <a:spcPts val="0"/>
+              </a:spcBef>
+              <a:buNone/>
+            </a:pPr>
+            <a:endParaRPr lang="en-US" sz="2000" dirty="0" smtClean="0">
+              <a:latin typeface="Courier New" panose="02070309020205020404" pitchFamily="49" charset="0"/>
+              <a:cs typeface="Courier New" panose="02070309020205020404" pitchFamily="49" charset="0"/>
+            </a:endParaRPr>
+          </a:p>
+          <a:p>
+            <a:pPr marL="0" indent="0">
+              <a:spcBef>
+                <a:spcPts val="0"/>
+              </a:spcBef>
+              <a:buNone/>
+            </a:pPr>
+            <a:r>
+              <a:rPr lang="en-US" sz="2000" dirty="0" smtClean="0">
+                <a:latin typeface="Courier New" panose="02070309020205020404" pitchFamily="49" charset="0"/>
+                <a:cs typeface="Courier New" panose="02070309020205020404" pitchFamily="49" charset="0"/>
+              </a:rPr>
+              <a:t>* point to repo ;</a:t>
+            </a:r>
+            <a:br>
+              <a:rPr lang="en-US" sz="2000" dirty="0" smtClean="0">
+                <a:latin typeface="Courier New" panose="02070309020205020404" pitchFamily="49" charset="0"/>
+                <a:cs typeface="Courier New" panose="02070309020205020404" pitchFamily="49" charset="0"/>
+              </a:rPr>
+            </a:br>
+            <a:r>
+              <a:rPr lang="en-US" sz="2000" dirty="0" smtClean="0">
+                <a:latin typeface="Courier New" panose="02070309020205020404" pitchFamily="49" charset="0"/>
+                <a:cs typeface="Courier New" panose="02070309020205020404" pitchFamily="49" charset="0"/>
+              </a:rPr>
+              <a:t>%</a:t>
+            </a:r>
+            <a:r>
+              <a:rPr lang="en-US" sz="2000" dirty="0" err="1" smtClean="0">
+                <a:latin typeface="Courier New" panose="02070309020205020404" pitchFamily="49" charset="0"/>
+                <a:cs typeface="Courier New" panose="02070309020205020404" pitchFamily="49" charset="0"/>
+              </a:rPr>
+              <a:t>install_github</a:t>
+            </a:r>
+            <a:r>
+              <a:rPr lang="en-US" sz="2000" dirty="0" smtClean="0">
+                <a:latin typeface="Courier New" panose="02070309020205020404" pitchFamily="49" charset="0"/>
+                <a:cs typeface="Courier New" panose="02070309020205020404" pitchFamily="49" charset="0"/>
+              </a:rPr>
+              <a:t>(</a:t>
+            </a:r>
+            <a:br>
+              <a:rPr lang="en-US" sz="2000" dirty="0" smtClean="0">
+                <a:latin typeface="Courier New" panose="02070309020205020404" pitchFamily="49" charset="0"/>
+                <a:cs typeface="Courier New" panose="02070309020205020404" pitchFamily="49" charset="0"/>
+              </a:rPr>
+            </a:br>
+            <a:r>
+              <a:rPr lang="en-US" sz="2000" dirty="0" smtClean="0">
+                <a:latin typeface="Courier New" panose="02070309020205020404" pitchFamily="49" charset="0"/>
+                <a:cs typeface="Courier New" panose="02070309020205020404" pitchFamily="49" charset="0"/>
+              </a:rPr>
+              <a:t>  repo </a:t>
+            </a:r>
+            <a:r>
+              <a:rPr lang="en-US" sz="2000" dirty="0">
+                <a:latin typeface="Courier New" panose="02070309020205020404" pitchFamily="49" charset="0"/>
+                <a:cs typeface="Courier New" panose="02070309020205020404" pitchFamily="49" charset="0"/>
+              </a:rPr>
+              <a:t>= </a:t>
+            </a:r>
+            <a:r>
+              <a:rPr lang="en-US" sz="2000" dirty="0" smtClean="0">
+                <a:latin typeface="Courier New" panose="02070309020205020404" pitchFamily="49" charset="0"/>
+                <a:cs typeface="Courier New" panose="02070309020205020404" pitchFamily="49" charset="0"/>
+              </a:rPr>
+              <a:t>owner/repo,</a:t>
+            </a:r>
+          </a:p>
+          <a:p>
+            <a:pPr marL="0" indent="0">
+              <a:spcBef>
+                <a:spcPts val="0"/>
+              </a:spcBef>
+              <a:buNone/>
+            </a:pPr>
+            <a:endParaRPr lang="en-US" sz="2000" dirty="0" smtClean="0">
+              <a:latin typeface="Courier New" panose="02070309020205020404" pitchFamily="49" charset="0"/>
+              <a:cs typeface="Courier New" panose="02070309020205020404" pitchFamily="49" charset="0"/>
+            </a:endParaRPr>
+          </a:p>
+          <a:p>
+            <a:pPr marL="0" indent="0">
+              <a:spcBef>
+                <a:spcPts val="0"/>
+              </a:spcBef>
+              <a:buNone/>
+            </a:pPr>
+            <a:r>
+              <a:rPr lang="en-US" sz="2000" dirty="0">
+                <a:latin typeface="Courier New" panose="02070309020205020404" pitchFamily="49" charset="0"/>
+                <a:cs typeface="Courier New" panose="02070309020205020404" pitchFamily="49" charset="0"/>
+              </a:rPr>
+              <a:t> </a:t>
+            </a:r>
+            <a:r>
+              <a:rPr lang="en-US" sz="2000" dirty="0" smtClean="0">
+                <a:latin typeface="Courier New" panose="02070309020205020404" pitchFamily="49" charset="0"/>
+                <a:cs typeface="Courier New" panose="02070309020205020404" pitchFamily="49" charset="0"/>
+              </a:rPr>
+              <a:t> /* source file or folder */</a:t>
+            </a:r>
+            <a:r>
+              <a:rPr lang="en-US" sz="2000" dirty="0">
+                <a:latin typeface="Courier New" panose="02070309020205020404" pitchFamily="49" charset="0"/>
+                <a:cs typeface="Courier New" panose="02070309020205020404" pitchFamily="49" charset="0"/>
+              </a:rPr>
+              <a:t/>
+            </a:r>
+            <a:br>
+              <a:rPr lang="en-US" sz="2000" dirty="0">
+                <a:latin typeface="Courier New" panose="02070309020205020404" pitchFamily="49" charset="0"/>
+                <a:cs typeface="Courier New" panose="02070309020205020404" pitchFamily="49" charset="0"/>
+              </a:rPr>
+            </a:br>
+            <a:r>
+              <a:rPr lang="en-US" sz="2000" dirty="0" smtClean="0">
+                <a:latin typeface="Courier New" panose="02070309020205020404" pitchFamily="49" charset="0"/>
+                <a:cs typeface="Courier New" panose="02070309020205020404" pitchFamily="49" charset="0"/>
+              </a:rPr>
+              <a:t>  </a:t>
+            </a:r>
+            <a:r>
+              <a:rPr lang="en-US" sz="2000" dirty="0" smtClean="0">
+                <a:latin typeface="Courier New" panose="02070309020205020404" pitchFamily="49" charset="0"/>
+                <a:cs typeface="Courier New" panose="02070309020205020404" pitchFamily="49" charset="0"/>
+              </a:rPr>
+              <a:t>file = &lt;file path&gt;,</a:t>
+            </a:r>
+            <a:br>
+              <a:rPr lang="en-US" sz="2000" dirty="0" smtClean="0">
+                <a:latin typeface="Courier New" panose="02070309020205020404" pitchFamily="49" charset="0"/>
+                <a:cs typeface="Courier New" panose="02070309020205020404" pitchFamily="49" charset="0"/>
+              </a:rPr>
+            </a:br>
+            <a:r>
+              <a:rPr lang="en-US" sz="2000" dirty="0" smtClean="0">
+                <a:latin typeface="Courier New" panose="02070309020205020404" pitchFamily="49" charset="0"/>
+                <a:cs typeface="Courier New" panose="02070309020205020404" pitchFamily="49" charset="0"/>
+              </a:rPr>
+              <a:t>  folder = &lt;folder path&gt;</a:t>
+            </a:r>
+            <a:r>
+              <a:rPr lang="en-US" sz="2000" dirty="0" smtClean="0">
+                <a:latin typeface="Courier New" panose="02070309020205020404" pitchFamily="49" charset="0"/>
+                <a:cs typeface="Courier New" panose="02070309020205020404" pitchFamily="49" charset="0"/>
+              </a:rPr>
+              <a:t/>
+            </a:r>
+            <a:br>
+              <a:rPr lang="en-US" sz="2000" dirty="0" smtClean="0">
+                <a:latin typeface="Courier New" panose="02070309020205020404" pitchFamily="49" charset="0"/>
+                <a:cs typeface="Courier New" panose="02070309020205020404" pitchFamily="49" charset="0"/>
+              </a:rPr>
+            </a:br>
+            <a:r>
+              <a:rPr lang="en-US" sz="2000" dirty="0" smtClean="0">
+                <a:latin typeface="Courier New" panose="02070309020205020404" pitchFamily="49" charset="0"/>
+                <a:cs typeface="Courier New" panose="02070309020205020404" pitchFamily="49" charset="0"/>
+              </a:rPr>
+              <a:t>);</a:t>
+            </a:r>
+            <a:endParaRPr lang="en-US" sz="2000" dirty="0">
+              <a:latin typeface="Courier New" panose="02070309020205020404" pitchFamily="49" charset="0"/>
+              <a:cs typeface="Courier New" panose="02070309020205020404" pitchFamily="49" charset="0"/>
+            </a:endParaRPr>
           </a:p>
         </p:txBody>
       </p:sp>
     </p:spTree>
+    <p:extLst>
+      <p:ext uri="{BB962C8B-B14F-4D97-AF65-F5344CB8AC3E}">
+        <p14:creationId xmlns:p14="http://schemas.microsoft.com/office/powerpoint/2010/main" val="3868816236"/>
+      </p:ext>
+    </p:extLst>
   </p:cSld>
   <p:clrMapOvr>
     <a:masterClrMapping/>
   </p:clrMapOvr>
-  <mc:AlternateContent xmlns:mc="http://schemas.openxmlformats.org/markup-compatibility/2006">
-    <mc:Choice xmlns:p14="http://schemas.microsoft.com/office/powerpoint/2010/main" Requires="p14">
+  <mc:AlternateContent xmlns:mc="http://schemas.openxmlformats.org/markup-compatibility/2006" xmlns:p14="http://schemas.microsoft.com/office/powerpoint/2010/main">
+    <mc:Choice Requires="p14">
       <p:transition spd="med" p14:dur="700">
         <p:fade/>
       </p:transition>
     </mc:Choice>
-    <mc:Fallback>
+    <mc:Fallback xmlns="">
       <p:transition spd="med">
         <p:fade/>
       </p:transition>
@@ -5417,7 +6661,7 @@
                                           </p:stCondLst>
                                         </p:cTn>
                                         <p:tgtEl>
-                                          <p:spTgt spid="3">
+                                          <p:spTgt spid="7">
                                             <p:txEl>
                                               <p:pRg st="0" end="0"/>
                                             </p:txEl>
@@ -5435,7 +6679,50 @@
                                       <p:cBhvr>
                                         <p:cTn id="7" dur="500"/>
                                         <p:tgtEl>
-                                          <p:spTgt spid="3">
+                                          <p:spTgt spid="7">
+                                            <p:txEl>
+                                              <p:pRg st="0" end="0"/>
+                                            </p:txEl>
+                                          </p:spTgt>
+                                        </p:tgtEl>
+                                      </p:cBhvr>
+                                    </p:animEffect>
+                                  </p:childTnLst>
+                                </p:cTn>
+                              </p:par>
+                              <p:par>
+                                <p:cTn id="8" presetID="10" presetClass="entr" presetSubtype="0" fill="hold" nodeType="withEffect">
+                                  <p:stCondLst>
+                                    <p:cond delay="0"/>
+                                  </p:stCondLst>
+                                  <p:childTnLst>
+                                    <p:set>
+                                      <p:cBhvr>
+                                        <p:cTn id="9" dur="1" fill="hold">
+                                          <p:stCondLst>
+                                            <p:cond delay="0"/>
+                                          </p:stCondLst>
+                                        </p:cTn>
+                                        <p:tgtEl>
+                                          <p:spTgt spid="9">
+                                            <p:txEl>
+                                              <p:pRg st="0" end="0"/>
+                                            </p:txEl>
+                                          </p:spTgt>
+                                        </p:tgtEl>
+                                        <p:attrNameLst>
+                                          <p:attrName>style.visibility</p:attrName>
+                                        </p:attrNameLst>
+                                      </p:cBhvr>
+                                      <p:to>
+                                        <p:strVal val="visible"/>
+                                      </p:to>
+                                    </p:set>
+                                    <p:animEffect transition="in" filter="fade">
+                                      <p:cBhvr>
+                                        <p:cTn id="10" dur="500"/>
+                                        <p:tgtEl>
+                                          <p:spTgt spid="9">
                                             <p:txEl>
                                               <p:pRg st="0" end="0"/>
                                             </p:txEl>
@@ -5453,32 +6740,32 @@
                     </p:cTn>
                   </p:par>
                   <p:par>
-                    <p:cTn id="8" fill="hold">
+                    <p:cTn id="11" fill="hold">
                       <p:stCondLst>
                         <p:cond delay="indefinite"/>
                       </p:stCondLst>
                       <p:childTnLst>
                         <p:par>
-                          <p:cTn id="9" fill="hold">
+                          <p:cTn id="12" fill="hold">
                             <p:stCondLst>
                               <p:cond delay="0"/>
                             </p:stCondLst>
                             <p:childTnLst>
                               <p:par>
-                                <p:cTn id="10" presetID="10" presetClass="entr" presetSubtype="0" fill="hold" nodeType="clickEffect">
+                                <p:cTn id="13" presetID="10" presetClass="entr" presetSubtype="0" fill="hold" nodeType="clickEffect">
                                   <p:stCondLst>
                                     <p:cond delay="0"/>
                                   </p:stCondLst>
                                   <p:childTnLst>
                                     <p:set>
                                       <p:cBhvr>
-                                        <p:cTn id="11" dur="1" fill="hold">
+                                        <p:cTn id="14" dur="1" fill="hold">
                                           <p:stCondLst>
                                             <p:cond delay="0"/>
                                           </p:stCondLst>
                                         </p:cTn>
                                         <p:tgtEl>
-                                          <p:spTgt spid="3">
+                                          <p:spTgt spid="7">
                                             <p:txEl>
                                               <p:pRg st="1" end="1"/>
                                             </p:txEl>
@@ -5494,11 +6781,54 @@
                                     </p:set>
                                     <p:animEffect transition="in" filter="fade">
                                       <p:cBhvr>
-                                        <p:cTn id="12" dur="500"/>
-                                        <p:tgtEl>
-                                          <p:spTgt spid="3">
+                                        <p:cTn id="15" dur="500"/>
+                                        <p:tgtEl>
+                                          <p:spTgt spid="7">
                                             <p:txEl>
                                               <p:pRg st="1" end="1"/>
+                                            </p:txEl>
+                                          </p:spTgt>
+                                        </p:tgtEl>
+                                      </p:cBhvr>
+                                    </p:animEffect>
+                                  </p:childTnLst>
+                                </p:cTn>
+                              </p:par>
+                              <p:par>
+                                <p:cTn id="16" presetID="10" presetClass="entr" presetSubtype="0" fill="hold" nodeType="withEffect">
+                                  <p:stCondLst>
+                                    <p:cond delay="0"/>
+                                  </p:stCondLst>
+                                  <p:childTnLst>
+                                    <p:set>
+                                      <p:cBhvr>
+                                        <p:cTn id="17" dur="1" fill="hold">
+                                          <p:stCondLst>
+                                            <p:cond delay="0"/>
+                                          </p:stCondLst>
+                                        </p:cTn>
+                                        <p:tgtEl>
+                                          <p:spTgt spid="9">
+                                            <p:txEl>
+                                              <p:pRg st="3" end="3"/>
+                                            </p:txEl>
+                                          </p:spTgt>
+                                        </p:tgtEl>
+                                        <p:attrNameLst>
+                                          <p:attrName>style.visibility</p:attrName>
+                                        </p:attrNameLst>
+                                      </p:cBhvr>
+                                      <p:to>
+                                        <p:strVal val="visible"/>
+                                      </p:to>
+                                    </p:set>
+                                    <p:animEffect transition="in" filter="fade">
+                                      <p:cBhvr>
+                                        <p:cTn id="18" dur="500"/>
+                                        <p:tgtEl>
+                                          <p:spTgt spid="9">
+                                            <p:txEl>
+                                              <p:pRg st="3" end="3"/>
                                             </p:txEl>
                                           </p:spTgt>
                                         </p:tgtEl>
@@ -5514,32 +6844,32 @@
                     </p:cTn>
                   </p:par>
                   <p:par>
-                    <p:cTn id="13" fill="hold">
+                    <p:cTn id="19" fill="hold">
                       <p:stCondLst>
                         <p:cond delay="indefinite"/>
                       </p:stCondLst>
                       <p:childTnLst>
                         <p:par>
-                          <p:cTn id="14" fill="hold">
+                          <p:cTn id="20" fill="hold">
                             <p:stCondLst>
                               <p:cond delay="0"/>
                             </p:stCondLst>
                             <p:childTnLst>
                               <p:par>
-                                <p:cTn id="15" presetID="10" presetClass="entr" presetSubtype="0" fill="hold" nodeType="clickEffect">
+                                <p:cTn id="21" presetID="10" presetClass="entr" presetSubtype="0" fill="hold" nodeType="clickEffect">
                                   <p:stCondLst>
                                     <p:cond delay="0"/>
                                   </p:stCondLst>
                                   <p:childTnLst>
                                     <p:set>
                                       <p:cBhvr>
-                                        <p:cTn id="16" dur="1" fill="hold">
+                                        <p:cTn id="22" dur="1" fill="hold">
                                           <p:stCondLst>
                                             <p:cond delay="0"/>
                                           </p:stCondLst>
                                         </p:cTn>
                                         <p:tgtEl>
-                                          <p:spTgt spid="3">
+                                          <p:spTgt spid="7">
                                             <p:txEl>
                                               <p:pRg st="2" end="2"/>
                                             </p:txEl>
@@ -5555,9 +6885,9 @@
                                     </p:set>
                                     <p:animEffect transition="in" filter="fade">
                                       <p:cBhvr>
-                                        <p:cTn id="17" dur="500"/>
-                                        <p:tgtEl>
-                                          <p:spTgt spid="3">
+                                        <p:cTn id="23" dur="500"/>
+                                        <p:tgtEl>
+                                          <p:spTgt spid="7">
                                             <p:txEl>
                                               <p:pRg st="2" end="2"/>
                                             </p:txEl>
@@ -5568,41 +6898,23 @@
                                   </p:childTnLst>
                                 </p:cTn>
                               </p:par>
-                            </p:childTnLst>
-                          </p:cTn>
-                        </p:par>
-                      </p:childTnLst>
-                    </p:cTn>
-                  </p:par>
-                  <p:par>
-                    <p:cTn id="18" fill="hold">
-                      <p:stCondLst>
-                        <p:cond delay="indefinite"/>
-                      </p:stCondLst>
-                      <p:childTnLst>
-                        <p:par>
-                          <p:cTn id="19" fill="hold">
-                            <p:stCondLst>
-                              <p:cond delay="0"/>
-                            </p:stCondLst>
-                            <p:childTnLst>
                               <p:par>
-                                <p:cTn id="20" presetID="10" presetClass="entr" presetSubtype="0" fill="hold" nodeType="clickEffect">
+                                <p:cTn id="24" presetID="10" presetClass="entr" presetSubtype="0" fill="hold" nodeType="withEffect">
                                   <p:stCondLst>
                                     <p:cond delay="0"/>
                                   </p:stCondLst>
                                   <p:childTnLst>
                                     <p:set>
                                       <p:cBhvr>
-                                        <p:cTn id="21" dur="1" fill="hold">
+                                        <p:cTn id="25" dur="1" fill="hold">
                                           <p:stCondLst>
                                             <p:cond delay="0"/>
                                           </p:stCondLst>
                                         </p:cTn>
                                         <p:tgtEl>
-                                          <p:spTgt spid="3">
+                                          <p:spTgt spid="9">
                                             <p:txEl>
-                                              <p:pRg st="3" end="3"/>
+                                              <p:pRg st="5" end="5"/>
                                             </p:txEl>
                                           </p:spTgt>
                                         </p:tgtEl>
@@ -5616,72 +6928,11 @@
                                     </p:set>
                                     <p:animEffect transition="in" filter="fade">
                                       <p:cBhvr>
-                                        <p:cTn id="22" dur="500"/>
-                                        <p:tgtEl>
-                                          <p:spTgt spid="3">
+                                        <p:cTn id="26" dur="500"/>
+                                        <p:tgtEl>
+                                          <p:spTgt spid="9">
                                             <p:txEl>
-                                              <p:pRg st="3" end="3"/>
-                                            </p:txEl>
-                                          </p:spTgt>
-                                        </p:tgtEl>
-                                      </p:cBhvr>
-                                    </p:animEffect>
-                                  </p:childTnLst>
-                                </p:cTn>
-                              </p:par>
-                            </p:childTnLst>
-                          </p:cTn>
-                        </p:par>
-                      </p:childTnLst>
-                    </p:cTn>
-                  </p:par>
-                  <p:par>
-                    <p:cTn id="23" fill="hold">
-                      <p:stCondLst>
-                        <p:cond delay="indefinite"/>
-                      </p:stCondLst>
-                      <p:childTnLst>
-                        <p:par>
-                          <p:cTn id="24" fill="hold">
-                            <p:stCondLst>
-                              <p:cond delay="0"/>
-                            </p:stCondLst>
-                            <p:childTnLst>
-                              <p:par>
-                                <p:cTn id="25" presetID="10" presetClass="entr" presetSubtype="0" fill="hold" nodeType="clickEffect">
-                                  <p:stCondLst>
-                                    <p:cond delay="0"/>
-                                  </p:stCondLst>
-                                  <p:childTnLst>
-                                    <p:set>
-                                      <p:cBhvr>
-                                        <p:cTn id="26" dur="1" fill="hold">
-                                          <p:stCondLst>
-                                            <p:cond delay="0"/>
-                                          </p:stCondLst>
-                                        </p:cTn>
-                                        <p:tgtEl>
-                                          <p:spTgt spid="3">
-                                            <p:txEl>
-                                              <p:pRg st="4" end="4"/>
-                                            </p:txEl>
-                                          </p:spTgt>
-                                        </p:tgtEl>
-                                        <p:attrNameLst>
-                                          <p:attrName>style.visibility</p:attrName>
-                                        </p:attrNameLst>
-                                      </p:cBhvr>
-                                      <p:to>
-                                        <p:strVal val="visible"/>
-                                      </p:to>
-                                    </p:set>
-                                    <p:animEffect transition="in" filter="fade">
-                                      <p:cBhvr>
-                                        <p:cTn id="27" dur="500"/>
-                                        <p:tgtEl>
-                                          <p:spTgt spid="3">
-                                            <p:txEl>
-                                              <p:pRg st="4" end="4"/>
+                                              <p:pRg st="5" end="5"/>
                                             </p:txEl>
                                           </p:spTgt>
                                         </p:tgtEl>
@@ -5740,7 +6991,7 @@
       </p:grpSpPr>
       <p:sp>
         <p:nvSpPr>
-          <p:cNvPr id="2" name="Title 1"/>
+          <p:cNvPr id="7" name="Title 6"/>
           <p:cNvSpPr>
             <a:spLocks noGrp="1"/>
           </p:cNvSpPr>
@@ -5753,22 +7004,236 @@
           <a:bodyPr/>
           <a:lstStyle/>
           <a:p>
-            <a:endParaRPr lang="en-US" dirty="0"/>
+            <a:r>
+              <a:rPr lang="en-US" sz="3600" dirty="0" smtClean="0"/>
+              <a:t>R Example</a:t>
+            </a:r>
+            <a:endParaRPr lang="en-US" sz="3600" dirty="0"/>
+          </a:p>
+        </p:txBody>
+      </p:sp>
+      <p:sp>
+        <p:nvSpPr>
+          <p:cNvPr id="9" name="Content Placeholder 8"/>
+          <p:cNvSpPr>
+            <a:spLocks noGrp="1"/>
+          </p:cNvSpPr>
+          <p:nvPr>
+            <p:ph sz="half" idx="1"/>
+          </p:nvPr>
+        </p:nvSpPr>
+        <p:spPr>
+          <a:xfrm>
+            <a:off x="0" y="857250"/>
+            <a:ext cx="4495800" cy="3429000"/>
+          </a:xfrm>
+        </p:spPr>
+        <p:txBody>
+          <a:bodyPr/>
+          <a:lstStyle/>
+          <a:p>
+            <a:pPr marL="0" indent="0">
+              <a:spcBef>
+                <a:spcPts val="0"/>
+              </a:spcBef>
+              <a:buNone/>
+            </a:pPr>
+            <a:endParaRPr lang="en-US" sz="2000" dirty="0" smtClean="0">
+              <a:latin typeface="Courier New" panose="02070309020205020404" pitchFamily="49" charset="0"/>
+              <a:cs typeface="Courier New" panose="02070309020205020404" pitchFamily="49" charset="0"/>
+            </a:endParaRPr>
+          </a:p>
+          <a:p>
+            <a:pPr marL="0" indent="0">
+              <a:spcBef>
+                <a:spcPts val="0"/>
+              </a:spcBef>
+              <a:buNone/>
+            </a:pPr>
+            <a:endParaRPr lang="en-US" sz="2000" dirty="0">
+              <a:latin typeface="Courier New" panose="02070309020205020404" pitchFamily="49" charset="0"/>
+              <a:cs typeface="Courier New" panose="02070309020205020404" pitchFamily="49" charset="0"/>
+            </a:endParaRPr>
+          </a:p>
+          <a:p>
+            <a:pPr marL="0" indent="0">
+              <a:spcBef>
+                <a:spcPts val="0"/>
+              </a:spcBef>
+              <a:buNone/>
+            </a:pPr>
+            <a:r>
+              <a:rPr lang="en-US" sz="2000" dirty="0" err="1" smtClean="0">
+                <a:latin typeface="Courier New" panose="02070309020205020404" pitchFamily="49" charset="0"/>
+                <a:cs typeface="Courier New" panose="02070309020205020404" pitchFamily="49" charset="0"/>
+              </a:rPr>
+              <a:t>devtools</a:t>
+            </a:r>
+            <a:r>
+              <a:rPr lang="en-US" sz="2000" dirty="0">
+                <a:latin typeface="Courier New" panose="02070309020205020404" pitchFamily="49" charset="0"/>
+                <a:cs typeface="Courier New" panose="02070309020205020404" pitchFamily="49" charset="0"/>
+              </a:rPr>
+              <a:t>::</a:t>
+            </a:r>
+            <a:r>
+              <a:rPr lang="en-US" sz="2000" dirty="0" err="1">
+                <a:latin typeface="Courier New" panose="02070309020205020404" pitchFamily="49" charset="0"/>
+                <a:cs typeface="Courier New" panose="02070309020205020404" pitchFamily="49" charset="0"/>
+              </a:rPr>
+              <a:t>install_github</a:t>
+            </a:r>
+            <a:r>
+              <a:rPr lang="en-US" sz="2000" dirty="0" smtClean="0">
+                <a:latin typeface="Courier New" panose="02070309020205020404" pitchFamily="49" charset="0"/>
+                <a:cs typeface="Courier New" panose="02070309020205020404" pitchFamily="49" charset="0"/>
+              </a:rPr>
+              <a:t>(</a:t>
+            </a:r>
+            <a:br>
+              <a:rPr lang="en-US" sz="2000" dirty="0" smtClean="0">
+                <a:latin typeface="Courier New" panose="02070309020205020404" pitchFamily="49" charset="0"/>
+                <a:cs typeface="Courier New" panose="02070309020205020404" pitchFamily="49" charset="0"/>
+              </a:rPr>
+            </a:br>
+            <a:r>
+              <a:rPr lang="en-US" sz="2000" dirty="0" smtClean="0">
+                <a:latin typeface="Courier New" panose="02070309020205020404" pitchFamily="49" charset="0"/>
+                <a:cs typeface="Courier New" panose="02070309020205020404" pitchFamily="49" charset="0"/>
+              </a:rPr>
+              <a:t>  '</a:t>
+            </a:r>
+            <a:r>
+              <a:rPr lang="en-US" sz="2000" dirty="0" err="1" smtClean="0">
+                <a:latin typeface="Courier New" panose="02070309020205020404" pitchFamily="49" charset="0"/>
+                <a:cs typeface="Courier New" panose="02070309020205020404" pitchFamily="49" charset="0"/>
+              </a:rPr>
+              <a:t>RhoInc</a:t>
+            </a:r>
+            <a:r>
+              <a:rPr lang="en-US" sz="2000" dirty="0" smtClean="0">
+                <a:latin typeface="Courier New" panose="02070309020205020404" pitchFamily="49" charset="0"/>
+                <a:cs typeface="Courier New" panose="02070309020205020404" pitchFamily="49" charset="0"/>
+              </a:rPr>
+              <a:t>/</a:t>
+            </a:r>
+            <a:r>
+              <a:rPr lang="en-US" sz="2000" dirty="0" err="1" smtClean="0">
+                <a:latin typeface="Courier New" panose="02070309020205020404" pitchFamily="49" charset="0"/>
+                <a:cs typeface="Courier New" panose="02070309020205020404" pitchFamily="49" charset="0"/>
+              </a:rPr>
+              <a:t>datadigest</a:t>
+            </a:r>
+            <a:r>
+              <a:rPr lang="en-US" sz="2000" dirty="0" smtClean="0">
+                <a:latin typeface="Courier New" panose="02070309020205020404" pitchFamily="49" charset="0"/>
+                <a:cs typeface="Courier New" panose="02070309020205020404" pitchFamily="49" charset="0"/>
+              </a:rPr>
+              <a:t>'</a:t>
+            </a:r>
+            <a:br>
+              <a:rPr lang="en-US" sz="2000" dirty="0" smtClean="0">
+                <a:latin typeface="Courier New" panose="02070309020205020404" pitchFamily="49" charset="0"/>
+                <a:cs typeface="Courier New" panose="02070309020205020404" pitchFamily="49" charset="0"/>
+              </a:rPr>
+            </a:br>
+            <a:r>
+              <a:rPr lang="en-US" sz="2000" dirty="0" smtClean="0">
+                <a:latin typeface="Courier New" panose="02070309020205020404" pitchFamily="49" charset="0"/>
+                <a:cs typeface="Courier New" panose="02070309020205020404" pitchFamily="49" charset="0"/>
+              </a:rPr>
+              <a:t>)</a:t>
+            </a:r>
+          </a:p>
+          <a:p>
+            <a:pPr marL="0" indent="0">
+              <a:spcBef>
+                <a:spcPts val="0"/>
+              </a:spcBef>
+              <a:buNone/>
+            </a:pPr>
+            <a:r>
+              <a:rPr lang="en-US" sz="2000" dirty="0" smtClean="0">
+                <a:latin typeface="Courier New" panose="02070309020205020404" pitchFamily="49" charset="0"/>
+                <a:cs typeface="Courier New" panose="02070309020205020404" pitchFamily="49" charset="0"/>
+              </a:rPr>
+              <a:t/>
+            </a:r>
+            <a:br>
+              <a:rPr lang="en-US" sz="2000" dirty="0" smtClean="0">
+                <a:latin typeface="Courier New" panose="02070309020205020404" pitchFamily="49" charset="0"/>
+                <a:cs typeface="Courier New" panose="02070309020205020404" pitchFamily="49" charset="0"/>
+              </a:rPr>
+            </a:br>
+            <a:r>
+              <a:rPr lang="en-US" sz="2000" dirty="0" err="1" smtClean="0">
+                <a:latin typeface="Courier New" panose="02070309020205020404" pitchFamily="49" charset="0"/>
+                <a:cs typeface="Courier New" panose="02070309020205020404" pitchFamily="49" charset="0"/>
+              </a:rPr>
+              <a:t>datadigest</a:t>
+            </a:r>
+            <a:r>
+              <a:rPr lang="en-US" sz="2000" dirty="0" smtClean="0">
+                <a:latin typeface="Courier New" panose="02070309020205020404" pitchFamily="49" charset="0"/>
+                <a:cs typeface="Courier New" panose="02070309020205020404" pitchFamily="49" charset="0"/>
+              </a:rPr>
+              <a:t>::codebook(</a:t>
+            </a:r>
+            <a:br>
+              <a:rPr lang="en-US" sz="2000" dirty="0" smtClean="0">
+                <a:latin typeface="Courier New" panose="02070309020205020404" pitchFamily="49" charset="0"/>
+                <a:cs typeface="Courier New" panose="02070309020205020404" pitchFamily="49" charset="0"/>
+              </a:rPr>
+            </a:br>
+            <a:r>
+              <a:rPr lang="en-US" sz="2000" dirty="0" smtClean="0">
+                <a:latin typeface="Courier New" panose="02070309020205020404" pitchFamily="49" charset="0"/>
+                <a:cs typeface="Courier New" panose="02070309020205020404" pitchFamily="49" charset="0"/>
+              </a:rPr>
+              <a:t>  data = </a:t>
+            </a:r>
+            <a:r>
+              <a:rPr lang="en-US" sz="2000" dirty="0" err="1" smtClean="0">
+                <a:latin typeface="Courier New" panose="02070309020205020404" pitchFamily="49" charset="0"/>
+                <a:cs typeface="Courier New" panose="02070309020205020404" pitchFamily="49" charset="0"/>
+              </a:rPr>
+              <a:t>mtcars</a:t>
+            </a:r>
+            <a:r>
+              <a:rPr lang="en-US" sz="2000" dirty="0" smtClean="0">
+                <a:latin typeface="Courier New" panose="02070309020205020404" pitchFamily="49" charset="0"/>
+                <a:cs typeface="Courier New" panose="02070309020205020404" pitchFamily="49" charset="0"/>
+              </a:rPr>
+              <a:t/>
+            </a:r>
+            <a:br>
+              <a:rPr lang="en-US" sz="2000" dirty="0" smtClean="0">
+                <a:latin typeface="Courier New" panose="02070309020205020404" pitchFamily="49" charset="0"/>
+                <a:cs typeface="Courier New" panose="02070309020205020404" pitchFamily="49" charset="0"/>
+              </a:rPr>
+            </a:br>
+            <a:r>
+              <a:rPr lang="en-US" sz="2000" dirty="0" smtClean="0">
+                <a:latin typeface="Courier New" panose="02070309020205020404" pitchFamily="49" charset="0"/>
+                <a:cs typeface="Courier New" panose="02070309020205020404" pitchFamily="49" charset="0"/>
+              </a:rPr>
+              <a:t>)</a:t>
+            </a:r>
           </a:p>
         </p:txBody>
       </p:sp>
       <p:pic>
         <p:nvPicPr>
-          <p:cNvPr id="4" name="Content Placeholder 3"/>
+          <p:cNvPr id="11" name="Content Placeholder 10"/>
           <p:cNvPicPr>
             <a:picLocks noGrp="1" noChangeAspect="1"/>
           </p:cNvPicPr>
           <p:nvPr>
-            <p:ph idx="1"/>
+            <p:ph sz="half" idx="2"/>
           </p:nvPr>
         </p:nvPicPr>
         <p:blipFill>
-          <a:blip r:embed="rId2">
+          <a:blip r:embed="rId2" cstate="print">
             <a:extLst>
               <a:ext uri="{28A0092B-C50C-407E-A947-70E740481C1C}">
                 <a14:useLocalDpi xmlns:a14="http://schemas.microsoft.com/office/drawing/2010/main" val="0"/>
@@ -5781,37 +7246,223 @@
         </p:blipFill>
         <p:spPr>
           <a:xfrm>
-            <a:off x="3500437" y="1528762"/>
-            <a:ext cx="2143125" cy="2143125"/>
+            <a:off x="4419600" y="895350"/>
+            <a:ext cx="4671442" cy="3231305"/>
           </a:xfrm>
         </p:spPr>
       </p:pic>
     </p:spTree>
     <p:extLst>
       <p:ext uri="{BB962C8B-B14F-4D97-AF65-F5344CB8AC3E}">
-        <p14:creationId xmlns:p14="http://schemas.microsoft.com/office/powerpoint/2010/main" val="821804302"/>
+        <p14:creationId xmlns:p14="http://schemas.microsoft.com/office/powerpoint/2010/main" val="3743664277"/>
       </p:ext>
     </p:extLst>
   </p:cSld>
   <p:clrMapOvr>
     <a:masterClrMapping/>
   </p:clrMapOvr>
-  <mc:AlternateContent xmlns:mc="http://schemas.openxmlformats.org/markup-compatibility/2006">
-    <mc:Choice xmlns:p14="http://schemas.microsoft.com/office/powerpoint/2010/main" Requires="p14">
-      <p:transition spd="med" p14:dur="700">
-        <p:fade/>
-      </p:transition>
-    </mc:Choice>
-    <mc:Fallback>
-      <p:transition spd="med">
-        <p:fade/>
-      </p:transition>
-    </mc:Fallback>
-  </mc:AlternateContent>
   <p:timing>
     <p:tnLst>
       <p:par>
-        <p:cTn id="1" dur="indefinite" restart="never" nodeType="tmRoot"/>
+        <p:cTn id="1" dur="indefinite" restart="never" nodeType="tmRoot">
+          <p:childTnLst>
+            <p:seq concurrent="1" nextAc="seek">
+              <p:cTn id="2" dur="indefinite" nodeType="mainSeq">
+                <p:childTnLst>
+                  <p:par>
+                    <p:cTn id="3" fill="hold">
+                      <p:stCondLst>
+                        <p:cond delay="indefinite"/>
+                      </p:stCondLst>
+                      <p:childTnLst>
+                        <p:par>
+                          <p:cTn id="4" fill="hold">
+                            <p:stCondLst>
+                              <p:cond delay="0"/>
+                            </p:stCondLst>
+                            <p:childTnLst>
+                              <p:par>
+                                <p:cTn id="5" presetID="10" presetClass="entr" presetSubtype="0" fill="hold" nodeType="clickEffect">
+                                  <p:stCondLst>
+                                    <p:cond delay="0"/>
+                                  </p:stCondLst>
+                                  <p:childTnLst>
+                                    <p:set>
+                                      <p:cBhvr>
+                                        <p:cTn id="6" dur="1" fill="hold">
+                                          <p:stCondLst>
+                                            <p:cond delay="0"/>
+                                          </p:stCondLst>
+                                        </p:cTn>
+                                        <p:tgtEl>
+                                          <p:spTgt spid="9">
+                                            <p:txEl>
+                                              <p:pRg st="2" end="2"/>
+                                            </p:txEl>
+                                          </p:spTgt>
+                                        </p:tgtEl>
+                                        <p:attrNameLst>
+                                          <p:attrName>style.visibility</p:attrName>
+                                        </p:attrNameLst>
+                                      </p:cBhvr>
+                                      <p:to>
+                                        <p:strVal val="visible"/>
+                                      </p:to>
+                                    </p:set>
+                                    <p:animEffect transition="in" filter="fade">
+                                      <p:cBhvr>
+                                        <p:cTn id="7" dur="500"/>
+                                        <p:tgtEl>
+                                          <p:spTgt spid="9">
+                                            <p:txEl>
+                                              <p:pRg st="2" end="2"/>
+                                            </p:txEl>
+                                          </p:spTgt>
+                                        </p:tgtEl>
+                                      </p:cBhvr>
+                                    </p:animEffect>
+                                  </p:childTnLst>
+                                </p:cTn>
+                              </p:par>
+                            </p:childTnLst>
+                          </p:cTn>
+                        </p:par>
+                      </p:childTnLst>
+                    </p:cTn>
+                  </p:par>
+                  <p:par>
+                    <p:cTn id="8" fill="hold">
+                      <p:stCondLst>
+                        <p:cond delay="indefinite"/>
+                      </p:stCondLst>
+                      <p:childTnLst>
+                        <p:par>
+                          <p:cTn id="9" fill="hold">
+                            <p:stCondLst>
+                              <p:cond delay="0"/>
+                            </p:stCondLst>
+                            <p:childTnLst>
+                              <p:par>
+                                <p:cTn id="10" presetID="10" presetClass="entr" presetSubtype="0" fill="hold" nodeType="clickEffect">
+                                  <p:stCondLst>
+                                    <p:cond delay="0"/>
+                                  </p:stCondLst>
+                                  <p:childTnLst>
+                                    <p:set>
+                                      <p:cBhvr>
+                                        <p:cTn id="11" dur="1" fill="hold">
+                                          <p:stCondLst>
+                                            <p:cond delay="0"/>
+                                          </p:stCondLst>
+                                        </p:cTn>
+                                        <p:tgtEl>
+                                          <p:spTgt spid="9">
+                                            <p:txEl>
+                                              <p:pRg st="3" end="3"/>
+                                            </p:txEl>
+                                          </p:spTgt>
+                                        </p:tgtEl>
+                                        <p:attrNameLst>
+                                          <p:attrName>style.visibility</p:attrName>
+                                        </p:attrNameLst>
+                                      </p:cBhvr>
+                                      <p:to>
+                                        <p:strVal val="visible"/>
+                                      </p:to>
+                                    </p:set>
+                                    <p:animEffect transition="in" filter="fade">
+                                      <p:cBhvr>
+                                        <p:cTn id="12" dur="500"/>
+                                        <p:tgtEl>
+                                          <p:spTgt spid="9">
+                                            <p:txEl>
+                                              <p:pRg st="3" end="3"/>
+                                            </p:txEl>
+                                          </p:spTgt>
+                                        </p:tgtEl>
+                                      </p:cBhvr>
+                                    </p:animEffect>
+                                  </p:childTnLst>
+                                </p:cTn>
+                              </p:par>
+                            </p:childTnLst>
+                          </p:cTn>
+                        </p:par>
+                      </p:childTnLst>
+                    </p:cTn>
+                  </p:par>
+                  <p:par>
+                    <p:cTn id="13" fill="hold">
+                      <p:stCondLst>
+                        <p:cond delay="indefinite"/>
+                      </p:stCondLst>
+                      <p:childTnLst>
+                        <p:par>
+                          <p:cTn id="14" fill="hold">
+                            <p:stCondLst>
+                              <p:cond delay="0"/>
+                            </p:stCondLst>
+                            <p:childTnLst>
+                              <p:par>
+                                <p:cTn id="15" presetID="10" presetClass="entr" presetSubtype="0" fill="hold" nodeType="clickEffect">
+                                  <p:stCondLst>
+                                    <p:cond delay="0"/>
+                                  </p:stCondLst>
+                                  <p:childTnLst>
+                                    <p:set>
+                                      <p:cBhvr>
+                                        <p:cTn id="16" dur="1" fill="hold">
+                                          <p:stCondLst>
+                                            <p:cond delay="0"/>
+                                          </p:stCondLst>
+                                        </p:cTn>
+                                        <p:tgtEl>
+                                          <p:spTgt spid="11"/>
+                                        </p:tgtEl>
+                                        <p:attrNameLst>
+                                          <p:attrName>style.visibility</p:attrName>
+                                        </p:attrNameLst>
+                                      </p:cBhvr>
+                                      <p:to>
+                                        <p:strVal val="visible"/>
+                                      </p:to>
+                                    </p:set>
+                                    <p:animEffect transition="in" filter="fade">
+                                      <p:cBhvr>
+                                        <p:cTn id="17" dur="500"/>
+                                        <p:tgtEl>
+                                          <p:spTgt spid="11"/>
+                                        </p:tgtEl>
+                                      </p:cBhvr>
+                                    </p:animEffect>
+                                  </p:childTnLst>
+                                </p:cTn>
+                              </p:par>
+                            </p:childTnLst>
+                          </p:cTn>
+                        </p:par>
+                      </p:childTnLst>
+                    </p:cTn>
+                  </p:par>
+                </p:childTnLst>
+              </p:cTn>
+              <p:prevCondLst>
+                <p:cond evt="onPrev" delay="0">
+                  <p:tgtEl>
+                    <p:sldTgt/>
+                  </p:tgtEl>
+                </p:cond>
+              </p:prevCondLst>
+              <p:nextCondLst>
+                <p:cond evt="onNext" delay="0">
+                  <p:tgtEl>
+                    <p:sldTgt/>
+                  </p:tgtEl>
+                </p:cond>
+              </p:nextCondLst>
+            </p:seq>
+          </p:childTnLst>
+        </p:cTn>
       </p:par>
     </p:tnLst>
   </p:timing>
@@ -6107,7 +7758,309 @@
 </a:theme>
 </file>
 
+<file path=ppt/theme/theme2.xml><?xml version="1.0" encoding="utf-8"?>
+<a:theme xmlns:a="http://schemas.openxmlformats.org/drawingml/2006/main" name="Office Theme">
+  <a:themeElements>
+    <a:clrScheme name="Office">
+      <a:dk1>
+        <a:sysClr val="windowText" lastClr="000000"/>
+      </a:dk1>
+      <a:lt1>
+        <a:sysClr val="window" lastClr="FFFFFF"/>
+      </a:lt1>
+      <a:dk2>
+        <a:srgbClr val="1F497D"/>
+      </a:dk2>
+      <a:lt2>
+        <a:srgbClr val="EEECE1"/>
+      </a:lt2>
+      <a:accent1>
+        <a:srgbClr val="4F81BD"/>
+      </a:accent1>
+      <a:accent2>
+        <a:srgbClr val="C0504D"/>
+      </a:accent2>
+      <a:accent3>
+        <a:srgbClr val="9BBB59"/>
+      </a:accent3>
+      <a:accent4>
+        <a:srgbClr val="8064A2"/>
+      </a:accent4>
+      <a:accent5>
+        <a:srgbClr val="4BACC6"/>
+      </a:accent5>
+      <a:accent6>
+        <a:srgbClr val="F79646"/>
+      </a:accent6>
+      <a:hlink>
+        <a:srgbClr val="0000FF"/>
+      </a:hlink>
+      <a:folHlink>
+        <a:srgbClr val="800080"/>
+      </a:folHlink>
+    </a:clrScheme>
+    <a:fontScheme name="Office">
+      <a:majorFont>
+        <a:latin typeface="Calibri"/>
+        <a:ea typeface=""/>
+        <a:cs typeface=""/>
+        <a:font script="Jpan" typeface="ＭＳ Ｐゴシック"/>
+        <a:font script="Hang" typeface="맑은 고딕"/>
+        <a:font script="Hans" typeface="宋体"/>
+        <a:font script="Hant" typeface="新細明體"/>
+        <a:font script="Arab" typeface="Times New Roman"/>
+        <a:font script="Hebr" typeface="Times New Roman"/>
+        <a:font script="Thai" typeface="Angsana New"/>
+        <a:font script="Ethi" typeface="Nyala"/>
+        <a:font script="Beng" typeface="Vrinda"/>
+        <a:font script="Gujr" typeface="Shruti"/>
+        <a:font script="Khmr" typeface="MoolBoran"/>
+        <a:font script="Knda" typeface="Tunga"/>
+        <a:font script="Guru" typeface="Raavi"/>
+        <a:font script="Cans" typeface="Euphemia"/>
+        <a:font script="Cher" typeface="Plantagenet Cherokee"/>
+        <a:font script="Yiii" typeface="Microsoft Yi Baiti"/>
+        <a:font script="Tibt" typeface="Microsoft Himalaya"/>
+        <a:font script="Thaa" typeface="MV Boli"/>
+        <a:font script="Deva" typeface="Mangal"/>
+        <a:font script="Telu" typeface="Gautami"/>
+        <a:font script="Taml" typeface="Latha"/>
+        <a:font script="Syrc" typeface="Estrangelo Edessa"/>
+        <a:font script="Orya" typeface="Kalinga"/>
+        <a:font script="Mlym" typeface="Kartika"/>
+        <a:font script="Laoo" typeface="DokChampa"/>
+        <a:font script="Sinh" typeface="Iskoola Pota"/>
+        <a:font script="Mong" typeface="Mongolian Baiti"/>
+        <a:font script="Viet" typeface="Times New Roman"/>
+        <a:font script="Uigh" typeface="Microsoft Uighur"/>
+        <a:font script="Geor" typeface="Sylfaen"/>
+      </a:majorFont>
+      <a:minorFont>
+        <a:latin typeface="Calibri"/>
+        <a:ea typeface=""/>
+        <a:cs typeface=""/>
+        <a:font script="Jpan" typeface="ＭＳ Ｐゴシック"/>
+        <a:font script="Hang" typeface="맑은 고딕"/>
+        <a:font script="Hans" typeface="宋体"/>
+        <a:font script="Hant" typeface="新細明體"/>
+        <a:font script="Arab" typeface="Arial"/>
+        <a:font script="Hebr" typeface="Arial"/>
+        <a:font script="Thai" typeface="Cordia New"/>
+        <a:font script="Ethi" typeface="Nyala"/>
+        <a:font script="Beng" typeface="Vrinda"/>
+        <a:font script="Gujr" typeface="Shruti"/>
+        <a:font script="Khmr" typeface="DaunPenh"/>
+        <a:font script="Knda" typeface="Tunga"/>
+        <a:font script="Guru" typeface="Raavi"/>
+        <a:font script="Cans" typeface="Euphemia"/>
+        <a:font script="Cher" typeface="Plantagenet Cherokee"/>
+        <a:font script="Yiii" typeface="Microsoft Yi Baiti"/>
+        <a:font script="Tibt" typeface="Microsoft Himalaya"/>
+        <a:font script="Thaa" typeface="MV Boli"/>
+        <a:font script="Deva" typeface="Mangal"/>
+        <a:font script="Telu" typeface="Gautami"/>
+        <a:font script="Taml" typeface="Latha"/>
+        <a:font script="Syrc" typeface="Estrangelo Edessa"/>
+        <a:font script="Orya" typeface="Kalinga"/>
+        <a:font script="Mlym" typeface="Kartika"/>
+        <a:font script="Laoo" typeface="DokChampa"/>
+        <a:font script="Sinh" typeface="Iskoola Pota"/>
+        <a:font script="Mong" typeface="Mongolian Baiti"/>
+        <a:font script="Viet" typeface="Arial"/>
+        <a:font script="Uigh" typeface="Microsoft Uighur"/>
+        <a:font script="Geor" typeface="Sylfaen"/>
+      </a:minorFont>
+    </a:fontScheme>
+    <a:fmtScheme name="Office">
+      <a:fillStyleLst>
+        <a:solidFill>
+          <a:schemeClr val="phClr"/>
+        </a:solidFill>
+        <a:gradFill rotWithShape="1">
+          <a:gsLst>
+            <a:gs pos="0">
+              <a:schemeClr val="phClr">
+                <a:tint val="50000"/>
+                <a:satMod val="300000"/>
+              </a:schemeClr>
+            </a:gs>
+            <a:gs pos="35000">
+              <a:schemeClr val="phClr">
+                <a:tint val="37000"/>
+                <a:satMod val="300000"/>
+              </a:schemeClr>
+            </a:gs>
+            <a:gs pos="100000">
+              <a:schemeClr val="phClr">
+                <a:tint val="15000"/>
+                <a:satMod val="350000"/>
+              </a:schemeClr>
+            </a:gs>
+          </a:gsLst>
+          <a:lin ang="16200000" scaled="1"/>
+        </a:gradFill>
+        <a:gradFill rotWithShape="1">
+          <a:gsLst>
+            <a:gs pos="0">
+              <a:schemeClr val="phClr">
+                <a:shade val="51000"/>
+                <a:satMod val="130000"/>
+              </a:schemeClr>
+            </a:gs>
+            <a:gs pos="80000">
+              <a:schemeClr val="phClr">
+                <a:shade val="93000"/>
+                <a:satMod val="130000"/>
+              </a:schemeClr>
+            </a:gs>
+            <a:gs pos="100000">
+              <a:schemeClr val="phClr">
+                <a:shade val="94000"/>
+                <a:satMod val="135000"/>
+              </a:schemeClr>
+            </a:gs>
+          </a:gsLst>
+          <a:lin ang="16200000" scaled="0"/>
+        </a:gradFill>
+      </a:fillStyleLst>
+      <a:lnStyleLst>
+        <a:ln w="9525" cap="flat" cmpd="sng" algn="ctr">
+          <a:solidFill>
+            <a:schemeClr val="phClr">
+              <a:shade val="95000"/>
+              <a:satMod val="105000"/>
+            </a:schemeClr>
+          </a:solidFill>
+          <a:prstDash val="solid"/>
+        </a:ln>
+        <a:ln w="25400" cap="flat" cmpd="sng" algn="ctr">
+          <a:solidFill>
+            <a:schemeClr val="phClr"/>
+          </a:solidFill>
+          <a:prstDash val="solid"/>
+        </a:ln>
+        <a:ln w="38100" cap="flat" cmpd="sng" algn="ctr">
+          <a:solidFill>
+            <a:schemeClr val="phClr"/>
+          </a:solidFill>
+          <a:prstDash val="solid"/>
+        </a:ln>
+      </a:lnStyleLst>
+      <a:effectStyleLst>
+        <a:effectStyle>
+          <a:effectLst>
+            <a:outerShdw blurRad="40000" dist="20000" dir="5400000" rotWithShape="0">
+              <a:srgbClr val="000000">
+                <a:alpha val="38000"/>
+              </a:srgbClr>
+            </a:outerShdw>
+          </a:effectLst>
+        </a:effectStyle>
+        <a:effectStyle>
+          <a:effectLst>
+            <a:outerShdw blurRad="40000" dist="23000" dir="5400000" rotWithShape="0">
+              <a:srgbClr val="000000">
+                <a:alpha val="35000"/>
+              </a:srgbClr>
+            </a:outerShdw>
+          </a:effectLst>
+        </a:effectStyle>
+        <a:effectStyle>
+          <a:effectLst>
+            <a:outerShdw blurRad="40000" dist="23000" dir="5400000" rotWithShape="0">
+              <a:srgbClr val="000000">
+                <a:alpha val="35000"/>
+              </a:srgbClr>
+            </a:outerShdw>
+          </a:effectLst>
+          <a:scene3d>
+            <a:camera prst="orthographicFront">
+              <a:rot lat="0" lon="0" rev="0"/>
+            </a:camera>
+            <a:lightRig rig="threePt" dir="t">
+              <a:rot lat="0" lon="0" rev="1200000"/>
+            </a:lightRig>
+          </a:scene3d>
+          <a:sp3d>
+            <a:bevelT w="63500" h="25400"/>
+          </a:sp3d>
+        </a:effectStyle>
+      </a:effectStyleLst>
+      <a:bgFillStyleLst>
+        <a:solidFill>
+          <a:schemeClr val="phClr"/>
+        </a:solidFill>
+        <a:gradFill rotWithShape="1">
+          <a:gsLst>
+            <a:gs pos="0">
+              <a:schemeClr val="phClr">
+                <a:tint val="40000"/>
+                <a:satMod val="350000"/>
+              </a:schemeClr>
+            </a:gs>
+            <a:gs pos="40000">
+              <a:schemeClr val="phClr">
+                <a:tint val="45000"/>
+                <a:shade val="99000"/>
+                <a:satMod val="350000"/>
+              </a:schemeClr>
+            </a:gs>
+            <a:gs pos="100000">
+              <a:schemeClr val="phClr">
+                <a:shade val="20000"/>
+                <a:satMod val="255000"/>
+              </a:schemeClr>
+            </a:gs>
+          </a:gsLst>
+          <a:path path="circle">
+            <a:fillToRect l="50000" t="-80000" r="50000" b="180000"/>
+          </a:path>
+        </a:gradFill>
+        <a:gradFill rotWithShape="1">
+          <a:gsLst>
+            <a:gs pos="0">
+              <a:schemeClr val="phClr">
+                <a:tint val="80000"/>
+                <a:satMod val="300000"/>
+              </a:schemeClr>
+            </a:gs>
+            <a:gs pos="100000">
+              <a:schemeClr val="phClr">
+                <a:shade val="30000"/>
+                <a:satMod val="200000"/>
+              </a:schemeClr>
+            </a:gs>
+          </a:gsLst>
+          <a:path path="circle">
+            <a:fillToRect l="50000" t="50000" r="50000" b="50000"/>
+          </a:path>
+        </a:gradFill>
+      </a:bgFillStyleLst>
+    </a:fmtScheme>
+  </a:themeElements>
+  <a:objectDefaults/>
+  <a:extraClrSchemeLst/>
+</a:theme>
+</file>
+
 <file path=customXml/item1.xml><?xml version="1.0" encoding="utf-8"?>
+<?mso-contentType ?>
+<FormTemplates xmlns="http://schemas.microsoft.com/sharepoint/v3/contenttype/forms">
+  <Display>DocumentLibraryForm</Display>
+  <Edit>DocumentLibraryForm</Edit>
+  <New>DocumentLibraryForm</New>
+</FormTemplates>
+</file>
+
+<file path=customXml/item2.xml><?xml version="1.0" encoding="utf-8"?>
+<p:properties xmlns:p="http://schemas.microsoft.com/office/2006/metadata/properties" xmlns:xsi="http://www.w3.org/2001/XMLSchema-instance">
+  <documentManagement>
+    <Category xmlns="e0128858-d012-4a14-8d6e-7d8f9139f51e">_Templates</Category>
+  </documentManagement>
+</p:properties>
+</file>
+
+<file path=customXml/item3.xml><?xml version="1.0" encoding="utf-8"?>
 <ct:contentTypeSchema xmlns:ct="http://schemas.microsoft.com/office/2006/metadata/contentType" xmlns:ma="http://schemas.microsoft.com/office/2006/metadata/properties/metaAttributes" ct:_="" ma:_="" ma:contentTypeName="Document" ma:contentTypeID="0x010100B8706EE1DD09654F93EC890167FED35E" ma:contentTypeVersion="3" ma:contentTypeDescription="Create a new document." ma:contentTypeScope="" ma:versionID="4c209429bec26473329a63b3bf2df313">
   <xsd:schema xmlns:xsd="http://www.w3.org/2001/XMLSchema" xmlns:xs="http://www.w3.org/2001/XMLSchema" xmlns:p="http://schemas.microsoft.com/office/2006/metadata/properties" xmlns:ns2="e0128858-d012-4a14-8d6e-7d8f9139f51e" xmlns:ns3="21839e56-7cb2-49eb-9a41-07cdf127a8cb" targetNamespace="http://schemas.microsoft.com/office/2006/metadata/properties" ma:root="true" ma:fieldsID="4b9e2abfaf4d6379079e11eaceb2d137" ns2:_="" ns3:_="">
     <xsd:import namespace="e0128858-d012-4a14-8d6e-7d8f9139f51e"/>
@@ -6266,38 +8219,10 @@
 </ct:contentTypeSchema>
 </file>
 
-<file path=customXml/item2.xml><?xml version="1.0" encoding="utf-8"?>
-<p:properties xmlns:p="http://schemas.microsoft.com/office/2006/metadata/properties" xmlns:xsi="http://www.w3.org/2001/XMLSchema-instance">
-  <documentManagement>
-    <Category xmlns="e0128858-d012-4a14-8d6e-7d8f9139f51e">_Templates</Category>
-  </documentManagement>
-</p:properties>
-</file>
-
-<file path=customXml/item3.xml><?xml version="1.0" encoding="utf-8"?>
-<?mso-contentType ?>
-<FormTemplates xmlns="http://schemas.microsoft.com/sharepoint/v3/contenttype/forms">
-  <Display>DocumentLibraryForm</Display>
-  <Edit>DocumentLibraryForm</Edit>
-  <New>DocumentLibraryForm</New>
-</FormTemplates>
-</file>
-
 <file path=customXml/itemProps1.xml><?xml version="1.0" encoding="utf-8"?>
-<ds:datastoreItem xmlns:ds="http://schemas.openxmlformats.org/officeDocument/2006/customXml" ds:itemID="{32F9C047-D826-469F-9AEB-5591FE56DBDC}">
+<ds:datastoreItem xmlns:ds="http://schemas.openxmlformats.org/officeDocument/2006/customXml" ds:itemID="{376CE2D0-C849-4B1D-B19F-B74DF7474EF9}">
   <ds:schemaRefs>
-    <ds:schemaRef ds:uri="http://schemas.microsoft.com/office/2006/metadata/contentType"/>
-    <ds:schemaRef ds:uri="http://schemas.microsoft.com/office/2006/metadata/properties/metaAttributes"/>
-    <ds:schemaRef ds:uri="http://www.w3.org/2001/XMLSchema"/>
-    <ds:schemaRef ds:uri="http://schemas.microsoft.com/office/2006/metadata/properties"/>
-    <ds:schemaRef ds:uri="e0128858-d012-4a14-8d6e-7d8f9139f51e"/>
-    <ds:schemaRef ds:uri="21839e56-7cb2-49eb-9a41-07cdf127a8cb"/>
-    <ds:schemaRef ds:uri="http://schemas.microsoft.com/office/2006/documentManagement/types"/>
-    <ds:schemaRef ds:uri="http://schemas.microsoft.com/office/infopath/2007/PartnerControls"/>
-    <ds:schemaRef ds:uri="http://schemas.openxmlformats.org/package/2006/metadata/core-properties"/>
-    <ds:schemaRef ds:uri="http://purl.org/dc/elements/1.1/"/>
-    <ds:schemaRef ds:uri="http://purl.org/dc/terms/"/>
-    <ds:schemaRef ds:uri="http://schemas.microsoft.com/internal/obd"/>
+    <ds:schemaRef ds:uri="http://schemas.microsoft.com/sharepoint/v3/contenttype/forms"/>
   </ds:schemaRefs>
 </ds:datastoreItem>
 </file>
@@ -6320,9 +8245,20 @@
 </file>
 
 <file path=customXml/itemProps3.xml><?xml version="1.0" encoding="utf-8"?>
-<ds:datastoreItem xmlns:ds="http://schemas.openxmlformats.org/officeDocument/2006/customXml" ds:itemID="{376CE2D0-C849-4B1D-B19F-B74DF7474EF9}">
+<ds:datastoreItem xmlns:ds="http://schemas.openxmlformats.org/officeDocument/2006/customXml" ds:itemID="{32F9C047-D826-469F-9AEB-5591FE56DBDC}">
   <ds:schemaRefs>
-    <ds:schemaRef ds:uri="http://schemas.microsoft.com/sharepoint/v3/contenttype/forms"/>
+    <ds:schemaRef ds:uri="http://schemas.microsoft.com/office/2006/metadata/contentType"/>
+    <ds:schemaRef ds:uri="http://schemas.microsoft.com/office/2006/metadata/properties/metaAttributes"/>
+    <ds:schemaRef ds:uri="http://www.w3.org/2001/XMLSchema"/>
+    <ds:schemaRef ds:uri="http://schemas.microsoft.com/office/2006/metadata/properties"/>
+    <ds:schemaRef ds:uri="e0128858-d012-4a14-8d6e-7d8f9139f51e"/>
+    <ds:schemaRef ds:uri="21839e56-7cb2-49eb-9a41-07cdf127a8cb"/>
+    <ds:schemaRef ds:uri="http://schemas.microsoft.com/office/2006/documentManagement/types"/>
+    <ds:schemaRef ds:uri="http://schemas.microsoft.com/office/infopath/2007/PartnerControls"/>
+    <ds:schemaRef ds:uri="http://schemas.openxmlformats.org/package/2006/metadata/core-properties"/>
+    <ds:schemaRef ds:uri="http://purl.org/dc/elements/1.1/"/>
+    <ds:schemaRef ds:uri="http://purl.org/dc/terms/"/>
+    <ds:schemaRef ds:uri="http://schemas.microsoft.com/internal/obd"/>
   </ds:schemaRefs>
 </ds:datastoreItem>
 </file>
--- a/docs/CT06.pptx
+++ b/docs/CT06.pptx
@@ -5,7 +5,7 @@
     <p:sldMasterId id="2147483696" r:id="rId4"/>
   </p:sldMasterIdLst>
   <p:notesMasterIdLst>
-    <p:notesMasterId r:id="rId16"/>
+    <p:notesMasterId r:id="rId18"/>
   </p:notesMasterIdLst>
   <p:sldIdLst>
     <p:sldId id="256" r:id="rId5"/>
@@ -16,14 +16,16 @@
     <p:sldId id="263" r:id="rId10"/>
     <p:sldId id="258" r:id="rId11"/>
     <p:sldId id="264" r:id="rId12"/>
-    <p:sldId id="267" r:id="rId13"/>
-    <p:sldId id="268" r:id="rId14"/>
-    <p:sldId id="265" r:id="rId15"/>
+    <p:sldId id="269" r:id="rId13"/>
+    <p:sldId id="270" r:id="rId14"/>
+    <p:sldId id="267" r:id="rId15"/>
+    <p:sldId id="268" r:id="rId16"/>
+    <p:sldId id="265" r:id="rId17"/>
   </p:sldIdLst>
   <p:sldSz cx="9144000" cy="5143500" type="screen16x9"/>
   <p:notesSz cx="6858000" cy="9144000"/>
   <p:custDataLst>
-    <p:tags r:id="rId17"/>
+    <p:tags r:id="rId19"/>
   </p:custDataLst>
   <p:defaultTextStyle>
     <a:defPPr>
@@ -235,7 +237,7 @@
           <a:p>
             <a:fld id="{EA796957-69BF-45A3-8936-2834E29413E7}" type="datetimeFigureOut">
               <a:rPr lang="en-US" smtClean="0"/>
-              <a:t>2/18/2019</a:t>
+              <a:t>2/20/2019</a:t>
             </a:fld>
             <a:endParaRPr lang="en-US"/>
           </a:p>
@@ -595,6 +597,393 @@
 </p:notes>
 </file>
 
+<file path=ppt/notesSlides/notesSlide2.xml><?xml version="1.0" encoding="utf-8"?>
+<p:notes xmlns:a="http://schemas.openxmlformats.org/drawingml/2006/main" xmlns:r="http://schemas.openxmlformats.org/officeDocument/2006/relationships" xmlns:p="http://schemas.openxmlformats.org/presentationml/2006/main">
+  <p:cSld>
+    <p:spTree>
+      <p:nvGrpSpPr>
+        <p:cNvPr id="1" name=""/>
+        <p:cNvGrpSpPr/>
+        <p:nvPr/>
+      </p:nvGrpSpPr>
+      <p:grpSpPr>
+        <a:xfrm>
+          <a:off x="0" y="0"/>
+          <a:ext cx="0" cy="0"/>
+          <a:chOff x="0" y="0"/>
+          <a:chExt cx="0" cy="0"/>
+        </a:xfrm>
+      </p:grpSpPr>
+      <p:sp>
+        <p:nvSpPr>
+          <p:cNvPr id="2" name="Slide Image Placeholder 1"/>
+          <p:cNvSpPr>
+            <a:spLocks noGrp="1" noRot="1" noChangeAspect="1"/>
+          </p:cNvSpPr>
+          <p:nvPr>
+            <p:ph type="sldImg"/>
+          </p:nvPr>
+        </p:nvSpPr>
+        <p:spPr/>
+      </p:sp>
+      <p:sp>
+        <p:nvSpPr>
+          <p:cNvPr id="3" name="Notes Placeholder 2"/>
+          <p:cNvSpPr>
+            <a:spLocks noGrp="1"/>
+          </p:cNvSpPr>
+          <p:nvPr>
+            <p:ph type="body" idx="1"/>
+          </p:nvPr>
+        </p:nvSpPr>
+        <p:spPr/>
+        <p:txBody>
+          <a:bodyPr/>
+          <a:lstStyle/>
+          <a:p>
+            <a:r>
+              <a:rPr lang="en-US" dirty="0" smtClean="0"/>
+              <a:t>Mention this method does not have the advantages</a:t>
+            </a:r>
+            <a:r>
+              <a:rPr lang="en-US" baseline="0" dirty="0" smtClean="0"/>
+              <a:t> of version control.</a:t>
+            </a:r>
+            <a:endParaRPr lang="en-US" dirty="0"/>
+          </a:p>
+        </p:txBody>
+      </p:sp>
+      <p:sp>
+        <p:nvSpPr>
+          <p:cNvPr id="4" name="Slide Number Placeholder 3"/>
+          <p:cNvSpPr>
+            <a:spLocks noGrp="1"/>
+          </p:cNvSpPr>
+          <p:nvPr>
+            <p:ph type="sldNum" sz="quarter" idx="10"/>
+          </p:nvPr>
+        </p:nvSpPr>
+        <p:spPr/>
+        <p:txBody>
+          <a:bodyPr/>
+          <a:lstStyle/>
+          <a:p>
+            <a:fld id="{272A2C59-8FC1-4ECF-913A-81D73AFE7A60}" type="slidenum">
+              <a:rPr lang="en-US" smtClean="0"/>
+              <a:t>7</a:t>
+            </a:fld>
+            <a:endParaRPr lang="en-US"/>
+          </a:p>
+        </p:txBody>
+      </p:sp>
+    </p:spTree>
+    <p:extLst>
+      <p:ext uri="{BB962C8B-B14F-4D97-AF65-F5344CB8AC3E}">
+        <p14:creationId xmlns:p14="http://schemas.microsoft.com/office/powerpoint/2010/main" val="573842455"/>
+      </p:ext>
+    </p:extLst>
+  </p:cSld>
+  <p:clrMapOvr>
+    <a:masterClrMapping/>
+  </p:clrMapOvr>
+</p:notes>
+</file>
+
+<file path=ppt/notesSlides/notesSlide3.xml><?xml version="1.0" encoding="utf-8"?>
+<p:notes xmlns:a="http://schemas.openxmlformats.org/drawingml/2006/main" xmlns:r="http://schemas.openxmlformats.org/officeDocument/2006/relationships" xmlns:p="http://schemas.openxmlformats.org/presentationml/2006/main">
+  <p:cSld>
+    <p:spTree>
+      <p:nvGrpSpPr>
+        <p:cNvPr id="1" name=""/>
+        <p:cNvGrpSpPr/>
+        <p:nvPr/>
+      </p:nvGrpSpPr>
+      <p:grpSpPr>
+        <a:xfrm>
+          <a:off x="0" y="0"/>
+          <a:ext cx="0" cy="0"/>
+          <a:chOff x="0" y="0"/>
+          <a:chExt cx="0" cy="0"/>
+        </a:xfrm>
+      </p:grpSpPr>
+      <p:sp>
+        <p:nvSpPr>
+          <p:cNvPr id="2" name="Slide Image Placeholder 1"/>
+          <p:cNvSpPr>
+            <a:spLocks noGrp="1" noRot="1" noChangeAspect="1"/>
+          </p:cNvSpPr>
+          <p:nvPr>
+            <p:ph type="sldImg"/>
+          </p:nvPr>
+        </p:nvSpPr>
+        <p:spPr/>
+      </p:sp>
+      <p:sp>
+        <p:nvSpPr>
+          <p:cNvPr id="3" name="Notes Placeholder 2"/>
+          <p:cNvSpPr>
+            <a:spLocks noGrp="1"/>
+          </p:cNvSpPr>
+          <p:nvPr>
+            <p:ph type="body" idx="1"/>
+          </p:nvPr>
+        </p:nvSpPr>
+        <p:spPr/>
+        <p:txBody>
+          <a:bodyPr/>
+          <a:lstStyle/>
+          <a:p>
+            <a:r>
+              <a:rPr lang="en-US" dirty="0" smtClean="0"/>
+              <a:t>Mention</a:t>
+            </a:r>
+            <a:r>
+              <a:rPr lang="en-US" baseline="0" dirty="0" smtClean="0"/>
+              <a:t> we developed the SAS macro.</a:t>
+            </a:r>
+            <a:endParaRPr lang="en-US" dirty="0"/>
+          </a:p>
+        </p:txBody>
+      </p:sp>
+      <p:sp>
+        <p:nvSpPr>
+          <p:cNvPr id="4" name="Slide Number Placeholder 3"/>
+          <p:cNvSpPr>
+            <a:spLocks noGrp="1"/>
+          </p:cNvSpPr>
+          <p:nvPr>
+            <p:ph type="sldNum" sz="quarter" idx="10"/>
+          </p:nvPr>
+        </p:nvSpPr>
+        <p:spPr/>
+        <p:txBody>
+          <a:bodyPr/>
+          <a:lstStyle/>
+          <a:p>
+            <a:fld id="{272A2C59-8FC1-4ECF-913A-81D73AFE7A60}" type="slidenum">
+              <a:rPr lang="en-US" smtClean="0"/>
+              <a:t>8</a:t>
+            </a:fld>
+            <a:endParaRPr lang="en-US"/>
+          </a:p>
+        </p:txBody>
+      </p:sp>
+    </p:spTree>
+    <p:extLst>
+      <p:ext uri="{BB962C8B-B14F-4D97-AF65-F5344CB8AC3E}">
+        <p14:creationId xmlns:p14="http://schemas.microsoft.com/office/powerpoint/2010/main" val="679332724"/>
+      </p:ext>
+    </p:extLst>
+  </p:cSld>
+  <p:clrMapOvr>
+    <a:masterClrMapping/>
+  </p:clrMapOvr>
+</p:notes>
+</file>
+
+<file path=ppt/notesSlides/notesSlide4.xml><?xml version="1.0" encoding="utf-8"?>
+<p:notes xmlns:a="http://schemas.openxmlformats.org/drawingml/2006/main" xmlns:r="http://schemas.openxmlformats.org/officeDocument/2006/relationships" xmlns:p="http://schemas.openxmlformats.org/presentationml/2006/main">
+  <p:cSld>
+    <p:spTree>
+      <p:nvGrpSpPr>
+        <p:cNvPr id="1" name=""/>
+        <p:cNvGrpSpPr/>
+        <p:nvPr/>
+      </p:nvGrpSpPr>
+      <p:grpSpPr>
+        <a:xfrm>
+          <a:off x="0" y="0"/>
+          <a:ext cx="0" cy="0"/>
+          <a:chOff x="0" y="0"/>
+          <a:chExt cx="0" cy="0"/>
+        </a:xfrm>
+      </p:grpSpPr>
+      <p:sp>
+        <p:nvSpPr>
+          <p:cNvPr id="2" name="Slide Image Placeholder 1"/>
+          <p:cNvSpPr>
+            <a:spLocks noGrp="1" noRot="1" noChangeAspect="1"/>
+          </p:cNvSpPr>
+          <p:nvPr>
+            <p:ph type="sldImg"/>
+          </p:nvPr>
+        </p:nvSpPr>
+        <p:spPr/>
+      </p:sp>
+      <p:sp>
+        <p:nvSpPr>
+          <p:cNvPr id="3" name="Notes Placeholder 2"/>
+          <p:cNvSpPr>
+            <a:spLocks noGrp="1"/>
+          </p:cNvSpPr>
+          <p:nvPr>
+            <p:ph type="body" idx="1"/>
+          </p:nvPr>
+        </p:nvSpPr>
+        <p:spPr/>
+        <p:txBody>
+          <a:bodyPr/>
+          <a:lstStyle/>
+          <a:p>
+            <a:r>
+              <a:rPr lang="en-US" dirty="0" smtClean="0"/>
+              <a:t>Describe the output</a:t>
+            </a:r>
+            <a:r>
+              <a:rPr lang="en-US" baseline="0" dirty="0" smtClean="0"/>
+              <a:t>.</a:t>
+            </a:r>
+            <a:endParaRPr lang="en-US" dirty="0"/>
+          </a:p>
+        </p:txBody>
+      </p:sp>
+      <p:sp>
+        <p:nvSpPr>
+          <p:cNvPr id="4" name="Slide Number Placeholder 3"/>
+          <p:cNvSpPr>
+            <a:spLocks noGrp="1"/>
+          </p:cNvSpPr>
+          <p:nvPr>
+            <p:ph type="sldNum" sz="quarter" idx="10"/>
+          </p:nvPr>
+        </p:nvSpPr>
+        <p:spPr/>
+        <p:txBody>
+          <a:bodyPr/>
+          <a:lstStyle/>
+          <a:p>
+            <a:fld id="{272A2C59-8FC1-4ECF-913A-81D73AFE7A60}" type="slidenum">
+              <a:rPr lang="en-US" smtClean="0"/>
+              <a:t>11</a:t>
+            </a:fld>
+            <a:endParaRPr lang="en-US"/>
+          </a:p>
+        </p:txBody>
+      </p:sp>
+    </p:spTree>
+    <p:extLst>
+      <p:ext uri="{BB962C8B-B14F-4D97-AF65-F5344CB8AC3E}">
+        <p14:creationId xmlns:p14="http://schemas.microsoft.com/office/powerpoint/2010/main" val="949608737"/>
+      </p:ext>
+    </p:extLst>
+  </p:cSld>
+  <p:clrMapOvr>
+    <a:masterClrMapping/>
+  </p:clrMapOvr>
+</p:notes>
+</file>
+
+<file path=ppt/notesSlides/notesSlide5.xml><?xml version="1.0" encoding="utf-8"?>
+<p:notes xmlns:a="http://schemas.openxmlformats.org/drawingml/2006/main" xmlns:r="http://schemas.openxmlformats.org/officeDocument/2006/relationships" xmlns:p="http://schemas.openxmlformats.org/presentationml/2006/main">
+  <p:cSld>
+    <p:spTree>
+      <p:nvGrpSpPr>
+        <p:cNvPr id="1" name=""/>
+        <p:cNvGrpSpPr/>
+        <p:nvPr/>
+      </p:nvGrpSpPr>
+      <p:grpSpPr>
+        <a:xfrm>
+          <a:off x="0" y="0"/>
+          <a:ext cx="0" cy="0"/>
+          <a:chOff x="0" y="0"/>
+          <a:chExt cx="0" cy="0"/>
+        </a:xfrm>
+      </p:grpSpPr>
+      <p:sp>
+        <p:nvSpPr>
+          <p:cNvPr id="2" name="Slide Image Placeholder 1"/>
+          <p:cNvSpPr>
+            <a:spLocks noGrp="1" noRot="1" noChangeAspect="1"/>
+          </p:cNvSpPr>
+          <p:nvPr>
+            <p:ph type="sldImg"/>
+          </p:nvPr>
+        </p:nvSpPr>
+        <p:spPr/>
+      </p:sp>
+      <p:sp>
+        <p:nvSpPr>
+          <p:cNvPr id="3" name="Notes Placeholder 2"/>
+          <p:cNvSpPr>
+            <a:spLocks noGrp="1"/>
+          </p:cNvSpPr>
+          <p:nvPr>
+            <p:ph type="body" idx="1"/>
+          </p:nvPr>
+        </p:nvSpPr>
+        <p:spPr/>
+        <p:txBody>
+          <a:bodyPr/>
+          <a:lstStyle/>
+          <a:p>
+            <a:pPr marL="0" marR="0" indent="0" algn="l" defTabSz="914400" rtl="0" eaLnBrk="1" fontAlgn="auto" latinLnBrk="0" hangingPunct="1">
+              <a:lnSpc>
+                <a:spcPct val="100000"/>
+              </a:lnSpc>
+              <a:spcBef>
+                <a:spcPts val="0"/>
+              </a:spcBef>
+              <a:spcAft>
+                <a:spcPts val="0"/>
+              </a:spcAft>
+              <a:buClrTx/>
+              <a:buSzTx/>
+              <a:buFontTx/>
+              <a:buNone/>
+              <a:tabLst/>
+              <a:defRPr/>
+            </a:pPr>
+            <a:r>
+              <a:rPr lang="en-US" dirty="0" smtClean="0"/>
+              <a:t>Describe the output</a:t>
+            </a:r>
+            <a:r>
+              <a:rPr lang="en-US" baseline="0" dirty="0" smtClean="0"/>
+              <a:t>.</a:t>
+            </a:r>
+          </a:p>
+          <a:p>
+            <a:endParaRPr lang="en-US"/>
+          </a:p>
+        </p:txBody>
+      </p:sp>
+      <p:sp>
+        <p:nvSpPr>
+          <p:cNvPr id="4" name="Slide Number Placeholder 3"/>
+          <p:cNvSpPr>
+            <a:spLocks noGrp="1"/>
+          </p:cNvSpPr>
+          <p:nvPr>
+            <p:ph type="sldNum" sz="quarter" idx="10"/>
+          </p:nvPr>
+        </p:nvSpPr>
+        <p:spPr/>
+        <p:txBody>
+          <a:bodyPr/>
+          <a:lstStyle/>
+          <a:p>
+            <a:fld id="{272A2C59-8FC1-4ECF-913A-81D73AFE7A60}" type="slidenum">
+              <a:rPr lang="en-US" smtClean="0"/>
+              <a:t>12</a:t>
+            </a:fld>
+            <a:endParaRPr lang="en-US"/>
+          </a:p>
+        </p:txBody>
+      </p:sp>
+    </p:spTree>
+    <p:extLst>
+      <p:ext uri="{BB962C8B-B14F-4D97-AF65-F5344CB8AC3E}">
+        <p14:creationId xmlns:p14="http://schemas.microsoft.com/office/powerpoint/2010/main" val="683681119"/>
+      </p:ext>
+    </p:extLst>
+  </p:cSld>
+  <p:clrMapOvr>
+    <a:masterClrMapping/>
+  </p:clrMapOvr>
+</p:notes>
+</file>
+
 <file path=ppt/slideLayouts/slideLayout1.xml><?xml version="1.0" encoding="utf-8"?>
 <p:sldLayout xmlns:a="http://schemas.openxmlformats.org/drawingml/2006/main" xmlns:r="http://schemas.openxmlformats.org/officeDocument/2006/relationships" xmlns:p="http://schemas.openxmlformats.org/presentationml/2006/main" type="title" preserve="1">
   <p:cSld name="Title Slide">
@@ -1922,7 +2311,7 @@
               <a:pPr>
                 <a:defRPr/>
               </a:pPr>
-              <a:t>2/18/2019</a:t>
+              <a:t>2/20/2019</a:t>
             </a:fld>
             <a:endParaRPr lang="en-US"/>
           </a:p>
@@ -2543,6 +2932,1440 @@
       </p:grpSpPr>
       <p:sp>
         <p:nvSpPr>
+          <p:cNvPr id="2" name="Title 1"/>
+          <p:cNvSpPr>
+            <a:spLocks noGrp="1"/>
+          </p:cNvSpPr>
+          <p:nvPr>
+            <p:ph type="title"/>
+          </p:nvPr>
+        </p:nvSpPr>
+        <p:spPr/>
+        <p:txBody>
+          <a:bodyPr/>
+          <a:lstStyle/>
+          <a:p>
+            <a:r>
+              <a:rPr lang="en-US" dirty="0" smtClean="0"/>
+              <a:t>%</a:t>
+            </a:r>
+            <a:r>
+              <a:rPr lang="en-US" dirty="0" err="1" smtClean="0"/>
+              <a:t>install_github</a:t>
+            </a:r>
+            <a:r>
+              <a:rPr lang="en-US" dirty="0" smtClean="0"/>
+              <a:t> Source Code</a:t>
+            </a:r>
+            <a:endParaRPr lang="en-US" dirty="0"/>
+          </a:p>
+        </p:txBody>
+      </p:sp>
+      <p:sp>
+        <p:nvSpPr>
+          <p:cNvPr id="3" name="Content Placeholder 2"/>
+          <p:cNvSpPr>
+            <a:spLocks noGrp="1"/>
+          </p:cNvSpPr>
+          <p:nvPr>
+            <p:ph idx="1"/>
+          </p:nvPr>
+        </p:nvSpPr>
+        <p:spPr>
+          <a:xfrm>
+            <a:off x="0" y="914400"/>
+            <a:ext cx="9144000" cy="3371850"/>
+          </a:xfrm>
+        </p:spPr>
+        <p:txBody>
+          <a:bodyPr/>
+          <a:lstStyle/>
+          <a:p>
+            <a:pPr marL="0" indent="0">
+              <a:buNone/>
+            </a:pPr>
+            <a:r>
+              <a:rPr lang="en-US" dirty="0" smtClean="0"/>
+              <a:t>Hitting the GitHub API:</a:t>
+            </a:r>
+          </a:p>
+          <a:p>
+            <a:pPr marL="400050" lvl="1" indent="0">
+              <a:buNone/>
+            </a:pPr>
+            <a:r>
+              <a:rPr lang="en-US" sz="2000" dirty="0" smtClean="0">
+                <a:latin typeface="Courier New" panose="02070309020205020404" pitchFamily="49" charset="0"/>
+                <a:cs typeface="Courier New" panose="02070309020205020404" pitchFamily="49" charset="0"/>
+              </a:rPr>
+              <a:t>filename </a:t>
+            </a:r>
+            <a:r>
+              <a:rPr lang="en-US" sz="2000" b="1" dirty="0" err="1">
+                <a:latin typeface="Courier New" panose="02070309020205020404" pitchFamily="49" charset="0"/>
+                <a:cs typeface="Courier New" panose="02070309020205020404" pitchFamily="49" charset="0"/>
+              </a:rPr>
+              <a:t>inFolder</a:t>
+            </a:r>
+            <a:r>
+              <a:rPr lang="en-US" sz="2000" dirty="0">
+                <a:latin typeface="Courier New" panose="02070309020205020404" pitchFamily="49" charset="0"/>
+                <a:cs typeface="Courier New" panose="02070309020205020404" pitchFamily="49" charset="0"/>
+              </a:rPr>
+              <a:t> temp</a:t>
+            </a:r>
+            <a:r>
+              <a:rPr lang="en-US" sz="2000" dirty="0" smtClean="0">
+                <a:latin typeface="Courier New" panose="02070309020205020404" pitchFamily="49" charset="0"/>
+                <a:cs typeface="Courier New" panose="02070309020205020404" pitchFamily="49" charset="0"/>
+              </a:rPr>
+              <a:t>;	*assign </a:t>
+            </a:r>
+            <a:r>
+              <a:rPr lang="en-US" sz="2000" i="1" dirty="0" err="1" smtClean="0">
+                <a:latin typeface="Courier New" panose="02070309020205020404" pitchFamily="49" charset="0"/>
+                <a:cs typeface="Courier New" panose="02070309020205020404" pitchFamily="49" charset="0"/>
+              </a:rPr>
+              <a:t>fileref</a:t>
+            </a:r>
+            <a:r>
+              <a:rPr lang="en-US" sz="2000" dirty="0" smtClean="0">
+                <a:latin typeface="Courier New" panose="02070309020205020404" pitchFamily="49" charset="0"/>
+                <a:cs typeface="Courier New" panose="02070309020205020404" pitchFamily="49" charset="0"/>
+              </a:rPr>
+              <a:t>;</a:t>
+            </a:r>
+          </a:p>
+          <a:p>
+            <a:pPr marL="400050" lvl="1" indent="0">
+              <a:buNone/>
+            </a:pPr>
+            <a:r>
+              <a:rPr lang="en-US" sz="2000" b="1" dirty="0" err="1">
+                <a:latin typeface="Courier New" panose="02070309020205020404" pitchFamily="49" charset="0"/>
+                <a:cs typeface="Courier New" panose="02070309020205020404" pitchFamily="49" charset="0"/>
+              </a:rPr>
+              <a:t>proc</a:t>
+            </a:r>
+            <a:r>
+              <a:rPr lang="en-US" sz="2000" dirty="0">
+                <a:latin typeface="Courier New" panose="02070309020205020404" pitchFamily="49" charset="0"/>
+                <a:cs typeface="Courier New" panose="02070309020205020404" pitchFamily="49" charset="0"/>
+              </a:rPr>
+              <a:t> </a:t>
+            </a:r>
+            <a:r>
+              <a:rPr lang="en-US" sz="2000" b="1" dirty="0">
+                <a:latin typeface="Courier New" panose="02070309020205020404" pitchFamily="49" charset="0"/>
+                <a:cs typeface="Courier New" panose="02070309020205020404" pitchFamily="49" charset="0"/>
+              </a:rPr>
+              <a:t>http</a:t>
+            </a:r>
+            <a:endParaRPr lang="en-US" sz="2000" dirty="0">
+              <a:latin typeface="Courier New" panose="02070309020205020404" pitchFamily="49" charset="0"/>
+              <a:cs typeface="Courier New" panose="02070309020205020404" pitchFamily="49" charset="0"/>
+            </a:endParaRPr>
+          </a:p>
+          <a:p>
+            <a:pPr marL="400050" lvl="1" indent="0">
+              <a:buNone/>
+            </a:pPr>
+            <a:r>
+              <a:rPr lang="en-US" sz="2000" dirty="0" smtClean="0">
+                <a:latin typeface="Courier New" panose="02070309020205020404" pitchFamily="49" charset="0"/>
+                <a:cs typeface="Courier New" panose="02070309020205020404" pitchFamily="49" charset="0"/>
+              </a:rPr>
+              <a:t>  </a:t>
+            </a:r>
+            <a:r>
+              <a:rPr lang="en-US" sz="2000" dirty="0" err="1">
+                <a:latin typeface="Courier New" panose="02070309020205020404" pitchFamily="49" charset="0"/>
+                <a:cs typeface="Courier New" panose="02070309020205020404" pitchFamily="49" charset="0"/>
+              </a:rPr>
+              <a:t>url</a:t>
+            </a:r>
+            <a:r>
+              <a:rPr lang="en-US" sz="2000" dirty="0">
+                <a:latin typeface="Courier New" panose="02070309020205020404" pitchFamily="49" charset="0"/>
+                <a:cs typeface="Courier New" panose="02070309020205020404" pitchFamily="49" charset="0"/>
+              </a:rPr>
+              <a:t> = </a:t>
+            </a:r>
+            <a:r>
+              <a:rPr lang="en-US" sz="2000" dirty="0" smtClean="0">
+                <a:latin typeface="Courier New" panose="02070309020205020404" pitchFamily="49" charset="0"/>
+                <a:cs typeface="Courier New" panose="02070309020205020404" pitchFamily="49" charset="0"/>
+              </a:rPr>
+              <a:t>"&amp;</a:t>
+            </a:r>
+            <a:r>
+              <a:rPr lang="en-US" sz="2000" dirty="0" err="1" smtClean="0">
+                <a:latin typeface="Courier New" panose="02070309020205020404" pitchFamily="49" charset="0"/>
+                <a:cs typeface="Courier New" panose="02070309020205020404" pitchFamily="49" charset="0"/>
+              </a:rPr>
+              <a:t>folderURL</a:t>
+            </a:r>
+            <a:r>
+              <a:rPr lang="en-US" sz="2000" dirty="0" smtClean="0">
+                <a:latin typeface="Courier New" panose="02070309020205020404" pitchFamily="49" charset="0"/>
+                <a:cs typeface="Courier New" panose="02070309020205020404" pitchFamily="49" charset="0"/>
+              </a:rPr>
+              <a:t>"	/*point to GitHub*/</a:t>
+            </a:r>
+            <a:endParaRPr lang="en-US" sz="2000" dirty="0">
+              <a:latin typeface="Courier New" panose="02070309020205020404" pitchFamily="49" charset="0"/>
+              <a:cs typeface="Courier New" panose="02070309020205020404" pitchFamily="49" charset="0"/>
+            </a:endParaRPr>
+          </a:p>
+          <a:p>
+            <a:pPr marL="400050" lvl="1" indent="0">
+              <a:buNone/>
+            </a:pPr>
+            <a:r>
+              <a:rPr lang="en-US" sz="2000" dirty="0" smtClean="0">
+                <a:latin typeface="Courier New" panose="02070309020205020404" pitchFamily="49" charset="0"/>
+                <a:cs typeface="Courier New" panose="02070309020205020404" pitchFamily="49" charset="0"/>
+              </a:rPr>
+              <a:t>  </a:t>
+            </a:r>
+            <a:r>
+              <a:rPr lang="en-US" sz="2000" dirty="0">
+                <a:latin typeface="Courier New" panose="02070309020205020404" pitchFamily="49" charset="0"/>
+                <a:cs typeface="Courier New" panose="02070309020205020404" pitchFamily="49" charset="0"/>
+              </a:rPr>
+              <a:t>method = </a:t>
+            </a:r>
+            <a:r>
+              <a:rPr lang="en-US" sz="2000" dirty="0" smtClean="0">
+                <a:latin typeface="Courier New" panose="02070309020205020404" pitchFamily="49" charset="0"/>
+                <a:cs typeface="Courier New" panose="02070309020205020404" pitchFamily="49" charset="0"/>
+              </a:rPr>
+              <a:t>'GET'	/*request data*/</a:t>
+            </a:r>
+            <a:endParaRPr lang="en-US" sz="2000" dirty="0">
+              <a:latin typeface="Courier New" panose="02070309020205020404" pitchFamily="49" charset="0"/>
+              <a:cs typeface="Courier New" panose="02070309020205020404" pitchFamily="49" charset="0"/>
+            </a:endParaRPr>
+          </a:p>
+          <a:p>
+            <a:pPr marL="400050" lvl="1" indent="0">
+              <a:buNone/>
+            </a:pPr>
+            <a:r>
+              <a:rPr lang="en-US" sz="2000" dirty="0" smtClean="0">
+                <a:latin typeface="Courier New" panose="02070309020205020404" pitchFamily="49" charset="0"/>
+                <a:cs typeface="Courier New" panose="02070309020205020404" pitchFamily="49" charset="0"/>
+              </a:rPr>
+              <a:t>  </a:t>
+            </a:r>
+            <a:r>
+              <a:rPr lang="en-US" sz="2000" dirty="0">
+                <a:latin typeface="Courier New" panose="02070309020205020404" pitchFamily="49" charset="0"/>
+                <a:cs typeface="Courier New" panose="02070309020205020404" pitchFamily="49" charset="0"/>
+              </a:rPr>
+              <a:t>out = </a:t>
+            </a:r>
+            <a:r>
+              <a:rPr lang="en-US" sz="2000" b="1" dirty="0" err="1" smtClean="0">
+                <a:latin typeface="Courier New" panose="02070309020205020404" pitchFamily="49" charset="0"/>
+                <a:cs typeface="Courier New" panose="02070309020205020404" pitchFamily="49" charset="0"/>
+              </a:rPr>
+              <a:t>inFolder</a:t>
+            </a:r>
+            <a:r>
+              <a:rPr lang="en-US" sz="2000" dirty="0" smtClean="0">
+                <a:latin typeface="Courier New" panose="02070309020205020404" pitchFamily="49" charset="0"/>
+                <a:cs typeface="Courier New" panose="02070309020205020404" pitchFamily="49" charset="0"/>
+              </a:rPr>
+              <a:t>;	/*direct response to </a:t>
+            </a:r>
+            <a:r>
+              <a:rPr lang="en-US" sz="2000" i="1" dirty="0" err="1" smtClean="0">
+                <a:latin typeface="Courier New" panose="02070309020205020404" pitchFamily="49" charset="0"/>
+                <a:cs typeface="Courier New" panose="02070309020205020404" pitchFamily="49" charset="0"/>
+              </a:rPr>
+              <a:t>fileref</a:t>
+            </a:r>
+            <a:r>
+              <a:rPr lang="en-US" sz="2000" dirty="0" smtClean="0">
+                <a:latin typeface="Courier New" panose="02070309020205020404" pitchFamily="49" charset="0"/>
+                <a:cs typeface="Courier New" panose="02070309020205020404" pitchFamily="49" charset="0"/>
+              </a:rPr>
+              <a:t>*/</a:t>
+            </a:r>
+            <a:endParaRPr lang="en-US" sz="2000" dirty="0">
+              <a:latin typeface="Courier New" panose="02070309020205020404" pitchFamily="49" charset="0"/>
+              <a:cs typeface="Courier New" panose="02070309020205020404" pitchFamily="49" charset="0"/>
+            </a:endParaRPr>
+          </a:p>
+          <a:p>
+            <a:pPr marL="400050" lvl="1" indent="0">
+              <a:buNone/>
+            </a:pPr>
+            <a:r>
+              <a:rPr lang="en-US" sz="2000" b="1" dirty="0">
+                <a:latin typeface="Courier New" panose="02070309020205020404" pitchFamily="49" charset="0"/>
+                <a:cs typeface="Courier New" panose="02070309020205020404" pitchFamily="49" charset="0"/>
+              </a:rPr>
+              <a:t>run</a:t>
+            </a:r>
+            <a:r>
+              <a:rPr lang="en-US" sz="2000" dirty="0" smtClean="0">
+                <a:latin typeface="Courier New" panose="02070309020205020404" pitchFamily="49" charset="0"/>
+                <a:cs typeface="Courier New" panose="02070309020205020404" pitchFamily="49" charset="0"/>
+              </a:rPr>
+              <a:t>;</a:t>
+            </a:r>
+          </a:p>
+          <a:p>
+            <a:pPr marL="400050" lvl="1" indent="0">
+              <a:buNone/>
+            </a:pPr>
+            <a:r>
+              <a:rPr lang="en-US" sz="2000" dirty="0" err="1">
+                <a:latin typeface="Courier New" panose="02070309020205020404" pitchFamily="49" charset="0"/>
+                <a:cs typeface="Courier New" panose="02070309020205020404" pitchFamily="49" charset="0"/>
+              </a:rPr>
+              <a:t>libname</a:t>
+            </a:r>
+            <a:r>
+              <a:rPr lang="en-US" sz="2000" dirty="0">
+                <a:latin typeface="Courier New" panose="02070309020205020404" pitchFamily="49" charset="0"/>
+                <a:cs typeface="Courier New" panose="02070309020205020404" pitchFamily="49" charset="0"/>
+              </a:rPr>
+              <a:t> </a:t>
+            </a:r>
+            <a:r>
+              <a:rPr lang="en-US" sz="2000" dirty="0" err="1">
+                <a:latin typeface="Courier New" panose="02070309020205020404" pitchFamily="49" charset="0"/>
+                <a:cs typeface="Courier New" panose="02070309020205020404" pitchFamily="49" charset="0"/>
+              </a:rPr>
+              <a:t>inFolder</a:t>
+            </a:r>
+            <a:r>
+              <a:rPr lang="en-US" sz="2000" dirty="0">
+                <a:latin typeface="Courier New" panose="02070309020205020404" pitchFamily="49" charset="0"/>
+                <a:cs typeface="Courier New" panose="02070309020205020404" pitchFamily="49" charset="0"/>
+              </a:rPr>
+              <a:t> </a:t>
+            </a:r>
+            <a:r>
+              <a:rPr lang="en-US" sz="2000" dirty="0" err="1" smtClean="0">
+                <a:latin typeface="Courier New" panose="02070309020205020404" pitchFamily="49" charset="0"/>
+                <a:cs typeface="Courier New" panose="02070309020205020404" pitchFamily="49" charset="0"/>
+              </a:rPr>
+              <a:t>json</a:t>
+            </a:r>
+            <a:endParaRPr lang="en-US" sz="2000" dirty="0" smtClean="0">
+              <a:latin typeface="Courier New" panose="02070309020205020404" pitchFamily="49" charset="0"/>
+              <a:cs typeface="Courier New" panose="02070309020205020404" pitchFamily="49" charset="0"/>
+            </a:endParaRPr>
+          </a:p>
+          <a:p>
+            <a:pPr marL="400050" lvl="1" indent="0">
+              <a:buNone/>
+            </a:pPr>
+            <a:r>
+              <a:rPr lang="en-US" sz="2000" dirty="0" smtClean="0">
+                <a:latin typeface="Courier New" panose="02070309020205020404" pitchFamily="49" charset="0"/>
+                <a:cs typeface="Courier New" panose="02070309020205020404" pitchFamily="49" charset="0"/>
+              </a:rPr>
+              <a:t>    </a:t>
+            </a:r>
+            <a:r>
+              <a:rPr lang="en-US" sz="2000" dirty="0" err="1" smtClean="0">
+                <a:latin typeface="Courier New" panose="02070309020205020404" pitchFamily="49" charset="0"/>
+                <a:cs typeface="Courier New" panose="02070309020205020404" pitchFamily="49" charset="0"/>
+              </a:rPr>
+              <a:t>fileref</a:t>
+            </a:r>
+            <a:r>
+              <a:rPr lang="en-US" sz="2000" dirty="0" smtClean="0">
+                <a:latin typeface="Courier New" panose="02070309020205020404" pitchFamily="49" charset="0"/>
+                <a:cs typeface="Courier New" panose="02070309020205020404" pitchFamily="49" charset="0"/>
+              </a:rPr>
+              <a:t> </a:t>
+            </a:r>
+            <a:r>
+              <a:rPr lang="en-US" sz="2000" dirty="0">
+                <a:latin typeface="Courier New" panose="02070309020205020404" pitchFamily="49" charset="0"/>
+                <a:cs typeface="Courier New" panose="02070309020205020404" pitchFamily="49" charset="0"/>
+              </a:rPr>
+              <a:t>= </a:t>
+            </a:r>
+            <a:r>
+              <a:rPr lang="en-US" sz="2000" b="1" dirty="0" err="1">
+                <a:latin typeface="Courier New" panose="02070309020205020404" pitchFamily="49" charset="0"/>
+                <a:cs typeface="Courier New" panose="02070309020205020404" pitchFamily="49" charset="0"/>
+              </a:rPr>
+              <a:t>inFolder</a:t>
+            </a:r>
+            <a:r>
+              <a:rPr lang="en-US" sz="2000" dirty="0" smtClean="0">
+                <a:latin typeface="Courier New" panose="02070309020205020404" pitchFamily="49" charset="0"/>
+                <a:cs typeface="Courier New" panose="02070309020205020404" pitchFamily="49" charset="0"/>
+              </a:rPr>
+              <a:t>;	*assign </a:t>
+            </a:r>
+            <a:r>
+              <a:rPr lang="en-US" sz="2000" i="1" dirty="0" err="1" smtClean="0">
+                <a:latin typeface="Courier New" panose="02070309020205020404" pitchFamily="49" charset="0"/>
+                <a:cs typeface="Courier New" panose="02070309020205020404" pitchFamily="49" charset="0"/>
+              </a:rPr>
+              <a:t>libref</a:t>
+            </a:r>
+            <a:r>
+              <a:rPr lang="en-US" sz="2000" dirty="0" smtClean="0">
+                <a:latin typeface="Courier New" panose="02070309020205020404" pitchFamily="49" charset="0"/>
+                <a:cs typeface="Courier New" panose="02070309020205020404" pitchFamily="49" charset="0"/>
+              </a:rPr>
+              <a:t> to </a:t>
+            </a:r>
+            <a:r>
+              <a:rPr lang="en-US" sz="2000" i="1" dirty="0" err="1" smtClean="0">
+                <a:latin typeface="Courier New" panose="02070309020205020404" pitchFamily="49" charset="0"/>
+                <a:cs typeface="Courier New" panose="02070309020205020404" pitchFamily="49" charset="0"/>
+              </a:rPr>
+              <a:t>fileref</a:t>
+            </a:r>
+            <a:r>
+              <a:rPr lang="en-US" sz="2000" dirty="0" smtClean="0">
+                <a:latin typeface="Courier New" panose="02070309020205020404" pitchFamily="49" charset="0"/>
+                <a:cs typeface="Courier New" panose="02070309020205020404" pitchFamily="49" charset="0"/>
+              </a:rPr>
+              <a:t>;</a:t>
+            </a:r>
+            <a:endParaRPr lang="en-US" sz="2000" dirty="0">
+              <a:latin typeface="Courier New" panose="02070309020205020404" pitchFamily="49" charset="0"/>
+              <a:cs typeface="Courier New" panose="02070309020205020404" pitchFamily="49" charset="0"/>
+            </a:endParaRPr>
+          </a:p>
+          <a:p>
+            <a:pPr marL="0" indent="0">
+              <a:buNone/>
+            </a:pPr>
+            <a:endParaRPr lang="en-US" dirty="0"/>
+          </a:p>
+        </p:txBody>
+      </p:sp>
+    </p:spTree>
+    <p:extLst>
+      <p:ext uri="{BB962C8B-B14F-4D97-AF65-F5344CB8AC3E}">
+        <p14:creationId xmlns:p14="http://schemas.microsoft.com/office/powerpoint/2010/main" val="3830796658"/>
+      </p:ext>
+    </p:extLst>
+  </p:cSld>
+  <p:clrMapOvr>
+    <a:masterClrMapping/>
+  </p:clrMapOvr>
+  <p:timing>
+    <p:tnLst>
+      <p:par>
+        <p:cTn id="1" dur="indefinite" restart="never" nodeType="tmRoot">
+          <p:childTnLst>
+            <p:seq concurrent="1" nextAc="seek">
+              <p:cTn id="2" dur="indefinite" nodeType="mainSeq">
+                <p:childTnLst>
+                  <p:par>
+                    <p:cTn id="3" fill="hold">
+                      <p:stCondLst>
+                        <p:cond delay="indefinite"/>
+                      </p:stCondLst>
+                      <p:childTnLst>
+                        <p:par>
+                          <p:cTn id="4" fill="hold">
+                            <p:stCondLst>
+                              <p:cond delay="0"/>
+                            </p:stCondLst>
+                            <p:childTnLst>
+                              <p:par>
+                                <p:cTn id="5" presetID="10" presetClass="entr" presetSubtype="0" fill="hold" nodeType="clickEffect">
+                                  <p:stCondLst>
+                                    <p:cond delay="0"/>
+                                  </p:stCondLst>
+                                  <p:childTnLst>
+                                    <p:set>
+                                      <p:cBhvr>
+                                        <p:cTn id="6" dur="1" fill="hold">
+                                          <p:stCondLst>
+                                            <p:cond delay="0"/>
+                                          </p:stCondLst>
+                                        </p:cTn>
+                                        <p:tgtEl>
+                                          <p:spTgt spid="3">
+                                            <p:txEl>
+                                              <p:pRg st="0" end="0"/>
+                                            </p:txEl>
+                                          </p:spTgt>
+                                        </p:tgtEl>
+                                        <p:attrNameLst>
+                                          <p:attrName>style.visibility</p:attrName>
+                                        </p:attrNameLst>
+                                      </p:cBhvr>
+                                      <p:to>
+                                        <p:strVal val="visible"/>
+                                      </p:to>
+                                    </p:set>
+                                    <p:animEffect transition="in" filter="fade">
+                                      <p:cBhvr>
+                                        <p:cTn id="7" dur="500"/>
+                                        <p:tgtEl>
+                                          <p:spTgt spid="3">
+                                            <p:txEl>
+                                              <p:pRg st="0" end="0"/>
+                                            </p:txEl>
+                                          </p:spTgt>
+                                        </p:tgtEl>
+                                      </p:cBhvr>
+                                    </p:animEffect>
+                                  </p:childTnLst>
+                                </p:cTn>
+                              </p:par>
+                            </p:childTnLst>
+                          </p:cTn>
+                        </p:par>
+                      </p:childTnLst>
+                    </p:cTn>
+                  </p:par>
+                  <p:par>
+                    <p:cTn id="8" fill="hold">
+                      <p:stCondLst>
+                        <p:cond delay="indefinite"/>
+                      </p:stCondLst>
+                      <p:childTnLst>
+                        <p:par>
+                          <p:cTn id="9" fill="hold">
+                            <p:stCondLst>
+                              <p:cond delay="0"/>
+                            </p:stCondLst>
+                            <p:childTnLst>
+                              <p:par>
+                                <p:cTn id="10" presetID="10" presetClass="entr" presetSubtype="0" fill="hold" nodeType="clickEffect">
+                                  <p:stCondLst>
+                                    <p:cond delay="0"/>
+                                  </p:stCondLst>
+                                  <p:childTnLst>
+                                    <p:set>
+                                      <p:cBhvr>
+                                        <p:cTn id="11" dur="1" fill="hold">
+                                          <p:stCondLst>
+                                            <p:cond delay="0"/>
+                                          </p:stCondLst>
+                                        </p:cTn>
+                                        <p:tgtEl>
+                                          <p:spTgt spid="3">
+                                            <p:txEl>
+                                              <p:pRg st="1" end="1"/>
+                                            </p:txEl>
+                                          </p:spTgt>
+                                        </p:tgtEl>
+                                        <p:attrNameLst>
+                                          <p:attrName>style.visibility</p:attrName>
+                                        </p:attrNameLst>
+                                      </p:cBhvr>
+                                      <p:to>
+                                        <p:strVal val="visible"/>
+                                      </p:to>
+                                    </p:set>
+                                    <p:animEffect transition="in" filter="fade">
+                                      <p:cBhvr>
+                                        <p:cTn id="12" dur="500"/>
+                                        <p:tgtEl>
+                                          <p:spTgt spid="3">
+                                            <p:txEl>
+                                              <p:pRg st="1" end="1"/>
+                                            </p:txEl>
+                                          </p:spTgt>
+                                        </p:tgtEl>
+                                      </p:cBhvr>
+                                    </p:animEffect>
+                                  </p:childTnLst>
+                                </p:cTn>
+                              </p:par>
+                            </p:childTnLst>
+                          </p:cTn>
+                        </p:par>
+                      </p:childTnLst>
+                    </p:cTn>
+                  </p:par>
+                  <p:par>
+                    <p:cTn id="13" fill="hold">
+                      <p:stCondLst>
+                        <p:cond delay="indefinite"/>
+                      </p:stCondLst>
+                      <p:childTnLst>
+                        <p:par>
+                          <p:cTn id="14" fill="hold">
+                            <p:stCondLst>
+                              <p:cond delay="0"/>
+                            </p:stCondLst>
+                            <p:childTnLst>
+                              <p:par>
+                                <p:cTn id="15" presetID="10" presetClass="entr" presetSubtype="0" fill="hold" nodeType="clickEffect">
+                                  <p:stCondLst>
+                                    <p:cond delay="0"/>
+                                  </p:stCondLst>
+                                  <p:childTnLst>
+                                    <p:set>
+                                      <p:cBhvr>
+                                        <p:cTn id="16" dur="1" fill="hold">
+                                          <p:stCondLst>
+                                            <p:cond delay="0"/>
+                                          </p:stCondLst>
+                                        </p:cTn>
+                                        <p:tgtEl>
+                                          <p:spTgt spid="3">
+                                            <p:txEl>
+                                              <p:pRg st="2" end="2"/>
+                                            </p:txEl>
+                                          </p:spTgt>
+                                        </p:tgtEl>
+                                        <p:attrNameLst>
+                                          <p:attrName>style.visibility</p:attrName>
+                                        </p:attrNameLst>
+                                      </p:cBhvr>
+                                      <p:to>
+                                        <p:strVal val="visible"/>
+                                      </p:to>
+                                    </p:set>
+                                    <p:animEffect transition="in" filter="fade">
+                                      <p:cBhvr>
+                                        <p:cTn id="17" dur="500"/>
+                                        <p:tgtEl>
+                                          <p:spTgt spid="3">
+                                            <p:txEl>
+                                              <p:pRg st="2" end="2"/>
+                                            </p:txEl>
+                                          </p:spTgt>
+                                        </p:tgtEl>
+                                      </p:cBhvr>
+                                    </p:animEffect>
+                                  </p:childTnLst>
+                                </p:cTn>
+                              </p:par>
+                              <p:par>
+                                <p:cTn id="18" presetID="10" presetClass="entr" presetSubtype="0" fill="hold" nodeType="withEffect">
+                                  <p:stCondLst>
+                                    <p:cond delay="0"/>
+                                  </p:stCondLst>
+                                  <p:childTnLst>
+                                    <p:set>
+                                      <p:cBhvr>
+                                        <p:cTn id="19" dur="1" fill="hold">
+                                          <p:stCondLst>
+                                            <p:cond delay="0"/>
+                                          </p:stCondLst>
+                                        </p:cTn>
+                                        <p:tgtEl>
+                                          <p:spTgt spid="3">
+                                            <p:txEl>
+                                              <p:pRg st="3" end="3"/>
+                                            </p:txEl>
+                                          </p:spTgt>
+                                        </p:tgtEl>
+                                        <p:attrNameLst>
+                                          <p:attrName>style.visibility</p:attrName>
+                                        </p:attrNameLst>
+                                      </p:cBhvr>
+                                      <p:to>
+                                        <p:strVal val="visible"/>
+                                      </p:to>
+                                    </p:set>
+                                    <p:animEffect transition="in" filter="fade">
+                                      <p:cBhvr>
+                                        <p:cTn id="20" dur="500"/>
+                                        <p:tgtEl>
+                                          <p:spTgt spid="3">
+                                            <p:txEl>
+                                              <p:pRg st="3" end="3"/>
+                                            </p:txEl>
+                                          </p:spTgt>
+                                        </p:tgtEl>
+                                      </p:cBhvr>
+                                    </p:animEffect>
+                                  </p:childTnLst>
+                                </p:cTn>
+                              </p:par>
+                              <p:par>
+                                <p:cTn id="21" presetID="10" presetClass="entr" presetSubtype="0" fill="hold" nodeType="withEffect">
+                                  <p:stCondLst>
+                                    <p:cond delay="0"/>
+                                  </p:stCondLst>
+                                  <p:childTnLst>
+                                    <p:set>
+                                      <p:cBhvr>
+                                        <p:cTn id="22" dur="1" fill="hold">
+                                          <p:stCondLst>
+                                            <p:cond delay="0"/>
+                                          </p:stCondLst>
+                                        </p:cTn>
+                                        <p:tgtEl>
+                                          <p:spTgt spid="3">
+                                            <p:txEl>
+                                              <p:pRg st="4" end="4"/>
+                                            </p:txEl>
+                                          </p:spTgt>
+                                        </p:tgtEl>
+                                        <p:attrNameLst>
+                                          <p:attrName>style.visibility</p:attrName>
+                                        </p:attrNameLst>
+                                      </p:cBhvr>
+                                      <p:to>
+                                        <p:strVal val="visible"/>
+                                      </p:to>
+                                    </p:set>
+                                    <p:animEffect transition="in" filter="fade">
+                                      <p:cBhvr>
+                                        <p:cTn id="23" dur="500"/>
+                                        <p:tgtEl>
+                                          <p:spTgt spid="3">
+                                            <p:txEl>
+                                              <p:pRg st="4" end="4"/>
+                                            </p:txEl>
+                                          </p:spTgt>
+                                        </p:tgtEl>
+                                      </p:cBhvr>
+                                    </p:animEffect>
+                                  </p:childTnLst>
+                                </p:cTn>
+                              </p:par>
+                              <p:par>
+                                <p:cTn id="24" presetID="10" presetClass="entr" presetSubtype="0" fill="hold" nodeType="withEffect">
+                                  <p:stCondLst>
+                                    <p:cond delay="0"/>
+                                  </p:stCondLst>
+                                  <p:childTnLst>
+                                    <p:set>
+                                      <p:cBhvr>
+                                        <p:cTn id="25" dur="1" fill="hold">
+                                          <p:stCondLst>
+                                            <p:cond delay="0"/>
+                                          </p:stCondLst>
+                                        </p:cTn>
+                                        <p:tgtEl>
+                                          <p:spTgt spid="3">
+                                            <p:txEl>
+                                              <p:pRg st="5" end="5"/>
+                                            </p:txEl>
+                                          </p:spTgt>
+                                        </p:tgtEl>
+                                        <p:attrNameLst>
+                                          <p:attrName>style.visibility</p:attrName>
+                                        </p:attrNameLst>
+                                      </p:cBhvr>
+                                      <p:to>
+                                        <p:strVal val="visible"/>
+                                      </p:to>
+                                    </p:set>
+                                    <p:animEffect transition="in" filter="fade">
+                                      <p:cBhvr>
+                                        <p:cTn id="26" dur="500"/>
+                                        <p:tgtEl>
+                                          <p:spTgt spid="3">
+                                            <p:txEl>
+                                              <p:pRg st="5" end="5"/>
+                                            </p:txEl>
+                                          </p:spTgt>
+                                        </p:tgtEl>
+                                      </p:cBhvr>
+                                    </p:animEffect>
+                                  </p:childTnLst>
+                                </p:cTn>
+                              </p:par>
+                              <p:par>
+                                <p:cTn id="27" presetID="10" presetClass="entr" presetSubtype="0" fill="hold" nodeType="withEffect">
+                                  <p:stCondLst>
+                                    <p:cond delay="0"/>
+                                  </p:stCondLst>
+                                  <p:childTnLst>
+                                    <p:set>
+                                      <p:cBhvr>
+                                        <p:cTn id="28" dur="1" fill="hold">
+                                          <p:stCondLst>
+                                            <p:cond delay="0"/>
+                                          </p:stCondLst>
+                                        </p:cTn>
+                                        <p:tgtEl>
+                                          <p:spTgt spid="3">
+                                            <p:txEl>
+                                              <p:pRg st="6" end="6"/>
+                                            </p:txEl>
+                                          </p:spTgt>
+                                        </p:tgtEl>
+                                        <p:attrNameLst>
+                                          <p:attrName>style.visibility</p:attrName>
+                                        </p:attrNameLst>
+                                      </p:cBhvr>
+                                      <p:to>
+                                        <p:strVal val="visible"/>
+                                      </p:to>
+                                    </p:set>
+                                    <p:animEffect transition="in" filter="fade">
+                                      <p:cBhvr>
+                                        <p:cTn id="29" dur="500"/>
+                                        <p:tgtEl>
+                                          <p:spTgt spid="3">
+                                            <p:txEl>
+                                              <p:pRg st="6" end="6"/>
+                                            </p:txEl>
+                                          </p:spTgt>
+                                        </p:tgtEl>
+                                      </p:cBhvr>
+                                    </p:animEffect>
+                                  </p:childTnLst>
+                                </p:cTn>
+                              </p:par>
+                            </p:childTnLst>
+                          </p:cTn>
+                        </p:par>
+                      </p:childTnLst>
+                    </p:cTn>
+                  </p:par>
+                  <p:par>
+                    <p:cTn id="30" fill="hold">
+                      <p:stCondLst>
+                        <p:cond delay="indefinite"/>
+                      </p:stCondLst>
+                      <p:childTnLst>
+                        <p:par>
+                          <p:cTn id="31" fill="hold">
+                            <p:stCondLst>
+                              <p:cond delay="0"/>
+                            </p:stCondLst>
+                            <p:childTnLst>
+                              <p:par>
+                                <p:cTn id="32" presetID="10" presetClass="entr" presetSubtype="0" fill="hold" nodeType="clickEffect">
+                                  <p:stCondLst>
+                                    <p:cond delay="0"/>
+                                  </p:stCondLst>
+                                  <p:childTnLst>
+                                    <p:set>
+                                      <p:cBhvr>
+                                        <p:cTn id="33" dur="1" fill="hold">
+                                          <p:stCondLst>
+                                            <p:cond delay="0"/>
+                                          </p:stCondLst>
+                                        </p:cTn>
+                                        <p:tgtEl>
+                                          <p:spTgt spid="3">
+                                            <p:txEl>
+                                              <p:pRg st="7" end="7"/>
+                                            </p:txEl>
+                                          </p:spTgt>
+                                        </p:tgtEl>
+                                        <p:attrNameLst>
+                                          <p:attrName>style.visibility</p:attrName>
+                                        </p:attrNameLst>
+                                      </p:cBhvr>
+                                      <p:to>
+                                        <p:strVal val="visible"/>
+                                      </p:to>
+                                    </p:set>
+                                    <p:animEffect transition="in" filter="fade">
+                                      <p:cBhvr>
+                                        <p:cTn id="34" dur="500"/>
+                                        <p:tgtEl>
+                                          <p:spTgt spid="3">
+                                            <p:txEl>
+                                              <p:pRg st="7" end="7"/>
+                                            </p:txEl>
+                                          </p:spTgt>
+                                        </p:tgtEl>
+                                      </p:cBhvr>
+                                    </p:animEffect>
+                                  </p:childTnLst>
+                                </p:cTn>
+                              </p:par>
+                              <p:par>
+                                <p:cTn id="35" presetID="10" presetClass="entr" presetSubtype="0" fill="hold" nodeType="withEffect">
+                                  <p:stCondLst>
+                                    <p:cond delay="0"/>
+                                  </p:stCondLst>
+                                  <p:childTnLst>
+                                    <p:set>
+                                      <p:cBhvr>
+                                        <p:cTn id="36" dur="1" fill="hold">
+                                          <p:stCondLst>
+                                            <p:cond delay="0"/>
+                                          </p:stCondLst>
+                                        </p:cTn>
+                                        <p:tgtEl>
+                                          <p:spTgt spid="3">
+                                            <p:txEl>
+                                              <p:pRg st="8" end="8"/>
+                                            </p:txEl>
+                                          </p:spTgt>
+                                        </p:tgtEl>
+                                        <p:attrNameLst>
+                                          <p:attrName>style.visibility</p:attrName>
+                                        </p:attrNameLst>
+                                      </p:cBhvr>
+                                      <p:to>
+                                        <p:strVal val="visible"/>
+                                      </p:to>
+                                    </p:set>
+                                    <p:animEffect transition="in" filter="fade">
+                                      <p:cBhvr>
+                                        <p:cTn id="37" dur="500"/>
+                                        <p:tgtEl>
+                                          <p:spTgt spid="3">
+                                            <p:txEl>
+                                              <p:pRg st="8" end="8"/>
+                                            </p:txEl>
+                                          </p:spTgt>
+                                        </p:tgtEl>
+                                      </p:cBhvr>
+                                    </p:animEffect>
+                                  </p:childTnLst>
+                                </p:cTn>
+                              </p:par>
+                            </p:childTnLst>
+                          </p:cTn>
+                        </p:par>
+                      </p:childTnLst>
+                    </p:cTn>
+                  </p:par>
+                </p:childTnLst>
+              </p:cTn>
+              <p:prevCondLst>
+                <p:cond evt="onPrev" delay="0">
+                  <p:tgtEl>
+                    <p:sldTgt/>
+                  </p:tgtEl>
+                </p:cond>
+              </p:prevCondLst>
+              <p:nextCondLst>
+                <p:cond evt="onNext" delay="0">
+                  <p:tgtEl>
+                    <p:sldTgt/>
+                  </p:tgtEl>
+                </p:cond>
+              </p:nextCondLst>
+            </p:seq>
+          </p:childTnLst>
+        </p:cTn>
+      </p:par>
+    </p:tnLst>
+  </p:timing>
+</p:sld>
+</file>
+
+<file path=ppt/slides/slide11.xml><?xml version="1.0" encoding="utf-8"?>
+<p:sld xmlns:a="http://schemas.openxmlformats.org/drawingml/2006/main" xmlns:r="http://schemas.openxmlformats.org/officeDocument/2006/relationships" xmlns:p="http://schemas.openxmlformats.org/presentationml/2006/main">
+  <p:cSld>
+    <p:spTree>
+      <p:nvGrpSpPr>
+        <p:cNvPr id="1" name=""/>
+        <p:cNvGrpSpPr/>
+        <p:nvPr/>
+      </p:nvGrpSpPr>
+      <p:grpSpPr>
+        <a:xfrm>
+          <a:off x="0" y="0"/>
+          <a:ext cx="0" cy="0"/>
+          <a:chOff x="0" y="0"/>
+          <a:chExt cx="0" cy="0"/>
+        </a:xfrm>
+      </p:grpSpPr>
+      <p:sp>
+        <p:nvSpPr>
+          <p:cNvPr id="7" name="Title 6"/>
+          <p:cNvSpPr>
+            <a:spLocks noGrp="1"/>
+          </p:cNvSpPr>
+          <p:nvPr>
+            <p:ph type="title"/>
+          </p:nvPr>
+        </p:nvSpPr>
+        <p:spPr/>
+        <p:txBody>
+          <a:bodyPr/>
+          <a:lstStyle/>
+          <a:p>
+            <a:r>
+              <a:rPr lang="en-US" sz="3600" dirty="0" smtClean="0"/>
+              <a:t>R Example</a:t>
+            </a:r>
+            <a:endParaRPr lang="en-US" sz="3600" dirty="0"/>
+          </a:p>
+        </p:txBody>
+      </p:sp>
+      <p:sp>
+        <p:nvSpPr>
+          <p:cNvPr id="9" name="Content Placeholder 8"/>
+          <p:cNvSpPr>
+            <a:spLocks noGrp="1"/>
+          </p:cNvSpPr>
+          <p:nvPr>
+            <p:ph sz="half" idx="1"/>
+          </p:nvPr>
+        </p:nvSpPr>
+        <p:spPr>
+          <a:xfrm>
+            <a:off x="0" y="857250"/>
+            <a:ext cx="4495800" cy="3429000"/>
+          </a:xfrm>
+        </p:spPr>
+        <p:txBody>
+          <a:bodyPr/>
+          <a:lstStyle/>
+          <a:p>
+            <a:pPr marL="0" indent="0">
+              <a:spcBef>
+                <a:spcPts val="0"/>
+              </a:spcBef>
+              <a:buNone/>
+            </a:pPr>
+            <a:endParaRPr lang="en-US" sz="2000" dirty="0" smtClean="0">
+              <a:latin typeface="Courier New" panose="02070309020205020404" pitchFamily="49" charset="0"/>
+              <a:cs typeface="Courier New" panose="02070309020205020404" pitchFamily="49" charset="0"/>
+            </a:endParaRPr>
+          </a:p>
+          <a:p>
+            <a:pPr marL="0" indent="0">
+              <a:spcBef>
+                <a:spcPts val="0"/>
+              </a:spcBef>
+              <a:buNone/>
+            </a:pPr>
+            <a:endParaRPr lang="en-US" sz="2000" dirty="0">
+              <a:latin typeface="Courier New" panose="02070309020205020404" pitchFamily="49" charset="0"/>
+              <a:cs typeface="Courier New" panose="02070309020205020404" pitchFamily="49" charset="0"/>
+            </a:endParaRPr>
+          </a:p>
+          <a:p>
+            <a:pPr marL="0" indent="0">
+              <a:spcBef>
+                <a:spcPts val="0"/>
+              </a:spcBef>
+              <a:buNone/>
+            </a:pPr>
+            <a:r>
+              <a:rPr lang="en-US" sz="2000" dirty="0" err="1" smtClean="0">
+                <a:latin typeface="Courier New" panose="02070309020205020404" pitchFamily="49" charset="0"/>
+                <a:cs typeface="Courier New" panose="02070309020205020404" pitchFamily="49" charset="0"/>
+              </a:rPr>
+              <a:t>devtools</a:t>
+            </a:r>
+            <a:r>
+              <a:rPr lang="en-US" sz="2000" dirty="0">
+                <a:latin typeface="Courier New" panose="02070309020205020404" pitchFamily="49" charset="0"/>
+                <a:cs typeface="Courier New" panose="02070309020205020404" pitchFamily="49" charset="0"/>
+              </a:rPr>
+              <a:t>::</a:t>
+            </a:r>
+            <a:r>
+              <a:rPr lang="en-US" sz="2000" dirty="0" err="1">
+                <a:latin typeface="Courier New" panose="02070309020205020404" pitchFamily="49" charset="0"/>
+                <a:cs typeface="Courier New" panose="02070309020205020404" pitchFamily="49" charset="0"/>
+              </a:rPr>
+              <a:t>install_github</a:t>
+            </a:r>
+            <a:r>
+              <a:rPr lang="en-US" sz="2000" dirty="0" smtClean="0">
+                <a:latin typeface="Courier New" panose="02070309020205020404" pitchFamily="49" charset="0"/>
+                <a:cs typeface="Courier New" panose="02070309020205020404" pitchFamily="49" charset="0"/>
+              </a:rPr>
+              <a:t>(</a:t>
+            </a:r>
+            <a:br>
+              <a:rPr lang="en-US" sz="2000" dirty="0" smtClean="0">
+                <a:latin typeface="Courier New" panose="02070309020205020404" pitchFamily="49" charset="0"/>
+                <a:cs typeface="Courier New" panose="02070309020205020404" pitchFamily="49" charset="0"/>
+              </a:rPr>
+            </a:br>
+            <a:r>
+              <a:rPr lang="en-US" sz="2000" dirty="0" smtClean="0">
+                <a:latin typeface="Courier New" panose="02070309020205020404" pitchFamily="49" charset="0"/>
+                <a:cs typeface="Courier New" panose="02070309020205020404" pitchFamily="49" charset="0"/>
+              </a:rPr>
+              <a:t>  '</a:t>
+            </a:r>
+            <a:r>
+              <a:rPr lang="en-US" sz="2000" dirty="0" err="1" smtClean="0">
+                <a:latin typeface="Courier New" panose="02070309020205020404" pitchFamily="49" charset="0"/>
+                <a:cs typeface="Courier New" panose="02070309020205020404" pitchFamily="49" charset="0"/>
+              </a:rPr>
+              <a:t>RhoInc</a:t>
+            </a:r>
+            <a:r>
+              <a:rPr lang="en-US" sz="2000" dirty="0" smtClean="0">
+                <a:latin typeface="Courier New" panose="02070309020205020404" pitchFamily="49" charset="0"/>
+                <a:cs typeface="Courier New" panose="02070309020205020404" pitchFamily="49" charset="0"/>
+              </a:rPr>
+              <a:t>/</a:t>
+            </a:r>
+            <a:r>
+              <a:rPr lang="en-US" sz="2000" dirty="0" err="1" smtClean="0">
+                <a:latin typeface="Courier New" panose="02070309020205020404" pitchFamily="49" charset="0"/>
+                <a:cs typeface="Courier New" panose="02070309020205020404" pitchFamily="49" charset="0"/>
+              </a:rPr>
+              <a:t>datadigest</a:t>
+            </a:r>
+            <a:r>
+              <a:rPr lang="en-US" sz="2000" dirty="0" smtClean="0">
+                <a:latin typeface="Courier New" panose="02070309020205020404" pitchFamily="49" charset="0"/>
+                <a:cs typeface="Courier New" panose="02070309020205020404" pitchFamily="49" charset="0"/>
+              </a:rPr>
+              <a:t>'</a:t>
+            </a:r>
+            <a:br>
+              <a:rPr lang="en-US" sz="2000" dirty="0" smtClean="0">
+                <a:latin typeface="Courier New" panose="02070309020205020404" pitchFamily="49" charset="0"/>
+                <a:cs typeface="Courier New" panose="02070309020205020404" pitchFamily="49" charset="0"/>
+              </a:rPr>
+            </a:br>
+            <a:r>
+              <a:rPr lang="en-US" sz="2000" dirty="0" smtClean="0">
+                <a:latin typeface="Courier New" panose="02070309020205020404" pitchFamily="49" charset="0"/>
+                <a:cs typeface="Courier New" panose="02070309020205020404" pitchFamily="49" charset="0"/>
+              </a:rPr>
+              <a:t>)</a:t>
+            </a:r>
+          </a:p>
+          <a:p>
+            <a:pPr marL="0" indent="0">
+              <a:spcBef>
+                <a:spcPts val="0"/>
+              </a:spcBef>
+              <a:buNone/>
+            </a:pPr>
+            <a:r>
+              <a:rPr lang="en-US" sz="2000" dirty="0" smtClean="0">
+                <a:latin typeface="Courier New" panose="02070309020205020404" pitchFamily="49" charset="0"/>
+                <a:cs typeface="Courier New" panose="02070309020205020404" pitchFamily="49" charset="0"/>
+              </a:rPr>
+              <a:t/>
+            </a:r>
+            <a:br>
+              <a:rPr lang="en-US" sz="2000" dirty="0" smtClean="0">
+                <a:latin typeface="Courier New" panose="02070309020205020404" pitchFamily="49" charset="0"/>
+                <a:cs typeface="Courier New" panose="02070309020205020404" pitchFamily="49" charset="0"/>
+              </a:rPr>
+            </a:br>
+            <a:r>
+              <a:rPr lang="en-US" sz="2000" dirty="0" err="1" smtClean="0">
+                <a:latin typeface="Courier New" panose="02070309020205020404" pitchFamily="49" charset="0"/>
+                <a:cs typeface="Courier New" panose="02070309020205020404" pitchFamily="49" charset="0"/>
+              </a:rPr>
+              <a:t>datadigest</a:t>
+            </a:r>
+            <a:r>
+              <a:rPr lang="en-US" sz="2000" dirty="0" smtClean="0">
+                <a:latin typeface="Courier New" panose="02070309020205020404" pitchFamily="49" charset="0"/>
+                <a:cs typeface="Courier New" panose="02070309020205020404" pitchFamily="49" charset="0"/>
+              </a:rPr>
+              <a:t>::codebook(</a:t>
+            </a:r>
+            <a:br>
+              <a:rPr lang="en-US" sz="2000" dirty="0" smtClean="0">
+                <a:latin typeface="Courier New" panose="02070309020205020404" pitchFamily="49" charset="0"/>
+                <a:cs typeface="Courier New" panose="02070309020205020404" pitchFamily="49" charset="0"/>
+              </a:rPr>
+            </a:br>
+            <a:r>
+              <a:rPr lang="en-US" sz="2000" dirty="0" smtClean="0">
+                <a:latin typeface="Courier New" panose="02070309020205020404" pitchFamily="49" charset="0"/>
+                <a:cs typeface="Courier New" panose="02070309020205020404" pitchFamily="49" charset="0"/>
+              </a:rPr>
+              <a:t>  data = </a:t>
+            </a:r>
+            <a:r>
+              <a:rPr lang="en-US" sz="2000" dirty="0" err="1" smtClean="0">
+                <a:latin typeface="Courier New" panose="02070309020205020404" pitchFamily="49" charset="0"/>
+                <a:cs typeface="Courier New" panose="02070309020205020404" pitchFamily="49" charset="0"/>
+              </a:rPr>
+              <a:t>mtcars</a:t>
+            </a:r>
+            <a:r>
+              <a:rPr lang="en-US" sz="2000" dirty="0" smtClean="0">
+                <a:latin typeface="Courier New" panose="02070309020205020404" pitchFamily="49" charset="0"/>
+                <a:cs typeface="Courier New" panose="02070309020205020404" pitchFamily="49" charset="0"/>
+              </a:rPr>
+              <a:t/>
+            </a:r>
+            <a:br>
+              <a:rPr lang="en-US" sz="2000" dirty="0" smtClean="0">
+                <a:latin typeface="Courier New" panose="02070309020205020404" pitchFamily="49" charset="0"/>
+                <a:cs typeface="Courier New" panose="02070309020205020404" pitchFamily="49" charset="0"/>
+              </a:rPr>
+            </a:br>
+            <a:r>
+              <a:rPr lang="en-US" sz="2000" dirty="0" smtClean="0">
+                <a:latin typeface="Courier New" panose="02070309020205020404" pitchFamily="49" charset="0"/>
+                <a:cs typeface="Courier New" panose="02070309020205020404" pitchFamily="49" charset="0"/>
+              </a:rPr>
+              <a:t>)</a:t>
+            </a:r>
+          </a:p>
+        </p:txBody>
+      </p:sp>
+      <p:pic>
+        <p:nvPicPr>
+          <p:cNvPr id="11" name="Content Placeholder 10"/>
+          <p:cNvPicPr>
+            <a:picLocks noGrp="1" noChangeAspect="1"/>
+          </p:cNvPicPr>
+          <p:nvPr>
+            <p:ph sz="half" idx="2"/>
+          </p:nvPr>
+        </p:nvPicPr>
+        <p:blipFill>
+          <a:blip r:embed="rId3" cstate="print">
+            <a:extLst>
+              <a:ext uri="{28A0092B-C50C-407E-A947-70E740481C1C}">
+                <a14:useLocalDpi xmlns:a14="http://schemas.microsoft.com/office/drawing/2010/main" val="0"/>
+              </a:ext>
+            </a:extLst>
+          </a:blip>
+          <a:stretch>
+            <a:fillRect/>
+          </a:stretch>
+        </p:blipFill>
+        <p:spPr>
+          <a:xfrm>
+            <a:off x="4419600" y="895350"/>
+            <a:ext cx="4671442" cy="3231305"/>
+          </a:xfrm>
+        </p:spPr>
+      </p:pic>
+    </p:spTree>
+    <p:extLst>
+      <p:ext uri="{BB962C8B-B14F-4D97-AF65-F5344CB8AC3E}">
+        <p14:creationId xmlns:p14="http://schemas.microsoft.com/office/powerpoint/2010/main" val="3743664277"/>
+      </p:ext>
+    </p:extLst>
+  </p:cSld>
+  <p:clrMapOvr>
+    <a:masterClrMapping/>
+  </p:clrMapOvr>
+  <p:timing>
+    <p:tnLst>
+      <p:par>
+        <p:cTn id="1" dur="indefinite" restart="never" nodeType="tmRoot">
+          <p:childTnLst>
+            <p:seq concurrent="1" nextAc="seek">
+              <p:cTn id="2" dur="indefinite" nodeType="mainSeq">
+                <p:childTnLst>
+                  <p:par>
+                    <p:cTn id="3" fill="hold">
+                      <p:stCondLst>
+                        <p:cond delay="indefinite"/>
+                      </p:stCondLst>
+                      <p:childTnLst>
+                        <p:par>
+                          <p:cTn id="4" fill="hold">
+                            <p:stCondLst>
+                              <p:cond delay="0"/>
+                            </p:stCondLst>
+                            <p:childTnLst>
+                              <p:par>
+                                <p:cTn id="5" presetID="10" presetClass="entr" presetSubtype="0" fill="hold" nodeType="clickEffect">
+                                  <p:stCondLst>
+                                    <p:cond delay="0"/>
+                                  </p:stCondLst>
+                                  <p:childTnLst>
+                                    <p:set>
+                                      <p:cBhvr>
+                                        <p:cTn id="6" dur="1" fill="hold">
+                                          <p:stCondLst>
+                                            <p:cond delay="0"/>
+                                          </p:stCondLst>
+                                        </p:cTn>
+                                        <p:tgtEl>
+                                          <p:spTgt spid="9">
+                                            <p:txEl>
+                                              <p:pRg st="2" end="2"/>
+                                            </p:txEl>
+                                          </p:spTgt>
+                                        </p:tgtEl>
+                                        <p:attrNameLst>
+                                          <p:attrName>style.visibility</p:attrName>
+                                        </p:attrNameLst>
+                                      </p:cBhvr>
+                                      <p:to>
+                                        <p:strVal val="visible"/>
+                                      </p:to>
+                                    </p:set>
+                                    <p:animEffect transition="in" filter="fade">
+                                      <p:cBhvr>
+                                        <p:cTn id="7" dur="500"/>
+                                        <p:tgtEl>
+                                          <p:spTgt spid="9">
+                                            <p:txEl>
+                                              <p:pRg st="2" end="2"/>
+                                            </p:txEl>
+                                          </p:spTgt>
+                                        </p:tgtEl>
+                                      </p:cBhvr>
+                                    </p:animEffect>
+                                  </p:childTnLst>
+                                </p:cTn>
+                              </p:par>
+                            </p:childTnLst>
+                          </p:cTn>
+                        </p:par>
+                      </p:childTnLst>
+                    </p:cTn>
+                  </p:par>
+                  <p:par>
+                    <p:cTn id="8" fill="hold">
+                      <p:stCondLst>
+                        <p:cond delay="indefinite"/>
+                      </p:stCondLst>
+                      <p:childTnLst>
+                        <p:par>
+                          <p:cTn id="9" fill="hold">
+                            <p:stCondLst>
+                              <p:cond delay="0"/>
+                            </p:stCondLst>
+                            <p:childTnLst>
+                              <p:par>
+                                <p:cTn id="10" presetID="10" presetClass="entr" presetSubtype="0" fill="hold" nodeType="clickEffect">
+                                  <p:stCondLst>
+                                    <p:cond delay="0"/>
+                                  </p:stCondLst>
+                                  <p:childTnLst>
+                                    <p:set>
+                                      <p:cBhvr>
+                                        <p:cTn id="11" dur="1" fill="hold">
+                                          <p:stCondLst>
+                                            <p:cond delay="0"/>
+                                          </p:stCondLst>
+                                        </p:cTn>
+                                        <p:tgtEl>
+                                          <p:spTgt spid="9">
+                                            <p:txEl>
+                                              <p:pRg st="3" end="3"/>
+                                            </p:txEl>
+                                          </p:spTgt>
+                                        </p:tgtEl>
+                                        <p:attrNameLst>
+                                          <p:attrName>style.visibility</p:attrName>
+                                        </p:attrNameLst>
+                                      </p:cBhvr>
+                                      <p:to>
+                                        <p:strVal val="visible"/>
+                                      </p:to>
+                                    </p:set>
+                                    <p:animEffect transition="in" filter="fade">
+                                      <p:cBhvr>
+                                        <p:cTn id="12" dur="500"/>
+                                        <p:tgtEl>
+                                          <p:spTgt spid="9">
+                                            <p:txEl>
+                                              <p:pRg st="3" end="3"/>
+                                            </p:txEl>
+                                          </p:spTgt>
+                                        </p:tgtEl>
+                                      </p:cBhvr>
+                                    </p:animEffect>
+                                  </p:childTnLst>
+                                </p:cTn>
+                              </p:par>
+                            </p:childTnLst>
+                          </p:cTn>
+                        </p:par>
+                      </p:childTnLst>
+                    </p:cTn>
+                  </p:par>
+                  <p:par>
+                    <p:cTn id="13" fill="hold">
+                      <p:stCondLst>
+                        <p:cond delay="indefinite"/>
+                      </p:stCondLst>
+                      <p:childTnLst>
+                        <p:par>
+                          <p:cTn id="14" fill="hold">
+                            <p:stCondLst>
+                              <p:cond delay="0"/>
+                            </p:stCondLst>
+                            <p:childTnLst>
+                              <p:par>
+                                <p:cTn id="15" presetID="10" presetClass="entr" presetSubtype="0" fill="hold" nodeType="clickEffect">
+                                  <p:stCondLst>
+                                    <p:cond delay="0"/>
+                                  </p:stCondLst>
+                                  <p:childTnLst>
+                                    <p:set>
+                                      <p:cBhvr>
+                                        <p:cTn id="16" dur="1" fill="hold">
+                                          <p:stCondLst>
+                                            <p:cond delay="0"/>
+                                          </p:stCondLst>
+                                        </p:cTn>
+                                        <p:tgtEl>
+                                          <p:spTgt spid="11"/>
+                                        </p:tgtEl>
+                                        <p:attrNameLst>
+                                          <p:attrName>style.visibility</p:attrName>
+                                        </p:attrNameLst>
+                                      </p:cBhvr>
+                                      <p:to>
+                                        <p:strVal val="visible"/>
+                                      </p:to>
+                                    </p:set>
+                                    <p:animEffect transition="in" filter="fade">
+                                      <p:cBhvr>
+                                        <p:cTn id="17" dur="500"/>
+                                        <p:tgtEl>
+                                          <p:spTgt spid="11"/>
+                                        </p:tgtEl>
+                                      </p:cBhvr>
+                                    </p:animEffect>
+                                  </p:childTnLst>
+                                </p:cTn>
+                              </p:par>
+                            </p:childTnLst>
+                          </p:cTn>
+                        </p:par>
+                      </p:childTnLst>
+                    </p:cTn>
+                  </p:par>
+                </p:childTnLst>
+              </p:cTn>
+              <p:prevCondLst>
+                <p:cond evt="onPrev" delay="0">
+                  <p:tgtEl>
+                    <p:sldTgt/>
+                  </p:tgtEl>
+                </p:cond>
+              </p:prevCondLst>
+              <p:nextCondLst>
+                <p:cond evt="onNext" delay="0">
+                  <p:tgtEl>
+                    <p:sldTgt/>
+                  </p:tgtEl>
+                </p:cond>
+              </p:nextCondLst>
+            </p:seq>
+          </p:childTnLst>
+        </p:cTn>
+      </p:par>
+    </p:tnLst>
+  </p:timing>
+</p:sld>
+</file>
+
+<file path=ppt/slides/slide12.xml><?xml version="1.0" encoding="utf-8"?>
+<p:sld xmlns:a="http://schemas.openxmlformats.org/drawingml/2006/main" xmlns:r="http://schemas.openxmlformats.org/officeDocument/2006/relationships" xmlns:p="http://schemas.openxmlformats.org/presentationml/2006/main">
+  <p:cSld>
+    <p:spTree>
+      <p:nvGrpSpPr>
+        <p:cNvPr id="1" name=""/>
+        <p:cNvGrpSpPr/>
+        <p:nvPr/>
+      </p:nvGrpSpPr>
+      <p:grpSpPr>
+        <a:xfrm>
+          <a:off x="0" y="0"/>
+          <a:ext cx="0" cy="0"/>
+          <a:chOff x="0" y="0"/>
+          <a:chExt cx="0" cy="0"/>
+        </a:xfrm>
+      </p:grpSpPr>
+      <p:sp>
+        <p:nvSpPr>
           <p:cNvPr id="7" name="Title 6"/>
           <p:cNvSpPr>
             <a:spLocks noGrp="1"/>
@@ -2603,6 +4426,13 @@
               <a:buNone/>
             </a:pPr>
             <a:r>
+              <a:rPr lang="en-US" sz="2000" dirty="0" smtClean="0">
+                <a:latin typeface="Courier New" panose="02070309020205020404" pitchFamily="49" charset="0"/>
+                <a:cs typeface="Courier New" panose="02070309020205020404" pitchFamily="49" charset="0"/>
+              </a:rPr>
+              <a:t>%</a:t>
+            </a:r>
+            <a:r>
               <a:rPr lang="en-US" sz="2000" dirty="0" err="1" smtClean="0">
                 <a:latin typeface="Courier New" panose="02070309020205020404" pitchFamily="49" charset="0"/>
                 <a:cs typeface="Courier New" panose="02070309020205020404" pitchFamily="49" charset="0"/>
@@ -2792,7 +4622,7 @@
           </p:nvPr>
         </p:nvPicPr>
         <p:blipFill>
-          <a:blip r:embed="rId2" cstate="print">
+          <a:blip r:embed="rId3" cstate="print">
             <a:extLst>
               <a:ext uri="{28A0092B-C50C-407E-A947-70E740481C1C}">
                 <a14:useLocalDpi xmlns:a14="http://schemas.microsoft.com/office/drawing/2010/main" val="0"/>
@@ -3243,7 +5073,7 @@
 </p:sld>
 </file>
 
-<file path=ppt/slides/slide11.xml><?xml version="1.0" encoding="utf-8"?>
+<file path=ppt/slides/slide13.xml><?xml version="1.0" encoding="utf-8"?>
 <p:sld xmlns:a="http://schemas.openxmlformats.org/drawingml/2006/main" xmlns:r="http://schemas.openxmlformats.org/officeDocument/2006/relationships" xmlns:p="http://schemas.openxmlformats.org/presentationml/2006/main">
   <p:cSld>
     <p:spTree>
@@ -3495,29 +5325,34 @@
           <a:p>
             <a:r>
               <a:rPr lang="en-US" sz="2800" dirty="0" smtClean="0"/>
-              <a:t>Accessing Remote Code Libraries</a:t>
-            </a:r>
-          </a:p>
-          <a:p>
-            <a:pPr lvl="1"/>
-            <a:r>
-              <a:rPr lang="en-US" sz="2400" dirty="0" smtClean="0"/>
-              <a:t>Manually</a:t>
-            </a:r>
-            <a:endParaRPr lang="en-US" sz="2400" dirty="0" smtClean="0"/>
-          </a:p>
-          <a:p>
-            <a:pPr lvl="1"/>
-            <a:r>
-              <a:rPr lang="en-US" sz="2400" dirty="0" smtClean="0"/>
-              <a:t>Programmatically</a:t>
-            </a:r>
-          </a:p>
-          <a:p>
+              <a:t>Accessing Remote Code </a:t>
+            </a:r>
             <a:r>
               <a:rPr lang="en-US" sz="2800" dirty="0" smtClean="0"/>
-              <a:t>Recap</a:t>
-            </a:r>
+              <a:t>Libraries</a:t>
+            </a:r>
+          </a:p>
+          <a:p>
+            <a:r>
+              <a:rPr lang="en-US" sz="2800" dirty="0" smtClean="0"/>
+              <a:t>%</a:t>
+            </a:r>
+            <a:r>
+              <a:rPr lang="en-US" sz="2800" dirty="0" err="1" smtClean="0"/>
+              <a:t>install_github</a:t>
+            </a:r>
+            <a:r>
+              <a:rPr lang="en-US" sz="2800" dirty="0" smtClean="0"/>
+              <a:t> Source Code</a:t>
+            </a:r>
+            <a:endParaRPr lang="en-US" sz="2800" dirty="0" smtClean="0"/>
+          </a:p>
+          <a:p>
+            <a:r>
+              <a:rPr lang="en-US" sz="2800" dirty="0" smtClean="0"/>
+              <a:t>Examples (time permitting)</a:t>
+            </a:r>
+            <a:endParaRPr lang="en-US" sz="2800" dirty="0" smtClean="0"/>
           </a:p>
           <a:p>
             <a:r>
@@ -3611,44 +5446,57 @@
           <a:lstStyle/>
           <a:p>
             <a:r>
-              <a:rPr lang="en-US" dirty="0" smtClean="0"/>
-              <a:t>Collaboration helps improve methods</a:t>
-            </a:r>
-          </a:p>
-          <a:p>
-            <a:r>
-              <a:rPr lang="en-US" dirty="0"/>
-              <a:t>Open source encourages collaboration</a:t>
-            </a:r>
-          </a:p>
-          <a:p>
-            <a:r>
-              <a:rPr lang="en-US" dirty="0"/>
-              <a:t>Hosting services allow exchange of code and work through the cloud</a:t>
-            </a:r>
-          </a:p>
-          <a:p>
-            <a:r>
-              <a:rPr lang="en-US" dirty="0"/>
-              <a:t>Version control tracks changes</a:t>
-            </a:r>
-          </a:p>
-          <a:p>
-            <a:r>
-              <a:rPr lang="en-US" dirty="0"/>
-              <a:t>GitHub provides </a:t>
-            </a:r>
-            <a:r>
-              <a:rPr lang="en-US" dirty="0" smtClean="0"/>
-              <a:t>each of these </a:t>
-            </a:r>
-            <a:r>
-              <a:rPr lang="en-US" dirty="0"/>
-              <a:t>services</a:t>
-            </a:r>
-          </a:p>
-          <a:p>
-            <a:endParaRPr lang="en-US" dirty="0" smtClean="0"/>
+              <a:rPr lang="en-US" sz="2800" dirty="0" smtClean="0"/>
+              <a:t>R ecosystem embraces collaboration</a:t>
+            </a:r>
+          </a:p>
+          <a:p>
+            <a:pPr lvl="1"/>
+            <a:r>
+              <a:rPr lang="en-US" sz="2400" dirty="0" smtClean="0"/>
+              <a:t>Hosting services like CRAN and GitHub promote exchange of code</a:t>
+            </a:r>
+          </a:p>
+          <a:p>
+            <a:r>
+              <a:rPr lang="en-US" sz="2800" dirty="0" smtClean="0"/>
+              <a:t>SAS ecosystem is less open</a:t>
+            </a:r>
+          </a:p>
+          <a:p>
+            <a:pPr lvl="1"/>
+            <a:r>
+              <a:rPr lang="en-US" sz="2400" dirty="0" smtClean="0"/>
+              <a:t>SAS provides base functionality</a:t>
+            </a:r>
+          </a:p>
+          <a:p>
+            <a:pPr lvl="1"/>
+            <a:r>
+              <a:rPr lang="en-US" sz="2400" dirty="0" smtClean="0"/>
+              <a:t>Code appears in PDFs, not on a hosting service</a:t>
+            </a:r>
+          </a:p>
+          <a:p>
+            <a:r>
+              <a:rPr lang="en-US" sz="2800" dirty="0" smtClean="0"/>
+              <a:t>Collaboration </a:t>
+            </a:r>
+            <a:r>
+              <a:rPr lang="en-US" sz="2800" dirty="0" smtClean="0"/>
+              <a:t>helps improve </a:t>
+            </a:r>
+            <a:r>
+              <a:rPr lang="en-US" sz="2800" dirty="0" smtClean="0"/>
+              <a:t>methods</a:t>
+            </a:r>
+          </a:p>
+          <a:p>
+            <a:r>
+              <a:rPr lang="en-US" sz="2800" dirty="0" smtClean="0"/>
+              <a:t>GitHub hosts and tracks changes to code</a:t>
+            </a:r>
+            <a:endParaRPr lang="en-US" sz="2800" dirty="0"/>
           </a:p>
         </p:txBody>
       </p:sp>
@@ -3961,6 +5809,128 @@
                                           <p:spTgt spid="3">
                                             <p:txEl>
                                               <p:pRg st="4" end="4"/>
+                                            </p:txEl>
+                                          </p:spTgt>
+                                        </p:tgtEl>
+                                      </p:cBhvr>
+                                    </p:animEffect>
+                                  </p:childTnLst>
+                                </p:cTn>
+                              </p:par>
+                            </p:childTnLst>
+                          </p:cTn>
+                        </p:par>
+                      </p:childTnLst>
+                    </p:cTn>
+                  </p:par>
+                  <p:par>
+                    <p:cTn id="28" fill="hold">
+                      <p:stCondLst>
+                        <p:cond delay="indefinite"/>
+                      </p:stCondLst>
+                      <p:childTnLst>
+                        <p:par>
+                          <p:cTn id="29" fill="hold">
+                            <p:stCondLst>
+                              <p:cond delay="0"/>
+                            </p:stCondLst>
+                            <p:childTnLst>
+                              <p:par>
+                                <p:cTn id="30" presetID="10" presetClass="entr" presetSubtype="0" fill="hold" nodeType="clickEffect">
+                                  <p:stCondLst>
+                                    <p:cond delay="0"/>
+                                  </p:stCondLst>
+                                  <p:childTnLst>
+                                    <p:set>
+                                      <p:cBhvr>
+                                        <p:cTn id="31" dur="1" fill="hold">
+                                          <p:stCondLst>
+                                            <p:cond delay="0"/>
+                                          </p:stCondLst>
+                                        </p:cTn>
+                                        <p:tgtEl>
+                                          <p:spTgt spid="3">
+                                            <p:txEl>
+                                              <p:pRg st="5" end="5"/>
+                                            </p:txEl>
+                                          </p:spTgt>
+                                        </p:tgtEl>
+                                        <p:attrNameLst>
+                                          <p:attrName>style.visibility</p:attrName>
+                                        </p:attrNameLst>
+                                      </p:cBhvr>
+                                      <p:to>
+                                        <p:strVal val="visible"/>
+                                      </p:to>
+                                    </p:set>
+                                    <p:animEffect transition="in" filter="fade">
+                                      <p:cBhvr>
+                                        <p:cTn id="32" dur="500"/>
+                                        <p:tgtEl>
+                                          <p:spTgt spid="3">
+                                            <p:txEl>
+                                              <p:pRg st="5" end="5"/>
+                                            </p:txEl>
+                                          </p:spTgt>
+                                        </p:tgtEl>
+                                      </p:cBhvr>
+                                    </p:animEffect>
+                                  </p:childTnLst>
+                                </p:cTn>
+                              </p:par>
+                            </p:childTnLst>
+                          </p:cTn>
+                        </p:par>
+                      </p:childTnLst>
+                    </p:cTn>
+                  </p:par>
+                  <p:par>
+                    <p:cTn id="33" fill="hold">
+                      <p:stCondLst>
+                        <p:cond delay="indefinite"/>
+                      </p:stCondLst>
+                      <p:childTnLst>
+                        <p:par>
+                          <p:cTn id="34" fill="hold">
+                            <p:stCondLst>
+                              <p:cond delay="0"/>
+                            </p:stCondLst>
+                            <p:childTnLst>
+                              <p:par>
+                                <p:cTn id="35" presetID="10" presetClass="entr" presetSubtype="0" fill="hold" nodeType="clickEffect">
+                                  <p:stCondLst>
+                                    <p:cond delay="0"/>
+                                  </p:stCondLst>
+                                  <p:childTnLst>
+                                    <p:set>
+                                      <p:cBhvr>
+                                        <p:cTn id="36" dur="1" fill="hold">
+                                          <p:stCondLst>
+                                            <p:cond delay="0"/>
+                                          </p:stCondLst>
+                                        </p:cTn>
+                                        <p:tgtEl>
+                                          <p:spTgt spid="3">
+                                            <p:txEl>
+                                              <p:pRg st="6" end="6"/>
+                                            </p:txEl>
+                                          </p:spTgt>
+                                        </p:tgtEl>
+                                        <p:attrNameLst>
+                                          <p:attrName>style.visibility</p:attrName>
+                                        </p:attrNameLst>
+                                      </p:cBhvr>
+                                      <p:to>
+                                        <p:strVal val="visible"/>
+                                      </p:to>
+                                    </p:set>
+                                    <p:animEffect transition="in" filter="fade">
+                                      <p:cBhvr>
+                                        <p:cTn id="37" dur="500"/>
+                                        <p:tgtEl>
+                                          <p:spTgt spid="3">
+                                            <p:txEl>
+                                              <p:pRg st="6" end="6"/>
                                             </p:txEl>
                                           </p:spTgt>
                                         </p:tgtEl>
@@ -4095,11 +6065,18 @@
               <a:t>R: 	</a:t>
             </a:r>
             <a:r>
+              <a:rPr lang="en-US" sz="2000" dirty="0" smtClean="0">
+                <a:latin typeface="Courier New" panose="02070309020205020404" pitchFamily="49" charset="0"/>
+                <a:cs typeface="Courier New" panose="02070309020205020404" pitchFamily="49" charset="0"/>
+              </a:rPr>
+              <a:t>source</a:t>
+            </a:r>
+            <a:r>
               <a:rPr lang="en-US" sz="2000" dirty="0">
                 <a:latin typeface="Courier New" panose="02070309020205020404" pitchFamily="49" charset="0"/>
                 <a:cs typeface="Courier New" panose="02070309020205020404" pitchFamily="49" charset="0"/>
               </a:rPr>
-              <a:t>.source('</a:t>
+              <a:t>('</a:t>
             </a:r>
             <a:r>
               <a:rPr lang="en-US" sz="2000" dirty="0" err="1">
@@ -4745,7 +6722,6 @@
               <a:rPr lang="en-US" sz="3200" b="1" dirty="0"/>
               <a:t>GitHub</a:t>
             </a:r>
-            <a:endParaRPr lang="en-US" sz="3200" b="1" dirty="0"/>
           </a:p>
         </p:txBody>
       </p:sp>
@@ -4773,12 +6749,13 @@
           <a:p>
             <a:r>
               <a:rPr lang="en-US" sz="2800" dirty="0"/>
-              <a:t>Web-based hosting </a:t>
+              <a:t>Web-based </a:t>
             </a:r>
             <a:r>
               <a:rPr lang="en-US" sz="2800" dirty="0" smtClean="0"/>
-              <a:t>service</a:t>
-            </a:r>
+              <a:t>or enterprise hosting service</a:t>
+            </a:r>
+            <a:endParaRPr lang="en-US" sz="2800" dirty="0" smtClean="0"/>
           </a:p>
           <a:p>
             <a:r>
@@ -4795,7 +6772,17 @@
           <a:p>
             <a:r>
               <a:rPr lang="en-US" sz="2800" dirty="0" smtClean="0"/>
-              <a:t>Public and private repos</a:t>
+              <a:t>Public and private </a:t>
+            </a:r>
+            <a:r>
+              <a:rPr lang="en-US" sz="2800" dirty="0" smtClean="0"/>
+              <a:t>repos</a:t>
+            </a:r>
+          </a:p>
+          <a:p>
+            <a:r>
+              <a:rPr lang="en-US" sz="2800" dirty="0" smtClean="0"/>
+              <a:t>Cloud-based and enterprise offerings</a:t>
             </a:r>
             <a:endParaRPr lang="en-US" sz="2800" dirty="0" smtClean="0"/>
           </a:p>
@@ -4828,7 +6815,7 @@
         </p:blipFill>
         <p:spPr>
           <a:xfrm>
-            <a:off x="5334000" y="841678"/>
+            <a:off x="5306895" y="2958606"/>
             <a:ext cx="2857500" cy="1005840"/>
           </a:xfrm>
           <a:prstGeom prst="rect">
@@ -5157,6 +7144,67 @@
                                           <p:spTgt spid="3">
                                             <p:txEl>
                                               <p:pRg st="4" end="4"/>
+                                            </p:txEl>
+                                          </p:spTgt>
+                                        </p:tgtEl>
+                                      </p:cBhvr>
+                                    </p:animEffect>
+                                  </p:childTnLst>
+                                </p:cTn>
+                              </p:par>
+                            </p:childTnLst>
+                          </p:cTn>
+                        </p:par>
+                      </p:childTnLst>
+                    </p:cTn>
+                  </p:par>
+                  <p:par>
+                    <p:cTn id="28" fill="hold">
+                      <p:stCondLst>
+                        <p:cond delay="indefinite"/>
+                      </p:stCondLst>
+                      <p:childTnLst>
+                        <p:par>
+                          <p:cTn id="29" fill="hold">
+                            <p:stCondLst>
+                              <p:cond delay="0"/>
+                            </p:stCondLst>
+                            <p:childTnLst>
+                              <p:par>
+                                <p:cTn id="30" presetID="10" presetClass="entr" presetSubtype="0" fill="hold" nodeType="clickEffect">
+                                  <p:stCondLst>
+                                    <p:cond delay="0"/>
+                                  </p:stCondLst>
+                                  <p:childTnLst>
+                                    <p:set>
+                                      <p:cBhvr>
+                                        <p:cTn id="31" dur="1" fill="hold">
+                                          <p:stCondLst>
+                                            <p:cond delay="0"/>
+                                          </p:stCondLst>
+                                        </p:cTn>
+                                        <p:tgtEl>
+                                          <p:spTgt spid="3">
+                                            <p:txEl>
+                                              <p:pRg st="5" end="5"/>
+                                            </p:txEl>
+                                          </p:spTgt>
+                                        </p:tgtEl>
+                                        <p:attrNameLst>
+                                          <p:attrName>style.visibility</p:attrName>
+                                        </p:attrNameLst>
+                                      </p:cBhvr>
+                                      <p:to>
+                                        <p:strVal val="visible"/>
+                                      </p:to>
+                                    </p:set>
+                                    <p:animEffect transition="in" filter="fade">
+                                      <p:cBhvr>
+                                        <p:cTn id="32" dur="500"/>
+                                        <p:tgtEl>
+                                          <p:spTgt spid="3">
+                                            <p:txEl>
+                                              <p:pRg st="5" end="5"/>
                                             </p:txEl>
                                           </p:spTgt>
                                         </p:tgtEl>
@@ -5515,11 +7563,7 @@
           <a:p>
             <a:r>
               <a:rPr lang="en-US" sz="2400" dirty="0" smtClean="0"/>
-              <a:t>Accessing </a:t>
-            </a:r>
-            <a:r>
-              <a:rPr lang="en-US" sz="2400" dirty="0" smtClean="0"/>
-              <a:t>Remote Code Libraries: </a:t>
+              <a:t>Accessing Remote Code Libraries: </a:t>
             </a:r>
             <a:r>
               <a:rPr lang="en-US" sz="2400" b="1" dirty="0" smtClean="0"/>
@@ -5590,7 +7634,7 @@
           </p:nvPr>
         </p:nvPicPr>
         <p:blipFill>
-          <a:blip r:embed="rId2">
+          <a:blip r:embed="rId3">
             <a:extLst>
               <a:ext uri="{28A0092B-C50C-407E-A947-70E740481C1C}">
                 <a14:useLocalDpi xmlns:a14="http://schemas.microsoft.com/office/drawing/2010/main" val="0"/>
@@ -6032,11 +8076,7 @@
           <a:p>
             <a:r>
               <a:rPr lang="en-US" sz="2400" dirty="0" smtClean="0"/>
-              <a:t>Accessing </a:t>
-            </a:r>
-            <a:r>
-              <a:rPr lang="en-US" sz="2400" dirty="0" smtClean="0"/>
-              <a:t>Remote Code Libraries: </a:t>
+              <a:t>Accessing Remote Code Libraries: </a:t>
             </a:r>
             <a:r>
               <a:rPr lang="en-US" sz="2400" b="1" dirty="0" smtClean="0"/>
@@ -6064,7 +8104,7 @@
             <a:pPr algn="ctr"/>
             <a:r>
               <a:rPr lang="en-US" dirty="0" smtClean="0"/>
-              <a:t>R</a:t>
+              <a:t>with R</a:t>
             </a:r>
             <a:endParaRPr lang="en-US" dirty="0"/>
           </a:p>
@@ -6157,13 +8197,6 @@
               </a:rPr>
               <a:t>'</a:t>
             </a:r>
-            <a:r>
-              <a:rPr lang="en-US" sz="2000" dirty="0" smtClean="0">
-                <a:latin typeface="Courier New"/>
-                <a:ea typeface="Times New Roman"/>
-              </a:rPr>
-              <a:t/>
-            </a:r>
             <a:br>
               <a:rPr lang="en-US" sz="2000" dirty="0" smtClean="0">
                 <a:latin typeface="Courier New"/>
@@ -6327,7 +8360,7 @@
             <a:pPr algn="ctr"/>
             <a:r>
               <a:rPr lang="en-US" dirty="0" smtClean="0"/>
-              <a:t>SAS</a:t>
+              <a:t>with SAS</a:t>
             </a:r>
             <a:endParaRPr lang="en-US" dirty="0"/>
           </a:p>
@@ -6556,14 +8589,7 @@
                 <a:latin typeface="Courier New" panose="02070309020205020404" pitchFamily="49" charset="0"/>
                 <a:cs typeface="Courier New" panose="02070309020205020404" pitchFamily="49" charset="0"/>
               </a:rPr>
-              <a:t>  </a:t>
-            </a:r>
-            <a:r>
-              <a:rPr lang="en-US" sz="2000" dirty="0" smtClean="0">
-                <a:latin typeface="Courier New" panose="02070309020205020404" pitchFamily="49" charset="0"/>
-                <a:cs typeface="Courier New" panose="02070309020205020404" pitchFamily="49" charset="0"/>
-              </a:rPr>
-              <a:t>file = &lt;file path&gt;,</a:t>
+              <a:t>  file = &lt;file path&gt;,</a:t>
             </a:r>
             <a:br>
               <a:rPr lang="en-US" sz="2000" dirty="0" smtClean="0">
@@ -6577,13 +8603,6 @@
                 <a:cs typeface="Courier New" panose="02070309020205020404" pitchFamily="49" charset="0"/>
               </a:rPr>
               <a:t>  folder = &lt;folder path&gt;</a:t>
-            </a:r>
-            <a:r>
-              <a:rPr lang="en-US" sz="2000" dirty="0" smtClean="0">
-                <a:latin typeface="Courier New" panose="02070309020205020404" pitchFamily="49" charset="0"/>
-                <a:cs typeface="Courier New" panose="02070309020205020404" pitchFamily="49" charset="0"/>
-              </a:rPr>
-              <a:t/>
             </a:r>
             <a:br>
               <a:rPr lang="en-US" sz="2000" dirty="0" smtClean="0">
@@ -6690,23 +8709,41 @@
                                   </p:childTnLst>
                                 </p:cTn>
                               </p:par>
+                            </p:childTnLst>
+                          </p:cTn>
+                        </p:par>
+                      </p:childTnLst>
+                    </p:cTn>
+                  </p:par>
+                  <p:par>
+                    <p:cTn id="8" fill="hold">
+                      <p:stCondLst>
+                        <p:cond delay="indefinite"/>
+                      </p:stCondLst>
+                      <p:childTnLst>
+                        <p:par>
+                          <p:cTn id="9" fill="hold">
+                            <p:stCondLst>
+                              <p:cond delay="0"/>
+                            </p:stCondLst>
+                            <p:childTnLst>
                               <p:par>
-                                <p:cTn id="8" presetID="10" presetClass="entr" presetSubtype="0" fill="hold" nodeType="withEffect">
+                                <p:cTn id="10" presetID="10" presetClass="entr" presetSubtype="0" fill="hold" nodeType="clickEffect">
                                   <p:stCondLst>
                                     <p:cond delay="0"/>
                                   </p:stCondLst>
                                   <p:childTnLst>
                                     <p:set>
                                       <p:cBhvr>
-                                        <p:cTn id="9" dur="1" fill="hold">
+                                        <p:cTn id="11" dur="1" fill="hold">
                                           <p:stCondLst>
                                             <p:cond delay="0"/>
                                           </p:stCondLst>
                                         </p:cTn>
                                         <p:tgtEl>
-                                          <p:spTgt spid="9">
-                                            <p:txEl>
-                                              <p:pRg st="0" end="0"/>
+                                          <p:spTgt spid="7">
+                                            <p:txEl>
+                                              <p:pRg st="1" end="1"/>
                                             </p:txEl>
                                           </p:spTgt>
                                         </p:tgtEl>
@@ -6720,11 +8757,11 @@
                                     </p:set>
                                     <p:animEffect transition="in" filter="fade">
                                       <p:cBhvr>
-                                        <p:cTn id="10" dur="500"/>
-                                        <p:tgtEl>
-                                          <p:spTgt spid="9">
-                                            <p:txEl>
-                                              <p:pRg st="0" end="0"/>
+                                        <p:cTn id="12" dur="500"/>
+                                        <p:tgtEl>
+                                          <p:spTgt spid="7">
+                                            <p:txEl>
+                                              <p:pRg st="1" end="1"/>
                                             </p:txEl>
                                           </p:spTgt>
                                         </p:tgtEl>
@@ -6740,26 +8777,26 @@
                     </p:cTn>
                   </p:par>
                   <p:par>
-                    <p:cTn id="11" fill="hold">
+                    <p:cTn id="13" fill="hold">
                       <p:stCondLst>
                         <p:cond delay="indefinite"/>
                       </p:stCondLst>
                       <p:childTnLst>
                         <p:par>
-                          <p:cTn id="12" fill="hold">
+                          <p:cTn id="14" fill="hold">
                             <p:stCondLst>
                               <p:cond delay="0"/>
                             </p:stCondLst>
                             <p:childTnLst>
                               <p:par>
-                                <p:cTn id="13" presetID="10" presetClass="entr" presetSubtype="0" fill="hold" nodeType="clickEffect">
+                                <p:cTn id="15" presetID="10" presetClass="entr" presetSubtype="0" fill="hold" nodeType="clickEffect">
                                   <p:stCondLst>
                                     <p:cond delay="0"/>
                                   </p:stCondLst>
                                   <p:childTnLst>
                                     <p:set>
                                       <p:cBhvr>
-                                        <p:cTn id="14" dur="1" fill="hold">
+                                        <p:cTn id="16" dur="1" fill="hold">
                                           <p:stCondLst>
                                             <p:cond delay="0"/>
                                           </p:stCondLst>
@@ -6767,7 +8804,7 @@
                                         <p:tgtEl>
                                           <p:spTgt spid="7">
                                             <p:txEl>
-                                              <p:pRg st="1" end="1"/>
+                                              <p:pRg st="2" end="2"/>
                                             </p:txEl>
                                           </p:spTgt>
                                         </p:tgtEl>
@@ -6781,54 +8818,11 @@
                                     </p:set>
                                     <p:animEffect transition="in" filter="fade">
                                       <p:cBhvr>
-                                        <p:cTn id="15" dur="500"/>
+                                        <p:cTn id="17" dur="500"/>
                                         <p:tgtEl>
                                           <p:spTgt spid="7">
                                             <p:txEl>
-                                              <p:pRg st="1" end="1"/>
-                                            </p:txEl>
-                                          </p:spTgt>
-                                        </p:tgtEl>
-                                      </p:cBhvr>
-                                    </p:animEffect>
-                                  </p:childTnLst>
-                                </p:cTn>
-                              </p:par>
-                              <p:par>
-                                <p:cTn id="16" presetID="10" presetClass="entr" presetSubtype="0" fill="hold" nodeType="withEffect">
-                                  <p:stCondLst>
-                                    <p:cond delay="0"/>
-                                  </p:stCondLst>
-                                  <p:childTnLst>
-                                    <p:set>
-                                      <p:cBhvr>
-                                        <p:cTn id="17" dur="1" fill="hold">
-                                          <p:stCondLst>
-                                            <p:cond delay="0"/>
-                                          </p:stCondLst>
-                                        </p:cTn>
-                                        <p:tgtEl>
-                                          <p:spTgt spid="9">
-                                            <p:txEl>
-                                              <p:pRg st="3" end="3"/>
-                                            </p:txEl>
-                                          </p:spTgt>
-                                        </p:tgtEl>
-                                        <p:attrNameLst>
-                                          <p:attrName>style.visibility</p:attrName>
-                                        </p:attrNameLst>
-                                      </p:cBhvr>
-                                      <p:to>
-                                        <p:strVal val="visible"/>
-                                      </p:to>
-                                    </p:set>
-                                    <p:animEffect transition="in" filter="fade">
-                                      <p:cBhvr>
-                                        <p:cTn id="18" dur="500"/>
-                                        <p:tgtEl>
-                                          <p:spTgt spid="9">
-                                            <p:txEl>
-                                              <p:pRg st="3" end="3"/>
+                                              <p:pRg st="2" end="2"/>
                                             </p:txEl>
                                           </p:spTgt>
                                         </p:tgtEl>
@@ -6844,34 +8838,34 @@
                     </p:cTn>
                   </p:par>
                   <p:par>
-                    <p:cTn id="19" fill="hold">
+                    <p:cTn id="18" fill="hold">
                       <p:stCondLst>
                         <p:cond delay="indefinite"/>
                       </p:stCondLst>
                       <p:childTnLst>
                         <p:par>
-                          <p:cTn id="20" fill="hold">
+                          <p:cTn id="19" fill="hold">
                             <p:stCondLst>
                               <p:cond delay="0"/>
                             </p:stCondLst>
                             <p:childTnLst>
                               <p:par>
-                                <p:cTn id="21" presetID="10" presetClass="entr" presetSubtype="0" fill="hold" nodeType="clickEffect">
+                                <p:cTn id="20" presetID="10" presetClass="entr" presetSubtype="0" fill="hold" nodeType="clickEffect">
                                   <p:stCondLst>
                                     <p:cond delay="0"/>
                                   </p:stCondLst>
                                   <p:childTnLst>
                                     <p:set>
                                       <p:cBhvr>
-                                        <p:cTn id="22" dur="1" fill="hold">
+                                        <p:cTn id="21" dur="1" fill="hold">
                                           <p:stCondLst>
                                             <p:cond delay="0"/>
                                           </p:stCondLst>
                                         </p:cTn>
                                         <p:tgtEl>
-                                          <p:spTgt spid="7">
-                                            <p:txEl>
-                                              <p:pRg st="2" end="2"/>
+                                          <p:spTgt spid="9">
+                                            <p:txEl>
+                                              <p:pRg st="0" end="0"/>
                                             </p:txEl>
                                           </p:spTgt>
                                         </p:tgtEl>
@@ -6885,11 +8879,11 @@
                                     </p:set>
                                     <p:animEffect transition="in" filter="fade">
                                       <p:cBhvr>
-                                        <p:cTn id="23" dur="500"/>
-                                        <p:tgtEl>
-                                          <p:spTgt spid="7">
-                                            <p:txEl>
-                                              <p:pRg st="2" end="2"/>
+                                        <p:cTn id="22" dur="500"/>
+                                        <p:tgtEl>
+                                          <p:spTgt spid="9">
+                                            <p:txEl>
+                                              <p:pRg st="0" end="0"/>
                                             </p:txEl>
                                           </p:spTgt>
                                         </p:tgtEl>
@@ -6898,15 +8892,33 @@
                                   </p:childTnLst>
                                 </p:cTn>
                               </p:par>
+                            </p:childTnLst>
+                          </p:cTn>
+                        </p:par>
+                      </p:childTnLst>
+                    </p:cTn>
+                  </p:par>
+                  <p:par>
+                    <p:cTn id="23" fill="hold">
+                      <p:stCondLst>
+                        <p:cond delay="indefinite"/>
+                      </p:stCondLst>
+                      <p:childTnLst>
+                        <p:par>
+                          <p:cTn id="24" fill="hold">
+                            <p:stCondLst>
+                              <p:cond delay="0"/>
+                            </p:stCondLst>
+                            <p:childTnLst>
                               <p:par>
-                                <p:cTn id="24" presetID="10" presetClass="entr" presetSubtype="0" fill="hold" nodeType="withEffect">
+                                <p:cTn id="25" presetID="10" presetClass="entr" presetSubtype="0" fill="hold" nodeType="clickEffect">
                                   <p:stCondLst>
                                     <p:cond delay="0"/>
                                   </p:stCondLst>
                                   <p:childTnLst>
                                     <p:set>
                                       <p:cBhvr>
-                                        <p:cTn id="25" dur="1" fill="hold">
+                                        <p:cTn id="26" dur="1" fill="hold">
                                           <p:stCondLst>
                                             <p:cond delay="0"/>
                                           </p:stCondLst>
@@ -6914,7 +8926,7 @@
                                         <p:tgtEl>
                                           <p:spTgt spid="9">
                                             <p:txEl>
-                                              <p:pRg st="5" end="5"/>
+                                              <p:pRg st="3" end="3"/>
                                             </p:txEl>
                                           </p:spTgt>
                                         </p:tgtEl>
@@ -6928,7 +8940,68 @@
                                     </p:set>
                                     <p:animEffect transition="in" filter="fade">
                                       <p:cBhvr>
-                                        <p:cTn id="26" dur="500"/>
+                                        <p:cTn id="27" dur="500"/>
+                                        <p:tgtEl>
+                                          <p:spTgt spid="9">
+                                            <p:txEl>
+                                              <p:pRg st="3" end="3"/>
+                                            </p:txEl>
+                                          </p:spTgt>
+                                        </p:tgtEl>
+                                      </p:cBhvr>
+                                    </p:animEffect>
+                                  </p:childTnLst>
+                                </p:cTn>
+                              </p:par>
+                            </p:childTnLst>
+                          </p:cTn>
+                        </p:par>
+                      </p:childTnLst>
+                    </p:cTn>
+                  </p:par>
+                  <p:par>
+                    <p:cTn id="28" fill="hold">
+                      <p:stCondLst>
+                        <p:cond delay="indefinite"/>
+                      </p:stCondLst>
+                      <p:childTnLst>
+                        <p:par>
+                          <p:cTn id="29" fill="hold">
+                            <p:stCondLst>
+                              <p:cond delay="0"/>
+                            </p:stCondLst>
+                            <p:childTnLst>
+                              <p:par>
+                                <p:cTn id="30" presetID="10" presetClass="entr" presetSubtype="0" fill="hold" nodeType="clickEffect">
+                                  <p:stCondLst>
+                                    <p:cond delay="0"/>
+                                  </p:stCondLst>
+                                  <p:childTnLst>
+                                    <p:set>
+                                      <p:cBhvr>
+                                        <p:cTn id="31" dur="1" fill="hold">
+                                          <p:stCondLst>
+                                            <p:cond delay="0"/>
+                                          </p:stCondLst>
+                                        </p:cTn>
+                                        <p:tgtEl>
+                                          <p:spTgt spid="9">
+                                            <p:txEl>
+                                              <p:pRg st="5" end="5"/>
+                                            </p:txEl>
+                                          </p:spTgt>
+                                        </p:tgtEl>
+                                        <p:attrNameLst>
+                                          <p:attrName>style.visibility</p:attrName>
+                                        </p:attrNameLst>
+                                      </p:cBhvr>
+                                      <p:to>
+                                        <p:strVal val="visible"/>
+                                      </p:to>
+                                    </p:set>
+                                    <p:animEffect transition="in" filter="fade">
+                                      <p:cBhvr>
+                                        <p:cTn id="32" dur="500"/>
                                         <p:tgtEl>
                                           <p:spTgt spid="9">
                                             <p:txEl>
@@ -6991,7 +9064,7 @@
       </p:grpSpPr>
       <p:sp>
         <p:nvSpPr>
-          <p:cNvPr id="7" name="Title 6"/>
+          <p:cNvPr id="2" name="Title 1"/>
           <p:cNvSpPr>
             <a:spLocks noGrp="1"/>
           </p:cNvSpPr>
@@ -7005,27 +9078,35 @@
           <a:lstStyle/>
           <a:p>
             <a:r>
-              <a:rPr lang="en-US" sz="3600" dirty="0" smtClean="0"/>
-              <a:t>R Example</a:t>
-            </a:r>
-            <a:endParaRPr lang="en-US" sz="3600" dirty="0"/>
+              <a:rPr lang="en-US" dirty="0" smtClean="0"/>
+              <a:t>%</a:t>
+            </a:r>
+            <a:r>
+              <a:rPr lang="en-US" dirty="0" err="1" smtClean="0"/>
+              <a:t>install_github</a:t>
+            </a:r>
+            <a:r>
+              <a:rPr lang="en-US" dirty="0" smtClean="0"/>
+              <a:t> Source Code</a:t>
+            </a:r>
+            <a:endParaRPr lang="en-US" dirty="0"/>
           </a:p>
         </p:txBody>
       </p:sp>
       <p:sp>
         <p:nvSpPr>
-          <p:cNvPr id="9" name="Content Placeholder 8"/>
+          <p:cNvPr id="3" name="Content Placeholder 2"/>
           <p:cNvSpPr>
             <a:spLocks noGrp="1"/>
           </p:cNvSpPr>
           <p:nvPr>
-            <p:ph sz="half" idx="1"/>
+            <p:ph idx="1"/>
           </p:nvPr>
         </p:nvSpPr>
         <p:spPr>
           <a:xfrm>
-            <a:off x="0" y="857250"/>
-            <a:ext cx="4495800" cy="3429000"/>
+            <a:off x="0" y="914400"/>
+            <a:ext cx="9144000" cy="3371850"/>
           </a:xfrm>
         </p:spPr>
         <p:txBody>
@@ -7033,9 +9114,15 @@
           <a:lstStyle/>
           <a:p>
             <a:pPr marL="0" indent="0">
-              <a:spcBef>
-                <a:spcPts val="0"/>
-              </a:spcBef>
+              <a:buNone/>
+            </a:pPr>
+            <a:r>
+              <a:rPr lang="en-US" dirty="0" smtClean="0"/>
+              <a:t>Sourcing a single remote file:</a:t>
+            </a:r>
+          </a:p>
+          <a:p>
+            <a:pPr marL="400050" lvl="1" indent="0">
               <a:buNone/>
             </a:pPr>
             <a:endParaRPr lang="en-US" sz="2000" dirty="0" smtClean="0">
@@ -7044,217 +9131,170 @@
             </a:endParaRPr>
           </a:p>
           <a:p>
-            <a:pPr marL="0" indent="0">
-              <a:spcBef>
-                <a:spcPts val="0"/>
-              </a:spcBef>
+            <a:pPr marL="400050" lvl="1" indent="0">
               <a:buNone/>
             </a:pPr>
+            <a:r>
+              <a:rPr lang="en-US" sz="2000" dirty="0" smtClean="0">
+                <a:latin typeface="Courier New" panose="02070309020205020404" pitchFamily="49" charset="0"/>
+                <a:cs typeface="Courier New" panose="02070309020205020404" pitchFamily="49" charset="0"/>
+              </a:rPr>
+              <a:t>filename </a:t>
+            </a:r>
+            <a:r>
+              <a:rPr lang="en-US" sz="2000" dirty="0" err="1" smtClean="0">
+                <a:latin typeface="Courier New" panose="02070309020205020404" pitchFamily="49" charset="0"/>
+                <a:cs typeface="Courier New" panose="02070309020205020404" pitchFamily="49" charset="0"/>
+              </a:rPr>
+              <a:t>fileURL</a:t>
+            </a:r>
+            <a:r>
+              <a:rPr lang="en-US" sz="2000" dirty="0" smtClean="0">
+                <a:latin typeface="Courier New" panose="02070309020205020404" pitchFamily="49" charset="0"/>
+                <a:cs typeface="Courier New" panose="02070309020205020404" pitchFamily="49" charset="0"/>
+              </a:rPr>
+              <a:t> </a:t>
+            </a:r>
+            <a:r>
+              <a:rPr lang="en-US" sz="2000" dirty="0" err="1" smtClean="0">
+                <a:latin typeface="Courier New" panose="02070309020205020404" pitchFamily="49" charset="0"/>
+                <a:cs typeface="Courier New" panose="02070309020205020404" pitchFamily="49" charset="0"/>
+              </a:rPr>
+              <a:t>url</a:t>
+            </a:r>
+            <a:r>
+              <a:rPr lang="en-US" sz="2000" dirty="0" smtClean="0">
+                <a:latin typeface="Courier New" panose="02070309020205020404" pitchFamily="49" charset="0"/>
+                <a:cs typeface="Courier New" panose="02070309020205020404" pitchFamily="49" charset="0"/>
+              </a:rPr>
+              <a:t> "&amp;</a:t>
+            </a:r>
+            <a:r>
+              <a:rPr lang="en-US" sz="2000" dirty="0" err="1" smtClean="0">
+                <a:latin typeface="Courier New" panose="02070309020205020404" pitchFamily="49" charset="0"/>
+                <a:cs typeface="Courier New" panose="02070309020205020404" pitchFamily="49" charset="0"/>
+              </a:rPr>
+              <a:t>fileURL</a:t>
+            </a:r>
+            <a:r>
+              <a:rPr lang="en-US" sz="2000" dirty="0" smtClean="0">
+                <a:latin typeface="Courier New" panose="02070309020205020404" pitchFamily="49" charset="0"/>
+                <a:cs typeface="Courier New" panose="02070309020205020404" pitchFamily="49" charset="0"/>
+              </a:rPr>
+              <a:t>";	*assign </a:t>
+            </a:r>
+            <a:r>
+              <a:rPr lang="en-US" sz="2000" i="1" dirty="0" err="1" smtClean="0">
+                <a:latin typeface="Courier New" panose="02070309020205020404" pitchFamily="49" charset="0"/>
+                <a:cs typeface="Courier New" panose="02070309020205020404" pitchFamily="49" charset="0"/>
+              </a:rPr>
+              <a:t>fileref</a:t>
+            </a:r>
+            <a:r>
+              <a:rPr lang="en-US" sz="2000" dirty="0" smtClean="0">
+                <a:latin typeface="Courier New" panose="02070309020205020404" pitchFamily="49" charset="0"/>
+                <a:cs typeface="Courier New" panose="02070309020205020404" pitchFamily="49" charset="0"/>
+              </a:rPr>
+              <a:t>;</a:t>
+            </a:r>
+          </a:p>
+          <a:p>
+            <a:pPr marL="400050" lvl="1" indent="0">
+              <a:buNone/>
+            </a:pPr>
+            <a:r>
+              <a:rPr lang="en-US" sz="2000" dirty="0" smtClean="0">
+                <a:latin typeface="Courier New" panose="02070309020205020404" pitchFamily="49" charset="0"/>
+                <a:cs typeface="Courier New" panose="02070309020205020404" pitchFamily="49" charset="0"/>
+              </a:rPr>
+              <a:t>  %</a:t>
+            </a:r>
+            <a:r>
+              <a:rPr lang="en-US" sz="2000" dirty="0">
+                <a:latin typeface="Courier New" panose="02070309020205020404" pitchFamily="49" charset="0"/>
+                <a:cs typeface="Courier New" panose="02070309020205020404" pitchFamily="49" charset="0"/>
+              </a:rPr>
+              <a:t>include </a:t>
+            </a:r>
+            <a:r>
+              <a:rPr lang="en-US" sz="2000" dirty="0" err="1">
+                <a:latin typeface="Courier New" panose="02070309020205020404" pitchFamily="49" charset="0"/>
+                <a:cs typeface="Courier New" panose="02070309020205020404" pitchFamily="49" charset="0"/>
+              </a:rPr>
+              <a:t>fileURL</a:t>
+            </a:r>
+            <a:r>
+              <a:rPr lang="en-US" sz="2000" dirty="0" smtClean="0">
+                <a:latin typeface="Courier New" panose="02070309020205020404" pitchFamily="49" charset="0"/>
+                <a:cs typeface="Courier New" panose="02070309020205020404" pitchFamily="49" charset="0"/>
+              </a:rPr>
+              <a:t>;			*source </a:t>
+            </a:r>
+            <a:r>
+              <a:rPr lang="en-US" sz="2000" i="1" dirty="0" err="1" smtClean="0">
+                <a:latin typeface="Courier New" panose="02070309020205020404" pitchFamily="49" charset="0"/>
+                <a:cs typeface="Courier New" panose="02070309020205020404" pitchFamily="49" charset="0"/>
+              </a:rPr>
+              <a:t>fileref</a:t>
+            </a:r>
+            <a:r>
+              <a:rPr lang="en-US" sz="2000" dirty="0" smtClean="0">
+                <a:latin typeface="Courier New" panose="02070309020205020404" pitchFamily="49" charset="0"/>
+                <a:cs typeface="Courier New" panose="02070309020205020404" pitchFamily="49" charset="0"/>
+              </a:rPr>
+              <a:t>;</a:t>
+            </a:r>
+          </a:p>
+          <a:p>
+            <a:pPr marL="400050" lvl="1" indent="0">
+              <a:buNone/>
+            </a:pPr>
+            <a:r>
+              <a:rPr lang="en-US" sz="2000" dirty="0" smtClean="0">
+                <a:latin typeface="Courier New" panose="02070309020205020404" pitchFamily="49" charset="0"/>
+                <a:cs typeface="Courier New" panose="02070309020205020404" pitchFamily="49" charset="0"/>
+              </a:rPr>
+              <a:t>filename </a:t>
+            </a:r>
+            <a:r>
+              <a:rPr lang="en-US" sz="2000" dirty="0" err="1" smtClean="0">
+                <a:latin typeface="Courier New" panose="02070309020205020404" pitchFamily="49" charset="0"/>
+                <a:cs typeface="Courier New" panose="02070309020205020404" pitchFamily="49" charset="0"/>
+              </a:rPr>
+              <a:t>fileURL</a:t>
+            </a:r>
+            <a:r>
+              <a:rPr lang="en-US" sz="2000" dirty="0" smtClean="0">
+                <a:latin typeface="Courier New" panose="02070309020205020404" pitchFamily="49" charset="0"/>
+                <a:cs typeface="Courier New" panose="02070309020205020404" pitchFamily="49" charset="0"/>
+              </a:rPr>
+              <a:t> clear;		*clear </a:t>
+            </a:r>
+            <a:r>
+              <a:rPr lang="en-US" sz="2000" i="1" dirty="0" err="1" smtClean="0">
+                <a:latin typeface="Courier New" panose="02070309020205020404" pitchFamily="49" charset="0"/>
+                <a:cs typeface="Courier New" panose="02070309020205020404" pitchFamily="49" charset="0"/>
+              </a:rPr>
+              <a:t>fileref</a:t>
+            </a:r>
+            <a:r>
+              <a:rPr lang="en-US" sz="2000" dirty="0" smtClean="0">
+                <a:latin typeface="Courier New" panose="02070309020205020404" pitchFamily="49" charset="0"/>
+                <a:cs typeface="Courier New" panose="02070309020205020404" pitchFamily="49" charset="0"/>
+              </a:rPr>
+              <a:t>;</a:t>
+            </a:r>
             <a:endParaRPr lang="en-US" sz="2000" dirty="0">
               <a:latin typeface="Courier New" panose="02070309020205020404" pitchFamily="49" charset="0"/>
               <a:cs typeface="Courier New" panose="02070309020205020404" pitchFamily="49" charset="0"/>
             </a:endParaRPr>
           </a:p>
-          <a:p>
-            <a:pPr marL="0" indent="0">
-              <a:spcBef>
-                <a:spcPts val="0"/>
-              </a:spcBef>
-              <a:buNone/>
-            </a:pPr>
-            <a:r>
-              <a:rPr lang="en-US" sz="2000" dirty="0" err="1" smtClean="0">
-                <a:latin typeface="Courier New" panose="02070309020205020404" pitchFamily="49" charset="0"/>
-                <a:cs typeface="Courier New" panose="02070309020205020404" pitchFamily="49" charset="0"/>
-              </a:rPr>
-              <a:t>devtools</a:t>
-            </a:r>
-            <a:r>
-              <a:rPr lang="en-US" sz="2000" dirty="0">
-                <a:latin typeface="Courier New" panose="02070309020205020404" pitchFamily="49" charset="0"/>
-                <a:cs typeface="Courier New" panose="02070309020205020404" pitchFamily="49" charset="0"/>
-              </a:rPr>
-              <a:t>::</a:t>
-            </a:r>
-            <a:r>
-              <a:rPr lang="en-US" sz="2000" dirty="0" err="1">
-                <a:latin typeface="Courier New" panose="02070309020205020404" pitchFamily="49" charset="0"/>
-                <a:cs typeface="Courier New" panose="02070309020205020404" pitchFamily="49" charset="0"/>
-              </a:rPr>
-              <a:t>install_github</a:t>
-            </a:r>
-            <a:r>
-              <a:rPr lang="en-US" sz="2000" dirty="0" smtClean="0">
-                <a:latin typeface="Courier New" panose="02070309020205020404" pitchFamily="49" charset="0"/>
-                <a:cs typeface="Courier New" panose="02070309020205020404" pitchFamily="49" charset="0"/>
-              </a:rPr>
-              <a:t>(</a:t>
-            </a:r>
-            <a:br>
-              <a:rPr lang="en-US" sz="2000" dirty="0" smtClean="0">
-                <a:latin typeface="Courier New" panose="02070309020205020404" pitchFamily="49" charset="0"/>
-                <a:cs typeface="Courier New" panose="02070309020205020404" pitchFamily="49" charset="0"/>
-              </a:rPr>
-            </a:br>
-            <a:r>
-              <a:rPr lang="en-US" sz="2000" dirty="0" smtClean="0">
-                <a:latin typeface="Courier New" panose="02070309020205020404" pitchFamily="49" charset="0"/>
-                <a:cs typeface="Courier New" panose="02070309020205020404" pitchFamily="49" charset="0"/>
-              </a:rPr>
-              <a:t>  '</a:t>
-            </a:r>
-            <a:r>
-              <a:rPr lang="en-US" sz="2000" dirty="0" err="1" smtClean="0">
-                <a:latin typeface="Courier New" panose="02070309020205020404" pitchFamily="49" charset="0"/>
-                <a:cs typeface="Courier New" panose="02070309020205020404" pitchFamily="49" charset="0"/>
-              </a:rPr>
-              <a:t>RhoInc</a:t>
-            </a:r>
-            <a:r>
-              <a:rPr lang="en-US" sz="2000" dirty="0" smtClean="0">
-                <a:latin typeface="Courier New" panose="02070309020205020404" pitchFamily="49" charset="0"/>
-                <a:cs typeface="Courier New" panose="02070309020205020404" pitchFamily="49" charset="0"/>
-              </a:rPr>
-              <a:t>/</a:t>
-            </a:r>
-            <a:r>
-              <a:rPr lang="en-US" sz="2000" dirty="0" err="1" smtClean="0">
-                <a:latin typeface="Courier New" panose="02070309020205020404" pitchFamily="49" charset="0"/>
-                <a:cs typeface="Courier New" panose="02070309020205020404" pitchFamily="49" charset="0"/>
-              </a:rPr>
-              <a:t>datadigest</a:t>
-            </a:r>
-            <a:r>
-              <a:rPr lang="en-US" sz="2000" dirty="0" smtClean="0">
-                <a:latin typeface="Courier New" panose="02070309020205020404" pitchFamily="49" charset="0"/>
-                <a:cs typeface="Courier New" panose="02070309020205020404" pitchFamily="49" charset="0"/>
-              </a:rPr>
-              <a:t>'</a:t>
-            </a:r>
-            <a:br>
-              <a:rPr lang="en-US" sz="2000" dirty="0" smtClean="0">
-                <a:latin typeface="Courier New" panose="02070309020205020404" pitchFamily="49" charset="0"/>
-                <a:cs typeface="Courier New" panose="02070309020205020404" pitchFamily="49" charset="0"/>
-              </a:rPr>
-            </a:br>
-            <a:r>
-              <a:rPr lang="en-US" sz="2000" dirty="0" smtClean="0">
-                <a:latin typeface="Courier New" panose="02070309020205020404" pitchFamily="49" charset="0"/>
-                <a:cs typeface="Courier New" panose="02070309020205020404" pitchFamily="49" charset="0"/>
-              </a:rPr>
-              <a:t>)</a:t>
-            </a:r>
-          </a:p>
-          <a:p>
-            <a:pPr marL="0" indent="0">
-              <a:spcBef>
-                <a:spcPts val="0"/>
-              </a:spcBef>
-              <a:buNone/>
-            </a:pPr>
-            <a:r>
-              <a:rPr lang="en-US" sz="2000" dirty="0" smtClean="0">
-                <a:latin typeface="Courier New" panose="02070309020205020404" pitchFamily="49" charset="0"/>
-                <a:cs typeface="Courier New" panose="02070309020205020404" pitchFamily="49" charset="0"/>
-              </a:rPr>
-              <a:t/>
-            </a:r>
-            <a:br>
-              <a:rPr lang="en-US" sz="2000" dirty="0" smtClean="0">
-                <a:latin typeface="Courier New" panose="02070309020205020404" pitchFamily="49" charset="0"/>
-                <a:cs typeface="Courier New" panose="02070309020205020404" pitchFamily="49" charset="0"/>
-              </a:rPr>
-            </a:br>
-            <a:r>
-              <a:rPr lang="en-US" sz="2000" dirty="0" err="1" smtClean="0">
-                <a:latin typeface="Courier New" panose="02070309020205020404" pitchFamily="49" charset="0"/>
-                <a:cs typeface="Courier New" panose="02070309020205020404" pitchFamily="49" charset="0"/>
-              </a:rPr>
-              <a:t>datadigest</a:t>
-            </a:r>
-            <a:r>
-              <a:rPr lang="en-US" sz="2000" dirty="0" smtClean="0">
-                <a:latin typeface="Courier New" panose="02070309020205020404" pitchFamily="49" charset="0"/>
-                <a:cs typeface="Courier New" panose="02070309020205020404" pitchFamily="49" charset="0"/>
-              </a:rPr>
-              <a:t>::codebook(</a:t>
-            </a:r>
-            <a:br>
-              <a:rPr lang="en-US" sz="2000" dirty="0" smtClean="0">
-                <a:latin typeface="Courier New" panose="02070309020205020404" pitchFamily="49" charset="0"/>
-                <a:cs typeface="Courier New" panose="02070309020205020404" pitchFamily="49" charset="0"/>
-              </a:rPr>
-            </a:br>
-            <a:r>
-              <a:rPr lang="en-US" sz="2000" dirty="0" smtClean="0">
-                <a:latin typeface="Courier New" panose="02070309020205020404" pitchFamily="49" charset="0"/>
-                <a:cs typeface="Courier New" panose="02070309020205020404" pitchFamily="49" charset="0"/>
-              </a:rPr>
-              <a:t>  data = </a:t>
-            </a:r>
-            <a:r>
-              <a:rPr lang="en-US" sz="2000" dirty="0" err="1" smtClean="0">
-                <a:latin typeface="Courier New" panose="02070309020205020404" pitchFamily="49" charset="0"/>
-                <a:cs typeface="Courier New" panose="02070309020205020404" pitchFamily="49" charset="0"/>
-              </a:rPr>
-              <a:t>mtcars</a:t>
-            </a:r>
-            <a:r>
-              <a:rPr lang="en-US" sz="2000" dirty="0" smtClean="0">
-                <a:latin typeface="Courier New" panose="02070309020205020404" pitchFamily="49" charset="0"/>
-                <a:cs typeface="Courier New" panose="02070309020205020404" pitchFamily="49" charset="0"/>
-              </a:rPr>
-              <a:t/>
-            </a:r>
-            <a:br>
-              <a:rPr lang="en-US" sz="2000" dirty="0" smtClean="0">
-                <a:latin typeface="Courier New" panose="02070309020205020404" pitchFamily="49" charset="0"/>
-                <a:cs typeface="Courier New" panose="02070309020205020404" pitchFamily="49" charset="0"/>
-              </a:rPr>
-            </a:br>
-            <a:r>
-              <a:rPr lang="en-US" sz="2000" dirty="0" smtClean="0">
-                <a:latin typeface="Courier New" panose="02070309020205020404" pitchFamily="49" charset="0"/>
-                <a:cs typeface="Courier New" panose="02070309020205020404" pitchFamily="49" charset="0"/>
-              </a:rPr>
-              <a:t>)</a:t>
-            </a:r>
-          </a:p>
         </p:txBody>
       </p:sp>
-      <p:pic>
-        <p:nvPicPr>
-          <p:cNvPr id="11" name="Content Placeholder 10"/>
-          <p:cNvPicPr>
-            <a:picLocks noGrp="1" noChangeAspect="1"/>
-          </p:cNvPicPr>
-          <p:nvPr>
-            <p:ph sz="half" idx="2"/>
-          </p:nvPr>
-        </p:nvPicPr>
-        <p:blipFill>
-          <a:blip r:embed="rId2" cstate="print">
-            <a:extLst>
-              <a:ext uri="{28A0092B-C50C-407E-A947-70E740481C1C}">
-                <a14:useLocalDpi xmlns:a14="http://schemas.microsoft.com/office/drawing/2010/main" val="0"/>
-              </a:ext>
-            </a:extLst>
-          </a:blip>
-          <a:stretch>
-            <a:fillRect/>
-          </a:stretch>
-        </p:blipFill>
-        <p:spPr>
-          <a:xfrm>
-            <a:off x="4419600" y="895350"/>
-            <a:ext cx="4671442" cy="3231305"/>
-          </a:xfrm>
-        </p:spPr>
-      </p:pic>
     </p:spTree>
     <p:extLst>
       <p:ext uri="{BB962C8B-B14F-4D97-AF65-F5344CB8AC3E}">
-        <p14:creationId xmlns:p14="http://schemas.microsoft.com/office/powerpoint/2010/main" val="3743664277"/>
+        <p14:creationId xmlns:p14="http://schemas.microsoft.com/office/powerpoint/2010/main" val="1208146597"/>
       </p:ext>
     </p:extLst>
   </p:cSld>
@@ -7295,9 +9335,9 @@
                                           </p:stCondLst>
                                         </p:cTn>
                                         <p:tgtEl>
-                                          <p:spTgt spid="9">
-                                            <p:txEl>
-                                              <p:pRg st="2" end="2"/>
+                                          <p:spTgt spid="3">
+                                            <p:txEl>
+                                              <p:pRg st="0" end="0"/>
                                             </p:txEl>
                                           </p:spTgt>
                                         </p:tgtEl>
@@ -7313,9 +9353,9 @@
                                       <p:cBhvr>
                                         <p:cTn id="7" dur="500"/>
                                         <p:tgtEl>
-                                          <p:spTgt spid="9">
-                                            <p:txEl>
-                                              <p:pRg st="2" end="2"/>
+                                          <p:spTgt spid="3">
+                                            <p:txEl>
+                                              <p:pRg st="0" end="0"/>
                                             </p:txEl>
                                           </p:spTgt>
                                         </p:tgtEl>
@@ -7356,9 +9396,9 @@
                                           </p:stCondLst>
                                         </p:cTn>
                                         <p:tgtEl>
-                                          <p:spTgt spid="9">
-                                            <p:txEl>
-                                              <p:pRg st="3" end="3"/>
+                                          <p:spTgt spid="3">
+                                            <p:txEl>
+                                              <p:pRg st="2" end="2"/>
                                             </p:txEl>
                                           </p:spTgt>
                                         </p:tgtEl>
@@ -7374,9 +9414,9 @@
                                       <p:cBhvr>
                                         <p:cTn id="12" dur="500"/>
                                         <p:tgtEl>
-                                          <p:spTgt spid="9">
-                                            <p:txEl>
-                                              <p:pRg st="3" end="3"/>
+                                          <p:spTgt spid="3">
+                                            <p:txEl>
+                                              <p:pRg st="2" end="2"/>
                                             </p:txEl>
                                           </p:spTgt>
                                         </p:tgtEl>
@@ -7385,39 +9425,25 @@
                                   </p:childTnLst>
                                 </p:cTn>
                               </p:par>
-                            </p:childTnLst>
-                          </p:cTn>
-                        </p:par>
-                      </p:childTnLst>
-                    </p:cTn>
-                  </p:par>
-                  <p:par>
-                    <p:cTn id="13" fill="hold">
-                      <p:stCondLst>
-                        <p:cond delay="indefinite"/>
-                      </p:stCondLst>
-                      <p:childTnLst>
-                        <p:par>
-                          <p:cTn id="14" fill="hold">
-                            <p:stCondLst>
-                              <p:cond delay="0"/>
-                            </p:stCondLst>
-                            <p:childTnLst>
                               <p:par>
-                                <p:cTn id="15" presetID="10" presetClass="entr" presetSubtype="0" fill="hold" nodeType="clickEffect">
+                                <p:cTn id="13" presetID="10" presetClass="entr" presetSubtype="0" fill="hold" nodeType="withEffect">
                                   <p:stCondLst>
                                     <p:cond delay="0"/>
                                   </p:stCondLst>
                                   <p:childTnLst>
                                     <p:set>
                                       <p:cBhvr>
-                                        <p:cTn id="16" dur="1" fill="hold">
+                                        <p:cTn id="14" dur="1" fill="hold">
                                           <p:stCondLst>
                                             <p:cond delay="0"/>
                                           </p:stCondLst>
                                         </p:cTn>
                                         <p:tgtEl>
-                                          <p:spTgt spid="11"/>
+                                          <p:spTgt spid="3">
+                                            <p:txEl>
+                                              <p:pRg st="3" end="3"/>
+                                            </p:txEl>
+                                          </p:spTgt>
                                         </p:tgtEl>
                                         <p:attrNameLst>
                                           <p:attrName>style.visibility</p:attrName>
@@ -7429,9 +9455,56 @@
                                     </p:set>
                                     <p:animEffect transition="in" filter="fade">
                                       <p:cBhvr>
-                                        <p:cTn id="17" dur="500"/>
-                                        <p:tgtEl>
-                                          <p:spTgt spid="11"/>
+                                        <p:cTn id="15" dur="500"/>
+                                        <p:tgtEl>
+                                          <p:spTgt spid="3">
+                                            <p:txEl>
+                                              <p:pRg st="3" end="3"/>
+                                            </p:txEl>
+                                          </p:spTgt>
+                                        </p:tgtEl>
+                                      </p:cBhvr>
+                                    </p:animEffect>
+                                  </p:childTnLst>
+                                </p:cTn>
+                              </p:par>
+                              <p:par>
+                                <p:cTn id="16" presetID="10" presetClass="entr" presetSubtype="0" fill="hold" nodeType="withEffect">
+                                  <p:stCondLst>
+                                    <p:cond delay="0"/>
+                                  </p:stCondLst>
+                                  <p:childTnLst>
+                                    <p:set>
+                                      <p:cBhvr>
+                                        <p:cTn id="17" dur="1" fill="hold">
+                                          <p:stCondLst>
+                                            <p:cond delay="0"/>
+                                          </p:stCondLst>
+                                        </p:cTn>
+                                        <p:tgtEl>
+                                          <p:spTgt spid="3">
+                                            <p:txEl>
+                                              <p:pRg st="4" end="4"/>
+                                            </p:txEl>
+                                          </p:spTgt>
+                                        </p:tgtEl>
+                                        <p:attrNameLst>
+                                          <p:attrName>style.visibility</p:attrName>
+                                        </p:attrNameLst>
+                                      </p:cBhvr>
+                                      <p:to>
+                                        <p:strVal val="visible"/>
+                                      </p:to>
+                                    </p:set>
+                                    <p:animEffect transition="in" filter="fade">
+                                      <p:cBhvr>
+                                        <p:cTn id="18" dur="500"/>
+                                        <p:tgtEl>
+                                          <p:spTgt spid="3">
+                                            <p:txEl>
+                                              <p:pRg st="4" end="4"/>
+                                            </p:txEl>
+                                          </p:spTgt>
                                         </p:tgtEl>
                                       </p:cBhvr>
                                     </p:animEffect>
@@ -8044,23 +10117,6 @@
 </file>
 
 <file path=customXml/item1.xml><?xml version="1.0" encoding="utf-8"?>
-<?mso-contentType ?>
-<FormTemplates xmlns="http://schemas.microsoft.com/sharepoint/v3/contenttype/forms">
-  <Display>DocumentLibraryForm</Display>
-  <Edit>DocumentLibraryForm</Edit>
-  <New>DocumentLibraryForm</New>
-</FormTemplates>
-</file>
-
-<file path=customXml/item2.xml><?xml version="1.0" encoding="utf-8"?>
-<p:properties xmlns:p="http://schemas.microsoft.com/office/2006/metadata/properties" xmlns:xsi="http://www.w3.org/2001/XMLSchema-instance">
-  <documentManagement>
-    <Category xmlns="e0128858-d012-4a14-8d6e-7d8f9139f51e">_Templates</Category>
-  </documentManagement>
-</p:properties>
-</file>
-
-<file path=customXml/item3.xml><?xml version="1.0" encoding="utf-8"?>
 <ct:contentTypeSchema xmlns:ct="http://schemas.microsoft.com/office/2006/metadata/contentType" xmlns:ma="http://schemas.microsoft.com/office/2006/metadata/properties/metaAttributes" ct:_="" ma:_="" ma:contentTypeName="Document" ma:contentTypeID="0x010100B8706EE1DD09654F93EC890167FED35E" ma:contentTypeVersion="3" ma:contentTypeDescription="Create a new document." ma:contentTypeScope="" ma:versionID="4c209429bec26473329a63b3bf2df313">
   <xsd:schema xmlns:xsd="http://www.w3.org/2001/XMLSchema" xmlns:xs="http://www.w3.org/2001/XMLSchema" xmlns:p="http://schemas.microsoft.com/office/2006/metadata/properties" xmlns:ns2="e0128858-d012-4a14-8d6e-7d8f9139f51e" xmlns:ns3="21839e56-7cb2-49eb-9a41-07cdf127a8cb" targetNamespace="http://schemas.microsoft.com/office/2006/metadata/properties" ma:root="true" ma:fieldsID="4b9e2abfaf4d6379079e11eaceb2d137" ns2:_="" ns3:_="">
     <xsd:import namespace="e0128858-d012-4a14-8d6e-7d8f9139f51e"/>
@@ -8219,10 +10275,38 @@
 </ct:contentTypeSchema>
 </file>
 
+<file path=customXml/item2.xml><?xml version="1.0" encoding="utf-8"?>
+<p:properties xmlns:p="http://schemas.microsoft.com/office/2006/metadata/properties" xmlns:xsi="http://www.w3.org/2001/XMLSchema-instance">
+  <documentManagement>
+    <Category xmlns="e0128858-d012-4a14-8d6e-7d8f9139f51e">_Templates</Category>
+  </documentManagement>
+</p:properties>
+</file>
+
+<file path=customXml/item3.xml><?xml version="1.0" encoding="utf-8"?>
+<?mso-contentType ?>
+<FormTemplates xmlns="http://schemas.microsoft.com/sharepoint/v3/contenttype/forms">
+  <Display>DocumentLibraryForm</Display>
+  <Edit>DocumentLibraryForm</Edit>
+  <New>DocumentLibraryForm</New>
+</FormTemplates>
+</file>
+
 <file path=customXml/itemProps1.xml><?xml version="1.0" encoding="utf-8"?>
-<ds:datastoreItem xmlns:ds="http://schemas.openxmlformats.org/officeDocument/2006/customXml" ds:itemID="{376CE2D0-C849-4B1D-B19F-B74DF7474EF9}">
+<ds:datastoreItem xmlns:ds="http://schemas.openxmlformats.org/officeDocument/2006/customXml" ds:itemID="{32F9C047-D826-469F-9AEB-5591FE56DBDC}">
   <ds:schemaRefs>
-    <ds:schemaRef ds:uri="http://schemas.microsoft.com/sharepoint/v3/contenttype/forms"/>
+    <ds:schemaRef ds:uri="http://schemas.microsoft.com/office/2006/metadata/contentType"/>
+    <ds:schemaRef ds:uri="http://schemas.microsoft.com/office/2006/metadata/properties/metaAttributes"/>
+    <ds:schemaRef ds:uri="http://www.w3.org/2001/XMLSchema"/>
+    <ds:schemaRef ds:uri="http://schemas.microsoft.com/office/2006/metadata/properties"/>
+    <ds:schemaRef ds:uri="e0128858-d012-4a14-8d6e-7d8f9139f51e"/>
+    <ds:schemaRef ds:uri="21839e56-7cb2-49eb-9a41-07cdf127a8cb"/>
+    <ds:schemaRef ds:uri="http://schemas.microsoft.com/office/2006/documentManagement/types"/>
+    <ds:schemaRef ds:uri="http://schemas.microsoft.com/office/infopath/2007/PartnerControls"/>
+    <ds:schemaRef ds:uri="http://schemas.openxmlformats.org/package/2006/metadata/core-properties"/>
+    <ds:schemaRef ds:uri="http://purl.org/dc/elements/1.1/"/>
+    <ds:schemaRef ds:uri="http://purl.org/dc/terms/"/>
+    <ds:schemaRef ds:uri="http://schemas.microsoft.com/internal/obd"/>
   </ds:schemaRefs>
 </ds:datastoreItem>
 </file>
@@ -8245,20 +10329,9 @@
 </file>
 
 <file path=customXml/itemProps3.xml><?xml version="1.0" encoding="utf-8"?>
-<ds:datastoreItem xmlns:ds="http://schemas.openxmlformats.org/officeDocument/2006/customXml" ds:itemID="{32F9C047-D826-469F-9AEB-5591FE56DBDC}">
+<ds:datastoreItem xmlns:ds="http://schemas.openxmlformats.org/officeDocument/2006/customXml" ds:itemID="{376CE2D0-C849-4B1D-B19F-B74DF7474EF9}">
   <ds:schemaRefs>
-    <ds:schemaRef ds:uri="http://schemas.microsoft.com/office/2006/metadata/contentType"/>
-    <ds:schemaRef ds:uri="http://schemas.microsoft.com/office/2006/metadata/properties/metaAttributes"/>
-    <ds:schemaRef ds:uri="http://www.w3.org/2001/XMLSchema"/>
-    <ds:schemaRef ds:uri="http://schemas.microsoft.com/office/2006/metadata/properties"/>
-    <ds:schemaRef ds:uri="e0128858-d012-4a14-8d6e-7d8f9139f51e"/>
-    <ds:schemaRef ds:uri="21839e56-7cb2-49eb-9a41-07cdf127a8cb"/>
-    <ds:schemaRef ds:uri="http://schemas.microsoft.com/office/2006/documentManagement/types"/>
-    <ds:schemaRef ds:uri="http://schemas.microsoft.com/office/infopath/2007/PartnerControls"/>
-    <ds:schemaRef ds:uri="http://schemas.openxmlformats.org/package/2006/metadata/core-properties"/>
-    <ds:schemaRef ds:uri="http://purl.org/dc/elements/1.1/"/>
-    <ds:schemaRef ds:uri="http://purl.org/dc/terms/"/>
-    <ds:schemaRef ds:uri="http://schemas.microsoft.com/internal/obd"/>
+    <ds:schemaRef ds:uri="http://schemas.microsoft.com/sharepoint/v3/contenttype/forms"/>
   </ds:schemaRefs>
 </ds:datastoreItem>
 </file>